--- a/Pranath/final ppt iph.pptx
+++ b/Pranath/final ppt iph.pptx
@@ -2,7 +2,7 @@
 <file path=ppt/presentation.xml><?xml version="1.0" encoding="utf-8"?>
 <p:presentation xmlns:a="http://schemas.openxmlformats.org/drawingml/2006/main" xmlns:r="http://schemas.openxmlformats.org/officeDocument/2006/relationships" xmlns:p="http://schemas.openxmlformats.org/presentationml/2006/main" saveSubsetFonts="1">
   <p:sldMasterIdLst>
-    <p:sldMasterId id="2147483672" r:id="rId1"/>
+    <p:sldMasterId id="2147483684" r:id="rId1"/>
   </p:sldMasterIdLst>
   <p:sldIdLst>
     <p:sldId id="256" r:id="rId2"/>
@@ -11,6 +11,7 @@
     <p:sldId id="261" r:id="rId5"/>
     <p:sldId id="259" r:id="rId6"/>
     <p:sldId id="260" r:id="rId7"/>
+    <p:sldId id="262" r:id="rId8"/>
   </p:sldIdLst>
   <p:sldSz cx="9144000" cy="6858000" type="screen4x3"/>
   <p:notesSz cx="6858000" cy="9144000"/>
@@ -113,7 +114,7 @@
 </file>
 
 <file path=ppt/slideLayouts/slideLayout1.xml><?xml version="1.0" encoding="utf-8"?>
-<p:sldLayout xmlns:a="http://schemas.openxmlformats.org/drawingml/2006/main" xmlns:r="http://schemas.openxmlformats.org/officeDocument/2006/relationships" xmlns:p="http://schemas.openxmlformats.org/presentationml/2006/main" type="title" preserve="1">
+<p:sldLayout xmlns:a="http://schemas.openxmlformats.org/drawingml/2006/main" xmlns:r="http://schemas.openxmlformats.org/officeDocument/2006/relationships" xmlns:p="http://schemas.openxmlformats.org/presentationml/2006/main" showMasterSp="0" type="title" preserve="1">
   <p:cSld name="Title Slide">
     <p:spTree>
       <p:nvGrpSpPr>
@@ -131,35 +132,132 @@
       </p:grpSpPr>
       <p:sp>
         <p:nvSpPr>
-          <p:cNvPr id="2" name="Title 1"/>
-          <p:cNvSpPr>
-            <a:spLocks noGrp="1"/>
-          </p:cNvSpPr>
-          <p:nvPr>
-            <p:ph type="ctrTitle"/>
-          </p:nvPr>
+          <p:cNvPr id="10" name="Right Triangle 9"/>
+          <p:cNvSpPr/>
+          <p:nvPr/>
         </p:nvSpPr>
         <p:spPr>
           <a:xfrm>
-            <a:off x="685800" y="2130425"/>
-            <a:ext cx="7772400" cy="1470025"/>
+            <a:off x="-2" y="4664147"/>
+            <a:ext cx="9151089" cy="0"/>
+          </a:xfrm>
+          <a:prstGeom prst="rtTriangle">
+            <a:avLst/>
+          </a:prstGeom>
+          <a:gradFill flip="none" rotWithShape="1">
+            <a:gsLst>
+              <a:gs pos="0">
+                <a:schemeClr val="accent1">
+                  <a:shade val="35000"/>
+                  <a:satMod val="170000"/>
+                  <a:alpha val="100000"/>
+                </a:schemeClr>
+              </a:gs>
+              <a:gs pos="55000">
+                <a:schemeClr val="accent1">
+                  <a:tint val="90000"/>
+                  <a:satMod val="150000"/>
+                  <a:alpha val="100000"/>
+                </a:schemeClr>
+              </a:gs>
+              <a:gs pos="100000">
+                <a:schemeClr val="accent1">
+                  <a:shade val="35000"/>
+                  <a:satMod val="170000"/>
+                  <a:alpha val="100000"/>
+                </a:schemeClr>
+              </a:gs>
+            </a:gsLst>
+            <a:lin ang="3000000" scaled="1"/>
+            <a:tileRect/>
+          </a:gradFill>
+          <a:ln w="12700" cap="rnd" cmpd="thickThin" algn="ctr">
+            <a:noFill/>
+            <a:prstDash val="solid"/>
+          </a:ln>
+          <a:effectLst/>
+        </p:spPr>
+        <p:style>
+          <a:lnRef idx="3">
+            <a:schemeClr val="lt1"/>
+          </a:lnRef>
+          <a:fillRef idx="1">
+            <a:schemeClr val="accent1"/>
+          </a:fillRef>
+          <a:effectRef idx="1">
+            <a:schemeClr val="accent1"/>
+          </a:effectRef>
+          <a:fontRef idx="minor">
+            <a:schemeClr val="lt1"/>
+          </a:fontRef>
+        </p:style>
+        <p:txBody>
+          <a:bodyPr anchor="ctr"/>
+          <a:lstStyle>
+            <a:extLst/>
+          </a:lstStyle>
+          <a:p>
+            <a:pPr algn="ctr" eaLnBrk="1" latinLnBrk="0" hangingPunct="1"/>
+            <a:endParaRPr kumimoji="0" lang="en-US"/>
+          </a:p>
+        </p:txBody>
+      </p:sp>
+      <p:sp>
+        <p:nvSpPr>
+          <p:cNvPr id="9" name="Title 8"/>
+          <p:cNvSpPr>
+            <a:spLocks noGrp="1"/>
+          </p:cNvSpPr>
+          <p:nvPr>
+            <p:ph type="ctrTitle"/>
+          </p:nvPr>
+        </p:nvSpPr>
+        <p:spPr>
+          <a:xfrm>
+            <a:off x="685800" y="1752601"/>
+            <a:ext cx="7772400" cy="1829761"/>
           </a:xfrm>
         </p:spPr>
         <p:txBody>
-          <a:bodyPr/>
-          <a:lstStyle/>
-          <a:p>
-            <a:r>
-              <a:rPr lang="en-US" smtClean="0"/>
+          <a:bodyPr vert="horz" anchor="b">
+            <a:normAutofit/>
+            <a:scene3d>
+              <a:camera prst="orthographicFront"/>
+              <a:lightRig rig="soft" dir="t"/>
+            </a:scene3d>
+            <a:sp3d prstMaterial="softEdge">
+              <a:bevelT w="25400" h="25400"/>
+            </a:sp3d>
+          </a:bodyPr>
+          <a:lstStyle>
+            <a:lvl1pPr algn="r">
+              <a:defRPr sz="4800" b="1">
+                <a:solidFill>
+                  <a:schemeClr val="tx2"/>
+                </a:solidFill>
+                <a:effectLst>
+                  <a:outerShdw blurRad="31750" dist="25400" dir="5400000" algn="tl" rotWithShape="0">
+                    <a:srgbClr val="000000">
+                      <a:alpha val="25000"/>
+                    </a:srgbClr>
+                  </a:outerShdw>
+                </a:effectLst>
+              </a:defRPr>
+            </a:lvl1pPr>
+            <a:extLst/>
+          </a:lstStyle>
+          <a:p>
+            <a:r>
+              <a:rPr kumimoji="0" lang="en-US" smtClean="0"/>
               <a:t>Click to edit Master title style</a:t>
             </a:r>
-            <a:endParaRPr lang="en-US"/>
-          </a:p>
-        </p:txBody>
-      </p:sp>
-      <p:sp>
-        <p:nvSpPr>
-          <p:cNvPr id="3" name="Subtitle 2"/>
+            <a:endParaRPr kumimoji="0" lang="en-US"/>
+          </a:p>
+        </p:txBody>
+      </p:sp>
+      <p:sp>
+        <p:nvSpPr>
+          <p:cNvPr id="17" name="Subtitle 16"/>
           <p:cNvSpPr>
             <a:spLocks noGrp="1"/>
           </p:cNvSpPr>
@@ -169,127 +267,474 @@
         </p:nvSpPr>
         <p:spPr>
           <a:xfrm>
-            <a:off x="1371600" y="3886200"/>
-            <a:ext cx="6400800" cy="1752600"/>
+            <a:off x="685800" y="3611607"/>
+            <a:ext cx="7772400" cy="1199704"/>
           </a:xfrm>
         </p:spPr>
         <p:txBody>
-          <a:bodyPr/>
-          <a:lstStyle>
-            <a:lvl1pPr marL="0" indent="0" algn="ctr">
+          <a:bodyPr lIns="45720" rIns="45720"/>
+          <a:lstStyle>
+            <a:lvl1pPr marL="0" marR="64008" indent="0" algn="r">
               <a:buNone/>
               <a:defRPr>
                 <a:solidFill>
-                  <a:schemeClr val="tx1">
-                    <a:tint val="75000"/>
-                  </a:schemeClr>
+                  <a:schemeClr val="tx2"/>
                 </a:solidFill>
               </a:defRPr>
             </a:lvl1pPr>
             <a:lvl2pPr marL="457200" indent="0" algn="ctr">
               <a:buNone/>
-              <a:defRPr>
-                <a:solidFill>
-                  <a:schemeClr val="tx1">
-                    <a:tint val="75000"/>
-                  </a:schemeClr>
-                </a:solidFill>
-              </a:defRPr>
             </a:lvl2pPr>
             <a:lvl3pPr marL="914400" indent="0" algn="ctr">
               <a:buNone/>
-              <a:defRPr>
-                <a:solidFill>
-                  <a:schemeClr val="tx1">
-                    <a:tint val="75000"/>
-                  </a:schemeClr>
-                </a:solidFill>
-              </a:defRPr>
             </a:lvl3pPr>
             <a:lvl4pPr marL="1371600" indent="0" algn="ctr">
               <a:buNone/>
-              <a:defRPr>
-                <a:solidFill>
-                  <a:schemeClr val="tx1">
-                    <a:tint val="75000"/>
-                  </a:schemeClr>
-                </a:solidFill>
-              </a:defRPr>
             </a:lvl4pPr>
             <a:lvl5pPr marL="1828800" indent="0" algn="ctr">
               <a:buNone/>
-              <a:defRPr>
-                <a:solidFill>
-                  <a:schemeClr val="tx1">
-                    <a:tint val="75000"/>
-                  </a:schemeClr>
-                </a:solidFill>
-              </a:defRPr>
             </a:lvl5pPr>
             <a:lvl6pPr marL="2286000" indent="0" algn="ctr">
               <a:buNone/>
-              <a:defRPr>
-                <a:solidFill>
-                  <a:schemeClr val="tx1">
-                    <a:tint val="75000"/>
-                  </a:schemeClr>
-                </a:solidFill>
-              </a:defRPr>
             </a:lvl6pPr>
             <a:lvl7pPr marL="2743200" indent="0" algn="ctr">
               <a:buNone/>
-              <a:defRPr>
-                <a:solidFill>
-                  <a:schemeClr val="tx1">
-                    <a:tint val="75000"/>
-                  </a:schemeClr>
-                </a:solidFill>
-              </a:defRPr>
             </a:lvl7pPr>
             <a:lvl8pPr marL="3200400" indent="0" algn="ctr">
               <a:buNone/>
-              <a:defRPr>
-                <a:solidFill>
-                  <a:schemeClr val="tx1">
-                    <a:tint val="75000"/>
-                  </a:schemeClr>
-                </a:solidFill>
-              </a:defRPr>
             </a:lvl8pPr>
             <a:lvl9pPr marL="3657600" indent="0" algn="ctr">
               <a:buNone/>
+            </a:lvl9pPr>
+            <a:extLst/>
+          </a:lstStyle>
+          <a:p>
+            <a:r>
+              <a:rPr kumimoji="0" lang="en-US" smtClean="0"/>
+              <a:t>Click to edit Master subtitle style</a:t>
+            </a:r>
+            <a:endParaRPr kumimoji="0" lang="en-US"/>
+          </a:p>
+        </p:txBody>
+      </p:sp>
+      <p:grpSp>
+        <p:nvGrpSpPr>
+          <p:cNvPr id="2" name="Group 1"/>
+          <p:cNvGrpSpPr/>
+          <p:nvPr/>
+        </p:nvGrpSpPr>
+        <p:grpSpPr>
+          <a:xfrm>
+            <a:off x="-3765" y="4953000"/>
+            <a:ext cx="9147765" cy="1912088"/>
+            <a:chOff x="-3765" y="4832896"/>
+            <a:chExt cx="9147765" cy="2032192"/>
+          </a:xfrm>
+        </p:grpSpPr>
+        <p:sp>
+          <p:nvSpPr>
+            <p:cNvPr id="7" name="Freeform 6"/>
+            <p:cNvSpPr>
+              <a:spLocks/>
+            </p:cNvSpPr>
+            <p:nvPr/>
+          </p:nvSpPr>
+          <p:spPr bwMode="auto">
+            <a:xfrm>
+              <a:off x="1687513" y="4832896"/>
+              <a:ext cx="7456487" cy="518816"/>
+            </a:xfrm>
+            <a:custGeom>
+              <a:avLst>
+                <a:gd name="A1" fmla="val 0"/>
+                <a:gd name="A2" fmla="val 0"/>
+                <a:gd name="A3" fmla="val 0"/>
+                <a:gd name="A4" fmla="val 0"/>
+                <a:gd name="A5" fmla="val 0"/>
+                <a:gd name="A6" fmla="val 0"/>
+                <a:gd name="A7" fmla="val 0"/>
+                <a:gd name="A8" fmla="val 0"/>
+              </a:avLst>
+              <a:gdLst/>
+              <a:ahLst/>
+              <a:cxnLst>
+                <a:cxn ang="0">
+                  <a:pos x="4697" y="0"/>
+                </a:cxn>
+                <a:cxn ang="0">
+                  <a:pos x="4697" y="367"/>
+                </a:cxn>
+                <a:cxn ang="0">
+                  <a:pos x="0" y="218"/>
+                </a:cxn>
+                <a:cxn ang="0">
+                  <a:pos x="4697" y="0"/>
+                </a:cxn>
+              </a:cxnLst>
+              <a:rect l="0" t="0" r="0" b="0"/>
+              <a:pathLst>
+                <a:path w="4697" h="367">
+                  <a:moveTo>
+                    <a:pt x="4697" y="0"/>
+                  </a:moveTo>
+                  <a:lnTo>
+                    <a:pt x="4697" y="367"/>
+                  </a:lnTo>
+                  <a:lnTo>
+                    <a:pt x="0" y="218"/>
+                  </a:lnTo>
+                  <a:lnTo>
+                    <a:pt x="4697" y="0"/>
+                  </a:lnTo>
+                  <a:close/>
+                </a:path>
+              </a:pathLst>
+            </a:custGeom>
+            <a:solidFill>
+              <a:schemeClr val="accent1">
+                <a:tint val="65000"/>
+                <a:satMod val="115000"/>
+                <a:alpha val="40000"/>
+              </a:schemeClr>
+            </a:solidFill>
+            <a:ln w="9525" cap="flat" cmpd="sng" algn="ctr">
+              <a:noFill/>
+              <a:prstDash val="solid"/>
+              <a:round/>
+              <a:headEnd type="none" w="med" len="med"/>
+              <a:tailEnd type="none" w="med" len="med"/>
+            </a:ln>
+            <a:effectLst/>
+          </p:spPr>
+          <p:txBody>
+            <a:bodyPr vert="horz" wrap="square" lIns="91440" tIns="45720" rIns="91440" bIns="45720" anchor="t" compatLnSpc="1"/>
+            <a:lstStyle>
+              <a:extLst/>
+            </a:lstStyle>
+            <a:p>
+              <a:endParaRPr kumimoji="0" lang="en-US"/>
+            </a:p>
+          </p:txBody>
+        </p:sp>
+        <p:sp>
+          <p:nvSpPr>
+            <p:cNvPr id="8" name="Freeform 7"/>
+            <p:cNvSpPr>
+              <a:spLocks/>
+            </p:cNvSpPr>
+            <p:nvPr/>
+          </p:nvSpPr>
+          <p:spPr bwMode="auto">
+            <a:xfrm>
+              <a:off x="35443" y="5135526"/>
+              <a:ext cx="9108557" cy="838200"/>
+            </a:xfrm>
+            <a:custGeom>
+              <a:avLst>
+                <a:gd name="A1" fmla="val 0"/>
+                <a:gd name="A2" fmla="val 0"/>
+                <a:gd name="A3" fmla="val 0"/>
+                <a:gd name="A4" fmla="val 0"/>
+                <a:gd name="A5" fmla="val 0"/>
+                <a:gd name="A6" fmla="val 0"/>
+                <a:gd name="A7" fmla="val 0"/>
+                <a:gd name="A8" fmla="val 0"/>
+              </a:avLst>
+              <a:gdLst/>
+              <a:ahLst/>
+              <a:cxnLst>
+                <a:cxn ang="0">
+                  <a:pos x="0" y="0"/>
+                </a:cxn>
+                <a:cxn ang="0">
+                  <a:pos x="5760" y="0"/>
+                </a:cxn>
+                <a:cxn ang="0">
+                  <a:pos x="5760" y="528"/>
+                </a:cxn>
+                <a:cxn ang="0">
+                  <a:pos x="48" y="0"/>
+                </a:cxn>
+              </a:cxnLst>
+              <a:rect l="0" t="0" r="0" b="0"/>
+              <a:pathLst>
+                <a:path w="5760" h="528">
+                  <a:moveTo>
+                    <a:pt x="0" y="0"/>
+                  </a:moveTo>
+                  <a:lnTo>
+                    <a:pt x="5760" y="0"/>
+                  </a:lnTo>
+                  <a:lnTo>
+                    <a:pt x="5760" y="528"/>
+                  </a:lnTo>
+                  <a:lnTo>
+                    <a:pt x="48" y="0"/>
+                  </a:lnTo>
+                </a:path>
+              </a:pathLst>
+            </a:custGeom>
+            <a:solidFill>
+              <a:srgbClr val="000000">
+                <a:alpha val="100000"/>
+              </a:srgbClr>
+            </a:solidFill>
+            <a:ln w="9525" cap="flat" cmpd="sng" algn="ctr">
+              <a:noFill/>
+              <a:prstDash val="solid"/>
+              <a:round/>
+              <a:headEnd type="none" w="med" len="med"/>
+              <a:tailEnd type="none" w="med" len="med"/>
+            </a:ln>
+            <a:effectLst/>
+          </p:spPr>
+          <p:txBody>
+            <a:bodyPr vert="horz" wrap="square" lIns="91440" tIns="45720" rIns="91440" bIns="45720" anchor="t" compatLnSpc="1"/>
+            <a:lstStyle>
+              <a:extLst/>
+            </a:lstStyle>
+            <a:p>
+              <a:endParaRPr kumimoji="0" lang="en-US"/>
+            </a:p>
+          </p:txBody>
+        </p:sp>
+        <p:sp>
+          <p:nvSpPr>
+            <p:cNvPr id="11" name="Freeform 10"/>
+            <p:cNvSpPr>
+              <a:spLocks/>
+            </p:cNvSpPr>
+            <p:nvPr/>
+          </p:nvSpPr>
+          <p:spPr bwMode="auto">
+            <a:xfrm>
+              <a:off x="0" y="4883888"/>
+              <a:ext cx="9144000" cy="1981200"/>
+            </a:xfrm>
+            <a:custGeom>
+              <a:avLst>
+                <a:gd name="A1" fmla="val 0"/>
+                <a:gd name="A2" fmla="val 0"/>
+                <a:gd name="A3" fmla="val 0"/>
+                <a:gd name="A4" fmla="val 0"/>
+                <a:gd name="A5" fmla="val 0"/>
+                <a:gd name="A6" fmla="val 0"/>
+                <a:gd name="A7" fmla="val 0"/>
+                <a:gd name="A8" fmla="val 0"/>
+              </a:avLst>
+              <a:gdLst/>
+              <a:ahLst/>
+              <a:cxnLst>
+                <a:cxn ang="0">
+                  <a:pos x="0" y="0"/>
+                </a:cxn>
+                <a:cxn ang="0">
+                  <a:pos x="0" y="1248"/>
+                </a:cxn>
+                <a:cxn ang="0">
+                  <a:pos x="5760" y="1248"/>
+                </a:cxn>
+                <a:cxn ang="0">
+                  <a:pos x="5760" y="528"/>
+                </a:cxn>
+                <a:cxn ang="0">
+                  <a:pos x="0" y="0"/>
+                </a:cxn>
+              </a:cxnLst>
+              <a:rect l="0" t="0" r="0" b="0"/>
+              <a:pathLst>
+                <a:path w="5760" h="1248">
+                  <a:moveTo>
+                    <a:pt x="0" y="0"/>
+                  </a:moveTo>
+                  <a:lnTo>
+                    <a:pt x="0" y="1248"/>
+                  </a:lnTo>
+                  <a:lnTo>
+                    <a:pt x="5760" y="1248"/>
+                  </a:lnTo>
+                  <a:lnTo>
+                    <a:pt x="5760" y="528"/>
+                  </a:lnTo>
+                  <a:lnTo>
+                    <a:pt x="0" y="0"/>
+                  </a:lnTo>
+                  <a:close/>
+                </a:path>
+              </a:pathLst>
+            </a:custGeom>
+            <a:blipFill>
+              <a:blip r:embed="rId2">
+                <a:alphaModFix amt="50000"/>
+              </a:blip>
+              <a:tile tx="0" ty="0" sx="50000" sy="50000" flip="none" algn="t"/>
+            </a:blipFill>
+            <a:ln w="12700" cap="rnd" cmpd="thickThin" algn="ctr">
+              <a:noFill/>
+              <a:prstDash val="solid"/>
+            </a:ln>
+            <a:effectLst>
+              <a:fillOverlay blend="mult">
+                <a:gradFill flip="none" rotWithShape="1">
+                  <a:gsLst>
+                    <a:gs pos="0">
+                      <a:schemeClr val="accent1">
+                        <a:shade val="20000"/>
+                        <a:satMod val="176000"/>
+                        <a:alpha val="100000"/>
+                      </a:schemeClr>
+                    </a:gs>
+                    <a:gs pos="18000">
+                      <a:schemeClr val="accent1">
+                        <a:shade val="48000"/>
+                        <a:satMod val="153000"/>
+                        <a:alpha val="100000"/>
+                      </a:schemeClr>
+                    </a:gs>
+                    <a:gs pos="43000">
+                      <a:schemeClr val="accent1">
+                        <a:tint val="86000"/>
+                        <a:satMod val="149000"/>
+                        <a:alpha val="100000"/>
+                      </a:schemeClr>
+                    </a:gs>
+                    <a:gs pos="45000">
+                      <a:schemeClr val="accent1">
+                        <a:tint val="85000"/>
+                        <a:satMod val="150000"/>
+                        <a:alpha val="100000"/>
+                      </a:schemeClr>
+                    </a:gs>
+                    <a:gs pos="50000">
+                      <a:schemeClr val="accent1">
+                        <a:tint val="86000"/>
+                        <a:satMod val="149000"/>
+                        <a:alpha val="100000"/>
+                      </a:schemeClr>
+                    </a:gs>
+                    <a:gs pos="79000">
+                      <a:schemeClr val="accent1">
+                        <a:shade val="53000"/>
+                        <a:satMod val="150000"/>
+                        <a:alpha val="100000"/>
+                      </a:schemeClr>
+                    </a:gs>
+                    <a:gs pos="100000">
+                      <a:schemeClr val="accent1">
+                        <a:shade val="25000"/>
+                        <a:satMod val="170000"/>
+                        <a:alpha val="100000"/>
+                      </a:schemeClr>
+                    </a:gs>
+                  </a:gsLst>
+                  <a:lin ang="450000" scaled="1"/>
+                  <a:tileRect/>
+                </a:gradFill>
+              </a:fillOverlay>
+            </a:effectLst>
+          </p:spPr>
+          <p:style>
+            <a:lnRef idx="3">
+              <a:schemeClr val="lt1"/>
+            </a:lnRef>
+            <a:fillRef idx="1">
+              <a:schemeClr val="accent1"/>
+            </a:fillRef>
+            <a:effectRef idx="1">
+              <a:schemeClr val="accent1"/>
+            </a:effectRef>
+            <a:fontRef idx="minor">
+              <a:schemeClr val="lt1"/>
+            </a:fontRef>
+          </p:style>
+          <p:txBody>
+            <a:bodyPr vert="horz" wrap="square" lIns="91440" tIns="45720" rIns="91440" bIns="45720" anchor="ctr" compatLnSpc="1"/>
+            <a:lstStyle>
+              <a:extLst/>
+            </a:lstStyle>
+            <a:p>
+              <a:pPr algn="ctr" eaLnBrk="1" latinLnBrk="0" hangingPunct="1"/>
+              <a:endParaRPr kumimoji="0" lang="en-US"/>
+            </a:p>
+          </p:txBody>
+        </p:sp>
+        <p:cxnSp>
+          <p:nvCxnSpPr>
+            <p:cNvPr id="12" name="Straight Connector 11"/>
+            <p:cNvCxnSpPr/>
+            <p:nvPr/>
+          </p:nvCxnSpPr>
+          <p:spPr>
+            <a:xfrm>
+              <a:off x="-3765" y="4880373"/>
+              <a:ext cx="9147765" cy="839943"/>
+            </a:xfrm>
+            <a:prstGeom prst="line">
+              <a:avLst/>
+            </a:prstGeom>
+            <a:noFill/>
+            <a:ln w="12065" cap="flat" cmpd="sng" algn="ctr">
+              <a:gradFill>
+                <a:gsLst>
+                  <a:gs pos="45000">
+                    <a:schemeClr val="accent1">
+                      <a:tint val="70000"/>
+                      <a:satMod val="110000"/>
+                    </a:schemeClr>
+                  </a:gs>
+                  <a:gs pos="15000">
+                    <a:schemeClr val="accent1">
+                      <a:shade val="40000"/>
+                      <a:satMod val="110000"/>
+                    </a:schemeClr>
+                  </a:gs>
+                </a:gsLst>
+                <a:lin ang="5400000" scaled="1"/>
+              </a:gradFill>
+              <a:prstDash val="solid"/>
+              <a:miter lim="800000"/>
+            </a:ln>
+            <a:effectLst/>
+          </p:spPr>
+          <p:style>
+            <a:lnRef idx="2">
+              <a:schemeClr val="accent1"/>
+            </a:lnRef>
+            <a:fillRef idx="0">
+              <a:schemeClr val="accent1"/>
+            </a:fillRef>
+            <a:effectRef idx="1">
+              <a:schemeClr val="accent1"/>
+            </a:effectRef>
+            <a:fontRef idx="minor">
+              <a:schemeClr val="tx1"/>
+            </a:fontRef>
+          </p:style>
+        </p:cxnSp>
+      </p:grpSp>
+      <p:sp>
+        <p:nvSpPr>
+          <p:cNvPr id="30" name="Date Placeholder 29"/>
+          <p:cNvSpPr>
+            <a:spLocks noGrp="1"/>
+          </p:cNvSpPr>
+          <p:nvPr>
+            <p:ph type="dt" sz="half" idx="10"/>
+          </p:nvPr>
+        </p:nvSpPr>
+        <p:spPr/>
+        <p:txBody>
+          <a:bodyPr/>
+          <a:lstStyle>
+            <a:lvl1pPr>
               <a:defRPr>
                 <a:solidFill>
-                  <a:schemeClr val="tx1">
-                    <a:tint val="75000"/>
-                  </a:schemeClr>
+                  <a:srgbClr val="FFFFFF"/>
                 </a:solidFill>
               </a:defRPr>
-            </a:lvl9pPr>
-          </a:lstStyle>
-          <a:p>
-            <a:r>
-              <a:rPr lang="en-US" smtClean="0"/>
-              <a:t>Click to edit Master subtitle style</a:t>
-            </a:r>
-            <a:endParaRPr lang="en-US"/>
-          </a:p>
-        </p:txBody>
-      </p:sp>
-      <p:sp>
-        <p:nvSpPr>
-          <p:cNvPr id="4" name="Date Placeholder 3"/>
-          <p:cNvSpPr>
-            <a:spLocks noGrp="1"/>
-          </p:cNvSpPr>
-          <p:nvPr>
-            <p:ph type="dt" sz="half" idx="10"/>
-          </p:nvPr>
-        </p:nvSpPr>
-        <p:spPr/>
-        <p:txBody>
-          <a:bodyPr/>
-          <a:lstStyle/>
+            </a:lvl1pPr>
+            <a:extLst/>
+          </a:lstStyle>
           <a:p>
             <a:fld id="{1D8BD707-D9CF-40AE-B4C6-C98DA3205C09}" type="datetimeFigureOut">
               <a:rPr lang="en-US" smtClean="0"/>
@@ -302,7 +747,7 @@
       </p:sp>
       <p:sp>
         <p:nvSpPr>
-          <p:cNvPr id="5" name="Footer Placeholder 4"/>
+          <p:cNvPr id="19" name="Footer Placeholder 18"/>
           <p:cNvSpPr>
             <a:spLocks noGrp="1"/>
           </p:cNvSpPr>
@@ -313,7 +758,18 @@
         <p:spPr/>
         <p:txBody>
           <a:bodyPr/>
-          <a:lstStyle/>
+          <a:lstStyle>
+            <a:lvl1pPr>
+              <a:defRPr>
+                <a:solidFill>
+                  <a:schemeClr val="accent1">
+                    <a:tint val="20000"/>
+                  </a:schemeClr>
+                </a:solidFill>
+              </a:defRPr>
+            </a:lvl1pPr>
+            <a:extLst/>
+          </a:lstStyle>
           <a:p>
             <a:endParaRPr lang="en-US"/>
           </a:p>
@@ -321,7 +777,7 @@
       </p:sp>
       <p:sp>
         <p:nvSpPr>
-          <p:cNvPr id="6" name="Slide Number Placeholder 5"/>
+          <p:cNvPr id="27" name="Slide Number Placeholder 26"/>
           <p:cNvSpPr>
             <a:spLocks noGrp="1"/>
           </p:cNvSpPr>
@@ -332,7 +788,16 @@
         <p:spPr/>
         <p:txBody>
           <a:bodyPr/>
-          <a:lstStyle/>
+          <a:lstStyle>
+            <a:lvl1pPr>
+              <a:defRPr>
+                <a:solidFill>
+                  <a:srgbClr val="FFFFFF"/>
+                </a:solidFill>
+              </a:defRPr>
+            </a:lvl1pPr>
+            <a:extLst/>
+          </a:lstStyle>
           <a:p>
             <a:fld id="{B6F15528-21DE-4FAA-801E-634DDDAF4B2B}" type="slidenum">
               <a:rPr lang="en-US" smtClean="0"/>
@@ -381,13 +846,15 @@
         <p:spPr/>
         <p:txBody>
           <a:bodyPr/>
-          <a:lstStyle/>
-          <a:p>
-            <a:r>
-              <a:rPr lang="en-US" smtClean="0"/>
+          <a:lstStyle>
+            <a:extLst/>
+          </a:lstStyle>
+          <a:p>
+            <a:r>
+              <a:rPr kumimoji="0" lang="en-US" smtClean="0"/>
               <a:t>Click to edit Master title style</a:t>
             </a:r>
-            <a:endParaRPr lang="en-US"/>
+            <a:endParaRPr kumimoji="0" lang="en-US"/>
           </a:p>
         </p:txBody>
       </p:sp>
@@ -401,62 +868,71 @@
             <p:ph type="body" orient="vert" idx="1"/>
           </p:nvPr>
         </p:nvSpPr>
+        <p:spPr>
+          <a:xfrm>
+            <a:off x="457200" y="1481329"/>
+            <a:ext cx="8229600" cy="4386071"/>
+          </a:xfrm>
+        </p:spPr>
+        <p:txBody>
+          <a:bodyPr vert="eaVert"/>
+          <a:lstStyle>
+            <a:extLst/>
+          </a:lstStyle>
+          <a:p>
+            <a:pPr lvl="0" eaLnBrk="1" latinLnBrk="0" hangingPunct="1"/>
+            <a:r>
+              <a:rPr lang="en-US" smtClean="0"/>
+              <a:t>Click to edit Master text styles</a:t>
+            </a:r>
+          </a:p>
+          <a:p>
+            <a:pPr lvl="1" eaLnBrk="1" latinLnBrk="0" hangingPunct="1"/>
+            <a:r>
+              <a:rPr lang="en-US" smtClean="0"/>
+              <a:t>Second level</a:t>
+            </a:r>
+          </a:p>
+          <a:p>
+            <a:pPr lvl="2" eaLnBrk="1" latinLnBrk="0" hangingPunct="1"/>
+            <a:r>
+              <a:rPr lang="en-US" smtClean="0"/>
+              <a:t>Third level</a:t>
+            </a:r>
+          </a:p>
+          <a:p>
+            <a:pPr lvl="3" eaLnBrk="1" latinLnBrk="0" hangingPunct="1"/>
+            <a:r>
+              <a:rPr lang="en-US" smtClean="0"/>
+              <a:t>Fourth level</a:t>
+            </a:r>
+          </a:p>
+          <a:p>
+            <a:pPr lvl="4" eaLnBrk="1" latinLnBrk="0" hangingPunct="1"/>
+            <a:r>
+              <a:rPr lang="en-US" smtClean="0"/>
+              <a:t>Fifth level</a:t>
+            </a:r>
+            <a:endParaRPr kumimoji="0" lang="en-US"/>
+          </a:p>
+        </p:txBody>
+      </p:sp>
+      <p:sp>
+        <p:nvSpPr>
+          <p:cNvPr id="4" name="Date Placeholder 3"/>
+          <p:cNvSpPr>
+            <a:spLocks noGrp="1"/>
+          </p:cNvSpPr>
+          <p:nvPr>
+            <p:ph type="dt" sz="half" idx="10"/>
+          </p:nvPr>
+        </p:nvSpPr>
         <p:spPr/>
         <p:txBody>
-          <a:bodyPr vert="eaVert"/>
-          <a:lstStyle/>
-          <a:p>
-            <a:pPr lvl="0"/>
-            <a:r>
-              <a:rPr lang="en-US" smtClean="0"/>
-              <a:t>Click to edit Master text styles</a:t>
-            </a:r>
-          </a:p>
-          <a:p>
-            <a:pPr lvl="1"/>
-            <a:r>
-              <a:rPr lang="en-US" smtClean="0"/>
-              <a:t>Second level</a:t>
-            </a:r>
-          </a:p>
-          <a:p>
-            <a:pPr lvl="2"/>
-            <a:r>
-              <a:rPr lang="en-US" smtClean="0"/>
-              <a:t>Third level</a:t>
-            </a:r>
-          </a:p>
-          <a:p>
-            <a:pPr lvl="3"/>
-            <a:r>
-              <a:rPr lang="en-US" smtClean="0"/>
-              <a:t>Fourth level</a:t>
-            </a:r>
-          </a:p>
-          <a:p>
-            <a:pPr lvl="4"/>
-            <a:r>
-              <a:rPr lang="en-US" smtClean="0"/>
-              <a:t>Fifth level</a:t>
-            </a:r>
-            <a:endParaRPr lang="en-US"/>
-          </a:p>
-        </p:txBody>
-      </p:sp>
-      <p:sp>
-        <p:nvSpPr>
-          <p:cNvPr id="4" name="Date Placeholder 3"/>
-          <p:cNvSpPr>
-            <a:spLocks noGrp="1"/>
-          </p:cNvSpPr>
-          <p:nvPr>
-            <p:ph type="dt" sz="half" idx="10"/>
-          </p:nvPr>
-        </p:nvSpPr>
-        <p:spPr/>
-        <p:txBody>
           <a:bodyPr/>
-          <a:lstStyle/>
+          <a:lstStyle>
+            <a:extLst/>
+          </a:lstStyle>
           <a:p>
             <a:fld id="{1D8BD707-D9CF-40AE-B4C6-C98DA3205C09}" type="datetimeFigureOut">
               <a:rPr lang="en-US" smtClean="0"/>
@@ -480,7 +956,9 @@
         <p:spPr/>
         <p:txBody>
           <a:bodyPr/>
-          <a:lstStyle/>
+          <a:lstStyle>
+            <a:extLst/>
+          </a:lstStyle>
           <a:p>
             <a:endParaRPr lang="en-US"/>
           </a:p>
@@ -499,7 +977,9 @@
         <p:spPr/>
         <p:txBody>
           <a:bodyPr/>
-          <a:lstStyle/>
+          <a:lstStyle>
+            <a:extLst/>
+          </a:lstStyle>
           <a:p>
             <a:fld id="{B6F15528-21DE-4FAA-801E-634DDDAF4B2B}" type="slidenum">
               <a:rPr lang="en-US" smtClean="0"/>
@@ -547,19 +1027,21 @@
         </p:nvSpPr>
         <p:spPr>
           <a:xfrm>
-            <a:off x="6629400" y="274638"/>
-            <a:ext cx="2057400" cy="5851525"/>
+            <a:off x="6844013" y="274640"/>
+            <a:ext cx="1777470" cy="5592761"/>
           </a:xfrm>
         </p:spPr>
         <p:txBody>
           <a:bodyPr vert="eaVert"/>
-          <a:lstStyle/>
-          <a:p>
-            <a:r>
-              <a:rPr lang="en-US" smtClean="0"/>
+          <a:lstStyle>
+            <a:extLst/>
+          </a:lstStyle>
+          <a:p>
+            <a:r>
+              <a:rPr kumimoji="0" lang="en-US" smtClean="0"/>
               <a:t>Click to edit Master title style</a:t>
             </a:r>
-            <a:endParaRPr lang="en-US"/>
+            <a:endParaRPr kumimoji="0" lang="en-US"/>
           </a:p>
         </p:txBody>
       </p:sp>
@@ -575,48 +1057,50 @@
         </p:nvSpPr>
         <p:spPr>
           <a:xfrm>
-            <a:off x="457200" y="274638"/>
-            <a:ext cx="6019800" cy="5851525"/>
+            <a:off x="457200" y="274641"/>
+            <a:ext cx="6324600" cy="5592760"/>
           </a:xfrm>
         </p:spPr>
         <p:txBody>
           <a:bodyPr vert="eaVert"/>
-          <a:lstStyle/>
-          <a:p>
-            <a:pPr lvl="0"/>
+          <a:lstStyle>
+            <a:extLst/>
+          </a:lstStyle>
+          <a:p>
+            <a:pPr lvl="0" eaLnBrk="1" latinLnBrk="0" hangingPunct="1"/>
             <a:r>
               <a:rPr lang="en-US" smtClean="0"/>
               <a:t>Click to edit Master text styles</a:t>
             </a:r>
           </a:p>
           <a:p>
-            <a:pPr lvl="1"/>
+            <a:pPr lvl="1" eaLnBrk="1" latinLnBrk="0" hangingPunct="1"/>
             <a:r>
               <a:rPr lang="en-US" smtClean="0"/>
               <a:t>Second level</a:t>
             </a:r>
           </a:p>
           <a:p>
-            <a:pPr lvl="2"/>
+            <a:pPr lvl="2" eaLnBrk="1" latinLnBrk="0" hangingPunct="1"/>
             <a:r>
               <a:rPr lang="en-US" smtClean="0"/>
               <a:t>Third level</a:t>
             </a:r>
           </a:p>
           <a:p>
-            <a:pPr lvl="3"/>
+            <a:pPr lvl="3" eaLnBrk="1" latinLnBrk="0" hangingPunct="1"/>
             <a:r>
               <a:rPr lang="en-US" smtClean="0"/>
               <a:t>Fourth level</a:t>
             </a:r>
           </a:p>
           <a:p>
-            <a:pPr lvl="4"/>
+            <a:pPr lvl="4" eaLnBrk="1" latinLnBrk="0" hangingPunct="1"/>
             <a:r>
               <a:rPr lang="en-US" smtClean="0"/>
               <a:t>Fifth level</a:t>
             </a:r>
-            <a:endParaRPr lang="en-US"/>
+            <a:endParaRPr kumimoji="0" lang="en-US"/>
           </a:p>
         </p:txBody>
       </p:sp>
@@ -633,7 +1117,9 @@
         <p:spPr/>
         <p:txBody>
           <a:bodyPr/>
-          <a:lstStyle/>
+          <a:lstStyle>
+            <a:extLst/>
+          </a:lstStyle>
           <a:p>
             <a:fld id="{1D8BD707-D9CF-40AE-B4C6-C98DA3205C09}" type="datetimeFigureOut">
               <a:rPr lang="en-US" smtClean="0"/>
@@ -657,7 +1143,9 @@
         <p:spPr/>
         <p:txBody>
           <a:bodyPr/>
-          <a:lstStyle/>
+          <a:lstStyle>
+            <a:extLst/>
+          </a:lstStyle>
           <a:p>
             <a:endParaRPr lang="en-US"/>
           </a:p>
@@ -676,7 +1164,9 @@
         <p:spPr/>
         <p:txBody>
           <a:bodyPr/>
-          <a:lstStyle/>
+          <a:lstStyle>
+            <a:extLst/>
+          </a:lstStyle>
           <a:p>
             <a:fld id="{B6F15528-21DE-4FAA-801E-634DDDAF4B2B}" type="slidenum">
               <a:rPr lang="en-US" smtClean="0"/>
@@ -714,93 +1204,74 @@
       </p:grpSpPr>
       <p:sp>
         <p:nvSpPr>
-          <p:cNvPr id="2" name="Title 1"/>
-          <p:cNvSpPr>
-            <a:spLocks noGrp="1"/>
-          </p:cNvSpPr>
-          <p:nvPr>
-            <p:ph type="title"/>
+          <p:cNvPr id="3" name="Content Placeholder 2"/>
+          <p:cNvSpPr>
+            <a:spLocks noGrp="1"/>
+          </p:cNvSpPr>
+          <p:nvPr>
+            <p:ph idx="1"/>
           </p:nvPr>
         </p:nvSpPr>
         <p:spPr/>
         <p:txBody>
           <a:bodyPr/>
-          <a:lstStyle/>
-          <a:p>
-            <a:r>
-              <a:rPr lang="en-US" smtClean="0"/>
-              <a:t>Click to edit Master title style</a:t>
-            </a:r>
-            <a:endParaRPr lang="en-US"/>
-          </a:p>
-        </p:txBody>
-      </p:sp>
-      <p:sp>
-        <p:nvSpPr>
-          <p:cNvPr id="3" name="Content Placeholder 2"/>
-          <p:cNvSpPr>
-            <a:spLocks noGrp="1"/>
-          </p:cNvSpPr>
-          <p:nvPr>
-            <p:ph idx="1"/>
+          <a:lstStyle>
+            <a:extLst/>
+          </a:lstStyle>
+          <a:p>
+            <a:pPr lvl="0" eaLnBrk="1" latinLnBrk="0" hangingPunct="1"/>
+            <a:r>
+              <a:rPr lang="en-US" smtClean="0"/>
+              <a:t>Click to edit Master text styles</a:t>
+            </a:r>
+          </a:p>
+          <a:p>
+            <a:pPr lvl="1" eaLnBrk="1" latinLnBrk="0" hangingPunct="1"/>
+            <a:r>
+              <a:rPr lang="en-US" smtClean="0"/>
+              <a:t>Second level</a:t>
+            </a:r>
+          </a:p>
+          <a:p>
+            <a:pPr lvl="2" eaLnBrk="1" latinLnBrk="0" hangingPunct="1"/>
+            <a:r>
+              <a:rPr lang="en-US" smtClean="0"/>
+              <a:t>Third level</a:t>
+            </a:r>
+          </a:p>
+          <a:p>
+            <a:pPr lvl="3" eaLnBrk="1" latinLnBrk="0" hangingPunct="1"/>
+            <a:r>
+              <a:rPr lang="en-US" smtClean="0"/>
+              <a:t>Fourth level</a:t>
+            </a:r>
+          </a:p>
+          <a:p>
+            <a:pPr lvl="4" eaLnBrk="1" latinLnBrk="0" hangingPunct="1"/>
+            <a:r>
+              <a:rPr lang="en-US" smtClean="0"/>
+              <a:t>Fifth level</a:t>
+            </a:r>
+            <a:endParaRPr kumimoji="0" lang="en-US"/>
+          </a:p>
+        </p:txBody>
+      </p:sp>
+      <p:sp>
+        <p:nvSpPr>
+          <p:cNvPr id="4" name="Date Placeholder 3"/>
+          <p:cNvSpPr>
+            <a:spLocks noGrp="1"/>
+          </p:cNvSpPr>
+          <p:nvPr>
+            <p:ph type="dt" sz="half" idx="10"/>
           </p:nvPr>
         </p:nvSpPr>
         <p:spPr/>
         <p:txBody>
           <a:bodyPr/>
-          <a:lstStyle/>
-          <a:p>
-            <a:pPr lvl="0"/>
-            <a:r>
-              <a:rPr lang="en-US" smtClean="0"/>
-              <a:t>Click to edit Master text styles</a:t>
-            </a:r>
-          </a:p>
-          <a:p>
-            <a:pPr lvl="1"/>
-            <a:r>
-              <a:rPr lang="en-US" smtClean="0"/>
-              <a:t>Second level</a:t>
-            </a:r>
-          </a:p>
-          <a:p>
-            <a:pPr lvl="2"/>
-            <a:r>
-              <a:rPr lang="en-US" smtClean="0"/>
-              <a:t>Third level</a:t>
-            </a:r>
-          </a:p>
-          <a:p>
-            <a:pPr lvl="3"/>
-            <a:r>
-              <a:rPr lang="en-US" smtClean="0"/>
-              <a:t>Fourth level</a:t>
-            </a:r>
-          </a:p>
-          <a:p>
-            <a:pPr lvl="4"/>
-            <a:r>
-              <a:rPr lang="en-US" smtClean="0"/>
-              <a:t>Fifth level</a:t>
-            </a:r>
-            <a:endParaRPr lang="en-US"/>
-          </a:p>
-        </p:txBody>
-      </p:sp>
-      <p:sp>
-        <p:nvSpPr>
-          <p:cNvPr id="4" name="Date Placeholder 3"/>
-          <p:cNvSpPr>
-            <a:spLocks noGrp="1"/>
-          </p:cNvSpPr>
-          <p:nvPr>
-            <p:ph type="dt" sz="half" idx="10"/>
-          </p:nvPr>
-        </p:nvSpPr>
-        <p:spPr/>
-        <p:txBody>
-          <a:bodyPr/>
-          <a:lstStyle/>
+          <a:lstStyle>
+            <a:extLst/>
+          </a:lstStyle>
           <a:p>
             <a:fld id="{1D8BD707-D9CF-40AE-B4C6-C98DA3205C09}" type="datetimeFigureOut">
               <a:rPr lang="en-US" smtClean="0"/>
@@ -824,7 +1295,9 @@
         <p:spPr/>
         <p:txBody>
           <a:bodyPr/>
-          <a:lstStyle/>
+          <a:lstStyle>
+            <a:extLst/>
+          </a:lstStyle>
           <a:p>
             <a:endParaRPr lang="en-US"/>
           </a:p>
@@ -843,7 +1316,9 @@
         <p:spPr/>
         <p:txBody>
           <a:bodyPr/>
-          <a:lstStyle/>
+          <a:lstStyle>
+            <a:extLst/>
+          </a:lstStyle>
           <a:p>
             <a:fld id="{B6F15528-21DE-4FAA-801E-634DDDAF4B2B}" type="slidenum">
               <a:rPr lang="en-US" smtClean="0"/>
@@ -851,6 +1326,31 @@
               <a:t>‹#›</a:t>
             </a:fld>
             <a:endParaRPr lang="en-US"/>
+          </a:p>
+        </p:txBody>
+      </p:sp>
+      <p:sp>
+        <p:nvSpPr>
+          <p:cNvPr id="7" name="Title 6"/>
+          <p:cNvSpPr>
+            <a:spLocks noGrp="1"/>
+          </p:cNvSpPr>
+          <p:nvPr>
+            <p:ph type="title"/>
+          </p:nvPr>
+        </p:nvSpPr>
+        <p:spPr/>
+        <p:txBody>
+          <a:bodyPr rtlCol="0"/>
+          <a:lstStyle>
+            <a:extLst/>
+          </a:lstStyle>
+          <a:p>
+            <a:r>
+              <a:rPr kumimoji="0" lang="en-US" smtClean="0"/>
+              <a:t>Click to edit Master title style</a:t>
+            </a:r>
+            <a:endParaRPr kumimoji="0" lang="en-US"/>
           </a:p>
         </p:txBody>
       </p:sp>
@@ -865,6 +1365,11 @@
 <file path=ppt/slideLayouts/slideLayout3.xml><?xml version="1.0" encoding="utf-8"?>
 <p:sldLayout xmlns:a="http://schemas.openxmlformats.org/drawingml/2006/main" xmlns:r="http://schemas.openxmlformats.org/officeDocument/2006/relationships" xmlns:p="http://schemas.openxmlformats.org/presentationml/2006/main" type="secHead" preserve="1">
   <p:cSld name="Section Header">
+    <p:bg>
+      <p:bgRef idx="1002">
+        <a:schemeClr val="bg1"/>
+      </p:bgRef>
+    </p:bg>
     <p:spTree>
       <p:nvGrpSpPr>
         <p:cNvPr id="1" name=""/>
@@ -891,23 +1396,42 @@
         </p:nvSpPr>
         <p:spPr>
           <a:xfrm>
-            <a:off x="722313" y="4406900"/>
-            <a:ext cx="7772400" cy="1362075"/>
+            <a:off x="722376" y="1059712"/>
+            <a:ext cx="7772400" cy="1828800"/>
           </a:xfrm>
         </p:spPr>
         <p:txBody>
-          <a:bodyPr anchor="t"/>
-          <a:lstStyle>
-            <a:lvl1pPr algn="l">
-              <a:defRPr sz="4000" b="1" cap="all"/>
+          <a:bodyPr vert="horz" anchor="b">
+            <a:normAutofit/>
+            <a:scene3d>
+              <a:camera prst="orthographicFront"/>
+              <a:lightRig rig="soft" dir="t"/>
+            </a:scene3d>
+            <a:sp3d prstMaterial="softEdge">
+              <a:bevelT w="25400" h="25400"/>
+            </a:sp3d>
+          </a:bodyPr>
+          <a:lstStyle>
+            <a:lvl1pPr algn="r">
+              <a:buNone/>
+              <a:defRPr sz="4800" b="1" cap="none" baseline="0">
+                <a:effectLst>
+                  <a:outerShdw blurRad="31750" dist="25400" dir="5400000" algn="tl" rotWithShape="0">
+                    <a:srgbClr val="000000">
+                      <a:alpha val="25000"/>
+                    </a:srgbClr>
+                  </a:outerShdw>
+                </a:effectLst>
+              </a:defRPr>
             </a:lvl1pPr>
-          </a:lstStyle>
-          <a:p>
-            <a:r>
-              <a:rPr lang="en-US" smtClean="0"/>
+            <a:extLst/>
+          </a:lstStyle>
+          <a:p>
+            <a:r>
+              <a:rPr kumimoji="0" lang="en-US" smtClean="0"/>
               <a:t>Click to edit Master title style</a:t>
             </a:r>
-            <a:endParaRPr lang="en-US"/>
+            <a:endParaRPr kumimoji="0" lang="en-US"/>
           </a:p>
         </p:txBody>
       </p:sp>
@@ -923,24 +1447,22 @@
         </p:nvSpPr>
         <p:spPr>
           <a:xfrm>
-            <a:off x="722313" y="2906713"/>
-            <a:ext cx="7772400" cy="1500187"/>
+            <a:off x="3922713" y="2931712"/>
+            <a:ext cx="4572000" cy="1454888"/>
           </a:xfrm>
         </p:spPr>
         <p:txBody>
-          <a:bodyPr anchor="b"/>
-          <a:lstStyle>
-            <a:lvl1pPr marL="0" indent="0">
+          <a:bodyPr lIns="91440" rIns="91440" anchor="t"/>
+          <a:lstStyle>
+            <a:lvl1pPr marL="0" indent="0" algn="l">
               <a:buNone/>
-              <a:defRPr sz="2000">
+              <a:defRPr sz="2300">
                 <a:solidFill>
-                  <a:schemeClr val="tx1">
-                    <a:tint val="75000"/>
-                  </a:schemeClr>
+                  <a:schemeClr val="tx1"/>
                 </a:solidFill>
               </a:defRPr>
             </a:lvl1pPr>
-            <a:lvl2pPr marL="457200" indent="0">
+            <a:lvl2pPr>
               <a:buNone/>
               <a:defRPr sz="1800">
                 <a:solidFill>
@@ -950,7 +1472,7 @@
                 </a:solidFill>
               </a:defRPr>
             </a:lvl2pPr>
-            <a:lvl3pPr marL="914400" indent="0">
+            <a:lvl3pPr>
               <a:buNone/>
               <a:defRPr sz="1600">
                 <a:solidFill>
@@ -960,7 +1482,7 @@
                 </a:solidFill>
               </a:defRPr>
             </a:lvl3pPr>
-            <a:lvl4pPr marL="1371600" indent="0">
+            <a:lvl4pPr>
               <a:buNone/>
               <a:defRPr sz="1400">
                 <a:solidFill>
@@ -970,7 +1492,7 @@
                 </a:solidFill>
               </a:defRPr>
             </a:lvl4pPr>
-            <a:lvl5pPr marL="1828800" indent="0">
+            <a:lvl5pPr>
               <a:buNone/>
               <a:defRPr sz="1400">
                 <a:solidFill>
@@ -980,51 +1502,12 @@
                 </a:solidFill>
               </a:defRPr>
             </a:lvl5pPr>
-            <a:lvl6pPr marL="2286000" indent="0">
-              <a:buNone/>
-              <a:defRPr sz="1400">
-                <a:solidFill>
-                  <a:schemeClr val="tx1">
-                    <a:tint val="75000"/>
-                  </a:schemeClr>
-                </a:solidFill>
-              </a:defRPr>
-            </a:lvl6pPr>
-            <a:lvl7pPr marL="2743200" indent="0">
-              <a:buNone/>
-              <a:defRPr sz="1400">
-                <a:solidFill>
-                  <a:schemeClr val="tx1">
-                    <a:tint val="75000"/>
-                  </a:schemeClr>
-                </a:solidFill>
-              </a:defRPr>
-            </a:lvl7pPr>
-            <a:lvl8pPr marL="3200400" indent="0">
-              <a:buNone/>
-              <a:defRPr sz="1400">
-                <a:solidFill>
-                  <a:schemeClr val="tx1">
-                    <a:tint val="75000"/>
-                  </a:schemeClr>
-                </a:solidFill>
-              </a:defRPr>
-            </a:lvl8pPr>
-            <a:lvl9pPr marL="3657600" indent="0">
-              <a:buNone/>
-              <a:defRPr sz="1400">
-                <a:solidFill>
-                  <a:schemeClr val="tx1">
-                    <a:tint val="75000"/>
-                  </a:schemeClr>
-                </a:solidFill>
-              </a:defRPr>
-            </a:lvl9pPr>
-          </a:lstStyle>
-          <a:p>
-            <a:pPr lvl="0"/>
-            <a:r>
-              <a:rPr lang="en-US" smtClean="0"/>
+            <a:extLst/>
+          </a:lstStyle>
+          <a:p>
+            <a:pPr lvl="0" eaLnBrk="1" latinLnBrk="0" hangingPunct="1"/>
+            <a:r>
+              <a:rPr kumimoji="0" lang="en-US" smtClean="0"/>
               <a:t>Click to edit Master text styles</a:t>
             </a:r>
           </a:p>
@@ -1043,7 +1526,9 @@
         <p:spPr/>
         <p:txBody>
           <a:bodyPr/>
-          <a:lstStyle/>
+          <a:lstStyle>
+            <a:extLst/>
+          </a:lstStyle>
           <a:p>
             <a:fld id="{1D8BD707-D9CF-40AE-B4C6-C98DA3205C09}" type="datetimeFigureOut">
               <a:rPr lang="en-US" smtClean="0"/>
@@ -1067,7 +1552,9 @@
         <p:spPr/>
         <p:txBody>
           <a:bodyPr/>
-          <a:lstStyle/>
+          <a:lstStyle>
+            <a:extLst/>
+          </a:lstStyle>
           <a:p>
             <a:endParaRPr lang="en-US"/>
           </a:p>
@@ -1086,7 +1573,9 @@
         <p:spPr/>
         <p:txBody>
           <a:bodyPr/>
-          <a:lstStyle/>
+          <a:lstStyle>
+            <a:extLst/>
+          </a:lstStyle>
           <a:p>
             <a:fld id="{B6F15528-21DE-4FAA-801E-634DDDAF4B2B}" type="slidenum">
               <a:rPr lang="en-US" smtClean="0"/>
@@ -1097,10 +1586,170 @@
           </a:p>
         </p:txBody>
       </p:sp>
+      <p:sp>
+        <p:nvSpPr>
+          <p:cNvPr id="7" name="Chevron 6"/>
+          <p:cNvSpPr/>
+          <p:nvPr/>
+        </p:nvSpPr>
+        <p:spPr>
+          <a:xfrm>
+            <a:off x="3636680" y="3005472"/>
+            <a:ext cx="182880" cy="228600"/>
+          </a:xfrm>
+          <a:prstGeom prst="chevron">
+            <a:avLst>
+              <a:gd name="adj" fmla="val 50000"/>
+            </a:avLst>
+          </a:prstGeom>
+          <a:gradFill flip="none" rotWithShape="1">
+            <a:gsLst>
+              <a:gs pos="0">
+                <a:schemeClr val="accent1">
+                  <a:shade val="60000"/>
+                  <a:satMod val="125000"/>
+                </a:schemeClr>
+              </a:gs>
+              <a:gs pos="72000">
+                <a:schemeClr val="accent1">
+                  <a:tint val="90000"/>
+                  <a:satMod val="138000"/>
+                </a:schemeClr>
+              </a:gs>
+              <a:gs pos="100000">
+                <a:schemeClr val="accent1">
+                  <a:tint val="76000"/>
+                  <a:satMod val="136000"/>
+                </a:schemeClr>
+              </a:gs>
+            </a:gsLst>
+            <a:lin ang="16200000" scaled="0"/>
+          </a:gradFill>
+          <a:ln w="3175" cap="rnd" cmpd="sng" algn="ctr">
+            <a:solidFill>
+              <a:schemeClr val="accent1">
+                <a:shade val="50000"/>
+              </a:schemeClr>
+            </a:solidFill>
+            <a:prstDash val="solid"/>
+          </a:ln>
+          <a:effectLst>
+            <a:outerShdw blurRad="50800" dist="25400" dir="5400000">
+              <a:srgbClr val="000000">
+                <a:alpha val="46000"/>
+              </a:srgbClr>
+            </a:outerShdw>
+          </a:effectLst>
+        </p:spPr>
+        <p:style>
+          <a:lnRef idx="1">
+            <a:schemeClr val="accent1"/>
+          </a:lnRef>
+          <a:fillRef idx="3">
+            <a:schemeClr val="accent1"/>
+          </a:fillRef>
+          <a:effectRef idx="2">
+            <a:schemeClr val="accent1"/>
+          </a:effectRef>
+          <a:fontRef idx="minor">
+            <a:schemeClr val="lt1"/>
+          </a:fontRef>
+        </p:style>
+        <p:txBody>
+          <a:bodyPr anchor="ctr"/>
+          <a:lstStyle>
+            <a:extLst/>
+          </a:lstStyle>
+          <a:p>
+            <a:pPr algn="l" eaLnBrk="1" latinLnBrk="0" hangingPunct="1"/>
+            <a:endParaRPr kumimoji="0" lang="en-US"/>
+          </a:p>
+        </p:txBody>
+      </p:sp>
+      <p:sp>
+        <p:nvSpPr>
+          <p:cNvPr id="8" name="Chevron 7"/>
+          <p:cNvSpPr/>
+          <p:nvPr/>
+        </p:nvSpPr>
+        <p:spPr>
+          <a:xfrm>
+            <a:off x="3450264" y="3005472"/>
+            <a:ext cx="182880" cy="228600"/>
+          </a:xfrm>
+          <a:prstGeom prst="chevron">
+            <a:avLst>
+              <a:gd name="adj" fmla="val 50000"/>
+            </a:avLst>
+          </a:prstGeom>
+          <a:gradFill flip="none" rotWithShape="1">
+            <a:gsLst>
+              <a:gs pos="0">
+                <a:schemeClr val="accent1">
+                  <a:shade val="60000"/>
+                  <a:satMod val="125000"/>
+                </a:schemeClr>
+              </a:gs>
+              <a:gs pos="72000">
+                <a:schemeClr val="accent1">
+                  <a:tint val="90000"/>
+                  <a:satMod val="138000"/>
+                </a:schemeClr>
+              </a:gs>
+              <a:gs pos="100000">
+                <a:schemeClr val="accent1">
+                  <a:tint val="76000"/>
+                  <a:satMod val="136000"/>
+                </a:schemeClr>
+              </a:gs>
+            </a:gsLst>
+            <a:lin ang="16200000" scaled="0"/>
+          </a:gradFill>
+          <a:ln w="3175" cap="rnd" cmpd="sng" algn="ctr">
+            <a:solidFill>
+              <a:schemeClr val="accent1">
+                <a:shade val="50000"/>
+              </a:schemeClr>
+            </a:solidFill>
+            <a:prstDash val="solid"/>
+          </a:ln>
+          <a:effectLst>
+            <a:outerShdw blurRad="50800" dist="25400" dir="5400000">
+              <a:srgbClr val="000000">
+                <a:alpha val="46000"/>
+              </a:srgbClr>
+            </a:outerShdw>
+          </a:effectLst>
+        </p:spPr>
+        <p:style>
+          <a:lnRef idx="1">
+            <a:schemeClr val="accent1"/>
+          </a:lnRef>
+          <a:fillRef idx="3">
+            <a:schemeClr val="accent1"/>
+          </a:fillRef>
+          <a:effectRef idx="2">
+            <a:schemeClr val="accent1"/>
+          </a:effectRef>
+          <a:fontRef idx="minor">
+            <a:schemeClr val="lt1"/>
+          </a:fontRef>
+        </p:style>
+        <p:txBody>
+          <a:bodyPr anchor="ctr"/>
+          <a:lstStyle>
+            <a:extLst/>
+          </a:lstStyle>
+          <a:p>
+            <a:pPr algn="l" eaLnBrk="1" latinLnBrk="0" hangingPunct="1"/>
+            <a:endParaRPr kumimoji="0" lang="en-US"/>
+          </a:p>
+        </p:txBody>
+      </p:sp>
     </p:spTree>
   </p:cSld>
   <p:clrMapOvr>
-    <a:masterClrMapping/>
+    <a:overrideClrMapping bg1="dk1" tx1="lt1" bg2="dk2" tx2="lt2" accent1="accent1" accent2="accent2" accent3="accent3" accent4="accent4" accent5="accent5" accent6="accent6" hlink="hlink" folHlink="folHlink"/>
   </p:clrMapOvr>
 </p:sldLayout>
 </file>
@@ -1108,6 +1757,11 @@
 <file path=ppt/slideLayouts/slideLayout4.xml><?xml version="1.0" encoding="utf-8"?>
 <p:sldLayout xmlns:a="http://schemas.openxmlformats.org/drawingml/2006/main" xmlns:r="http://schemas.openxmlformats.org/officeDocument/2006/relationships" xmlns:p="http://schemas.openxmlformats.org/presentationml/2006/main" type="twoObj" preserve="1">
   <p:cSld name="Two Content">
+    <p:bg>
+      <p:bgRef idx="1002">
+        <a:schemeClr val="bg1"/>
+      </p:bgRef>
+    </p:bg>
     <p:spTree>
       <p:nvGrpSpPr>
         <p:cNvPr id="1" name=""/>
@@ -1124,29 +1778,6 @@
       </p:grpSpPr>
       <p:sp>
         <p:nvSpPr>
-          <p:cNvPr id="2" name="Title 1"/>
-          <p:cNvSpPr>
-            <a:spLocks noGrp="1"/>
-          </p:cNvSpPr>
-          <p:nvPr>
-            <p:ph type="title"/>
-          </p:nvPr>
-        </p:nvSpPr>
-        <p:spPr/>
-        <p:txBody>
-          <a:bodyPr/>
-          <a:lstStyle/>
-          <a:p>
-            <a:r>
-              <a:rPr lang="en-US" smtClean="0"/>
-              <a:t>Click to edit Master title style</a:t>
-            </a:r>
-            <a:endParaRPr lang="en-US"/>
-          </a:p>
-        </p:txBody>
-      </p:sp>
-      <p:sp>
-        <p:nvSpPr>
           <p:cNvPr id="3" name="Content Placeholder 2"/>
           <p:cNvSpPr>
             <a:spLocks noGrp="1"/>
@@ -1157,7 +1788,7 @@
         </p:nvSpPr>
         <p:spPr>
           <a:xfrm>
-            <a:off x="457200" y="1600200"/>
+            <a:off x="457200" y="1481328"/>
             <a:ext cx="4038600" cy="4525963"/>
           </a:xfrm>
         </p:spPr>
@@ -1179,54 +1810,43 @@
             <a:lvl5pPr>
               <a:defRPr sz="1800"/>
             </a:lvl5pPr>
-            <a:lvl6pPr>
-              <a:defRPr sz="1800"/>
-            </a:lvl6pPr>
-            <a:lvl7pPr>
-              <a:defRPr sz="1800"/>
-            </a:lvl7pPr>
-            <a:lvl8pPr>
-              <a:defRPr sz="1800"/>
-            </a:lvl8pPr>
-            <a:lvl9pPr>
-              <a:defRPr sz="1800"/>
-            </a:lvl9pPr>
-          </a:lstStyle>
-          <a:p>
-            <a:pPr lvl="0"/>
+            <a:extLst/>
+          </a:lstStyle>
+          <a:p>
+            <a:pPr lvl="0" eaLnBrk="1" latinLnBrk="0" hangingPunct="1"/>
             <a:r>
               <a:rPr lang="en-US" smtClean="0"/>
               <a:t>Click to edit Master text styles</a:t>
             </a:r>
           </a:p>
           <a:p>
-            <a:pPr lvl="1"/>
+            <a:pPr lvl="1" eaLnBrk="1" latinLnBrk="0" hangingPunct="1"/>
             <a:r>
               <a:rPr lang="en-US" smtClean="0"/>
               <a:t>Second level</a:t>
             </a:r>
           </a:p>
           <a:p>
-            <a:pPr lvl="2"/>
+            <a:pPr lvl="2" eaLnBrk="1" latinLnBrk="0" hangingPunct="1"/>
             <a:r>
               <a:rPr lang="en-US" smtClean="0"/>
               <a:t>Third level</a:t>
             </a:r>
           </a:p>
           <a:p>
-            <a:pPr lvl="3"/>
+            <a:pPr lvl="3" eaLnBrk="1" latinLnBrk="0" hangingPunct="1"/>
             <a:r>
               <a:rPr lang="en-US" smtClean="0"/>
               <a:t>Fourth level</a:t>
             </a:r>
           </a:p>
           <a:p>
-            <a:pPr lvl="4"/>
+            <a:pPr lvl="4" eaLnBrk="1" latinLnBrk="0" hangingPunct="1"/>
             <a:r>
               <a:rPr lang="en-US" smtClean="0"/>
               <a:t>Fifth level</a:t>
             </a:r>
-            <a:endParaRPr lang="en-US"/>
+            <a:endParaRPr kumimoji="0" lang="en-US"/>
           </a:p>
         </p:txBody>
       </p:sp>
@@ -1242,7 +1862,7 @@
         </p:nvSpPr>
         <p:spPr>
           <a:xfrm>
-            <a:off x="4648200" y="1600200"/>
+            <a:off x="4648200" y="1481328"/>
             <a:ext cx="4038600" cy="4525963"/>
           </a:xfrm>
         </p:spPr>
@@ -1264,54 +1884,43 @@
             <a:lvl5pPr>
               <a:defRPr sz="1800"/>
             </a:lvl5pPr>
-            <a:lvl6pPr>
-              <a:defRPr sz="1800"/>
-            </a:lvl6pPr>
-            <a:lvl7pPr>
-              <a:defRPr sz="1800"/>
-            </a:lvl7pPr>
-            <a:lvl8pPr>
-              <a:defRPr sz="1800"/>
-            </a:lvl8pPr>
-            <a:lvl9pPr>
-              <a:defRPr sz="1800"/>
-            </a:lvl9pPr>
-          </a:lstStyle>
-          <a:p>
-            <a:pPr lvl="0"/>
+            <a:extLst/>
+          </a:lstStyle>
+          <a:p>
+            <a:pPr lvl="0" eaLnBrk="1" latinLnBrk="0" hangingPunct="1"/>
             <a:r>
               <a:rPr lang="en-US" smtClean="0"/>
               <a:t>Click to edit Master text styles</a:t>
             </a:r>
           </a:p>
           <a:p>
-            <a:pPr lvl="1"/>
+            <a:pPr lvl="1" eaLnBrk="1" latinLnBrk="0" hangingPunct="1"/>
             <a:r>
               <a:rPr lang="en-US" smtClean="0"/>
               <a:t>Second level</a:t>
             </a:r>
           </a:p>
           <a:p>
-            <a:pPr lvl="2"/>
+            <a:pPr lvl="2" eaLnBrk="1" latinLnBrk="0" hangingPunct="1"/>
             <a:r>
               <a:rPr lang="en-US" smtClean="0"/>
               <a:t>Third level</a:t>
             </a:r>
           </a:p>
           <a:p>
-            <a:pPr lvl="3"/>
+            <a:pPr lvl="3" eaLnBrk="1" latinLnBrk="0" hangingPunct="1"/>
             <a:r>
               <a:rPr lang="en-US" smtClean="0"/>
               <a:t>Fourth level</a:t>
             </a:r>
           </a:p>
           <a:p>
-            <a:pPr lvl="4"/>
+            <a:pPr lvl="4" eaLnBrk="1" latinLnBrk="0" hangingPunct="1"/>
             <a:r>
               <a:rPr lang="en-US" smtClean="0"/>
               <a:t>Fifth level</a:t>
             </a:r>
-            <a:endParaRPr lang="en-US"/>
+            <a:endParaRPr kumimoji="0" lang="en-US"/>
           </a:p>
         </p:txBody>
       </p:sp>
@@ -1328,7 +1937,9 @@
         <p:spPr/>
         <p:txBody>
           <a:bodyPr/>
-          <a:lstStyle/>
+          <a:lstStyle>
+            <a:extLst/>
+          </a:lstStyle>
           <a:p>
             <a:fld id="{1D8BD707-D9CF-40AE-B4C6-C98DA3205C09}" type="datetimeFigureOut">
               <a:rPr lang="en-US" smtClean="0"/>
@@ -1352,7 +1963,9 @@
         <p:spPr/>
         <p:txBody>
           <a:bodyPr/>
-          <a:lstStyle/>
+          <a:lstStyle>
+            <a:extLst/>
+          </a:lstStyle>
           <a:p>
             <a:endParaRPr lang="en-US"/>
           </a:p>
@@ -1371,7 +1984,9 @@
         <p:spPr/>
         <p:txBody>
           <a:bodyPr/>
-          <a:lstStyle/>
+          <a:lstStyle>
+            <a:extLst/>
+          </a:lstStyle>
           <a:p>
             <a:fld id="{B6F15528-21DE-4FAA-801E-634DDDAF4B2B}" type="slidenum">
               <a:rPr lang="en-US" smtClean="0"/>
@@ -1382,17 +1997,47 @@
           </a:p>
         </p:txBody>
       </p:sp>
+      <p:sp>
+        <p:nvSpPr>
+          <p:cNvPr id="8" name="Title 7"/>
+          <p:cNvSpPr>
+            <a:spLocks noGrp="1"/>
+          </p:cNvSpPr>
+          <p:nvPr>
+            <p:ph type="title"/>
+          </p:nvPr>
+        </p:nvSpPr>
+        <p:spPr/>
+        <p:txBody>
+          <a:bodyPr rtlCol="0"/>
+          <a:lstStyle>
+            <a:extLst/>
+          </a:lstStyle>
+          <a:p>
+            <a:r>
+              <a:rPr kumimoji="0" lang="en-US" smtClean="0"/>
+              <a:t>Click to edit Master title style</a:t>
+            </a:r>
+            <a:endParaRPr kumimoji="0" lang="en-US"/>
+          </a:p>
+        </p:txBody>
+      </p:sp>
     </p:spTree>
   </p:cSld>
   <p:clrMapOvr>
-    <a:masterClrMapping/>
+    <a:overrideClrMapping bg1="dk1" tx1="lt1" bg2="dk2" tx2="lt2" accent1="accent1" accent2="accent2" accent3="accent3" accent4="accent4" accent5="accent5" accent6="accent6" hlink="hlink" folHlink="folHlink"/>
   </p:clrMapOvr>
 </p:sldLayout>
 </file>
 
 <file path=ppt/slideLayouts/slideLayout5.xml><?xml version="1.0" encoding="utf-8"?>
-<p:sldLayout xmlns:a="http://schemas.openxmlformats.org/drawingml/2006/main" xmlns:r="http://schemas.openxmlformats.org/officeDocument/2006/relationships" xmlns:p="http://schemas.openxmlformats.org/presentationml/2006/main" type="twoTxTwoObj" preserve="1">
+<p:sldLayout xmlns:a="http://schemas.openxmlformats.org/drawingml/2006/main" xmlns:r="http://schemas.openxmlformats.org/officeDocument/2006/relationships" xmlns:p="http://schemas.openxmlformats.org/presentationml/2006/main" showMasterSp="0" type="twoTxTwoObj" preserve="1">
   <p:cSld name="Comparison">
+    <p:bg>
+      <p:bgRef idx="1003">
+        <a:schemeClr val="bg1"/>
+      </p:bgRef>
+    </p:bg>
     <p:spTree>
       <p:nvGrpSpPr>
         <p:cNvPr id="1" name=""/>
@@ -1417,20 +2062,26 @@
             <p:ph type="title"/>
           </p:nvPr>
         </p:nvSpPr>
-        <p:spPr/>
-        <p:txBody>
-          <a:bodyPr/>
+        <p:spPr>
+          <a:xfrm>
+            <a:off x="457200" y="273050"/>
+            <a:ext cx="8229600" cy="1143000"/>
+          </a:xfrm>
+        </p:spPr>
+        <p:txBody>
+          <a:bodyPr anchor="ctr"/>
           <a:lstStyle>
             <a:lvl1pPr>
               <a:defRPr/>
             </a:lvl1pPr>
-          </a:lstStyle>
-          <a:p>
-            <a:r>
-              <a:rPr lang="en-US" smtClean="0"/>
+            <a:extLst/>
+          </a:lstStyle>
+          <a:p>
+            <a:r>
+              <a:rPr kumimoji="0" lang="en-US" smtClean="0"/>
               <a:t>Click to edit Master title style</a:t>
             </a:r>
-            <a:endParaRPr lang="en-US"/>
+            <a:endParaRPr kumimoji="0" lang="en-US"/>
           </a:p>
         </p:txBody>
       </p:sp>
@@ -1446,54 +2097,115 @@
         </p:nvSpPr>
         <p:spPr>
           <a:xfrm>
-            <a:off x="457200" y="1535113"/>
-            <a:ext cx="4040188" cy="639762"/>
+            <a:off x="457200" y="5410200"/>
+            <a:ext cx="4040188" cy="762000"/>
           </a:xfrm>
+          <a:solidFill>
+            <a:schemeClr val="accent1"/>
+          </a:solidFill>
+          <a:ln w="9652">
+            <a:solidFill>
+              <a:schemeClr val="accent1"/>
+            </a:solidFill>
+            <a:miter lim="800000"/>
+          </a:ln>
         </p:spPr>
         <p:txBody>
-          <a:bodyPr anchor="b"/>
+          <a:bodyPr lIns="182880" anchor="ctr"/>
           <a:lstStyle>
             <a:lvl1pPr marL="0" indent="0">
               <a:buNone/>
-              <a:defRPr sz="2400" b="1"/>
+              <a:defRPr sz="2400" b="0">
+                <a:solidFill>
+                  <a:schemeClr val="bg1"/>
+                </a:solidFill>
+              </a:defRPr>
             </a:lvl1pPr>
-            <a:lvl2pPr marL="457200" indent="0">
+            <a:lvl2pPr>
               <a:buNone/>
               <a:defRPr sz="2000" b="1"/>
             </a:lvl2pPr>
-            <a:lvl3pPr marL="914400" indent="0">
+            <a:lvl3pPr>
               <a:buNone/>
               <a:defRPr sz="1800" b="1"/>
             </a:lvl3pPr>
-            <a:lvl4pPr marL="1371600" indent="0">
+            <a:lvl4pPr>
               <a:buNone/>
               <a:defRPr sz="1600" b="1"/>
             </a:lvl4pPr>
-            <a:lvl5pPr marL="1828800" indent="0">
+            <a:lvl5pPr>
               <a:buNone/>
               <a:defRPr sz="1600" b="1"/>
             </a:lvl5pPr>
-            <a:lvl6pPr marL="2286000" indent="0">
+            <a:extLst/>
+          </a:lstStyle>
+          <a:p>
+            <a:pPr lvl="0" eaLnBrk="1" latinLnBrk="0" hangingPunct="1"/>
+            <a:r>
+              <a:rPr kumimoji="0" lang="en-US" smtClean="0"/>
+              <a:t>Click to edit Master text styles</a:t>
+            </a:r>
+          </a:p>
+        </p:txBody>
+      </p:sp>
+      <p:sp>
+        <p:nvSpPr>
+          <p:cNvPr id="4" name="Text Placeholder 3"/>
+          <p:cNvSpPr>
+            <a:spLocks noGrp="1"/>
+          </p:cNvSpPr>
+          <p:nvPr>
+            <p:ph type="body" sz="half" idx="3"/>
+          </p:nvPr>
+        </p:nvSpPr>
+        <p:spPr>
+          <a:xfrm>
+            <a:off x="4645026" y="5410200"/>
+            <a:ext cx="4041775" cy="762000"/>
+          </a:xfrm>
+          <a:solidFill>
+            <a:schemeClr val="accent1"/>
+          </a:solidFill>
+          <a:ln w="9652">
+            <a:solidFill>
+              <a:schemeClr val="accent1"/>
+            </a:solidFill>
+            <a:miter lim="800000"/>
+          </a:ln>
+        </p:spPr>
+        <p:txBody>
+          <a:bodyPr lIns="182880" anchor="ctr"/>
+          <a:lstStyle>
+            <a:lvl1pPr marL="0" indent="0">
+              <a:buNone/>
+              <a:defRPr sz="2400" b="0">
+                <a:solidFill>
+                  <a:schemeClr val="bg1"/>
+                </a:solidFill>
+              </a:defRPr>
+            </a:lvl1pPr>
+            <a:lvl2pPr>
+              <a:buNone/>
+              <a:defRPr sz="2000" b="1"/>
+            </a:lvl2pPr>
+            <a:lvl3pPr>
+              <a:buNone/>
+              <a:defRPr sz="1800" b="1"/>
+            </a:lvl3pPr>
+            <a:lvl4pPr>
               <a:buNone/>
               <a:defRPr sz="1600" b="1"/>
-            </a:lvl6pPr>
-            <a:lvl7pPr marL="2743200" indent="0">
+            </a:lvl4pPr>
+            <a:lvl5pPr>
               <a:buNone/>
               <a:defRPr sz="1600" b="1"/>
-            </a:lvl7pPr>
-            <a:lvl8pPr marL="3200400" indent="0">
-              <a:buNone/>
-              <a:defRPr sz="1600" b="1"/>
-            </a:lvl8pPr>
-            <a:lvl9pPr marL="3657600" indent="0">
-              <a:buNone/>
-              <a:defRPr sz="1600" b="1"/>
-            </a:lvl9pPr>
-          </a:lstStyle>
-          <a:p>
-            <a:pPr lvl="0"/>
-            <a:r>
-              <a:rPr lang="en-US" smtClean="0"/>
+            </a:lvl5pPr>
+            <a:extLst/>
+          </a:lstStyle>
+          <a:p>
+            <a:pPr lvl="0" eaLnBrk="1" latinLnBrk="0" hangingPunct="1"/>
+            <a:r>
+              <a:rPr kumimoji="0" lang="en-US" smtClean="0"/>
               <a:t>Click to edit Master text styles</a:t>
             </a:r>
           </a:p>
@@ -1501,19 +2213,24 @@
       </p:sp>
       <p:sp>
         <p:nvSpPr>
-          <p:cNvPr id="4" name="Content Placeholder 3"/>
-          <p:cNvSpPr>
-            <a:spLocks noGrp="1"/>
-          </p:cNvSpPr>
-          <p:nvPr>
-            <p:ph sz="half" idx="2"/>
+          <p:cNvPr id="5" name="Content Placeholder 4"/>
+          <p:cNvSpPr>
+            <a:spLocks noGrp="1"/>
+          </p:cNvSpPr>
+          <p:nvPr>
+            <p:ph sz="quarter" idx="2"/>
           </p:nvPr>
         </p:nvSpPr>
         <p:spPr>
           <a:xfrm>
-            <a:off x="457200" y="2174875"/>
-            <a:ext cx="4040188" cy="3951288"/>
+            <a:off x="457200" y="1444294"/>
+            <a:ext cx="4040188" cy="3941763"/>
           </a:xfrm>
+          <a:ln>
+            <a:noFill/>
+            <a:prstDash val="sysDash"/>
+            <a:miter lim="800000"/>
+          </a:ln>
         </p:spPr>
         <p:txBody>
           <a:bodyPr/>
@@ -1533,142 +2250,74 @@
             <a:lvl5pPr>
               <a:defRPr sz="1600"/>
             </a:lvl5pPr>
-            <a:lvl6pPr>
-              <a:defRPr sz="1600"/>
-            </a:lvl6pPr>
-            <a:lvl7pPr>
-              <a:defRPr sz="1600"/>
-            </a:lvl7pPr>
-            <a:lvl8pPr>
-              <a:defRPr sz="1600"/>
-            </a:lvl8pPr>
-            <a:lvl9pPr>
-              <a:defRPr sz="1600"/>
-            </a:lvl9pPr>
-          </a:lstStyle>
-          <a:p>
-            <a:pPr lvl="0"/>
+            <a:extLst/>
+          </a:lstStyle>
+          <a:p>
+            <a:pPr lvl="0" eaLnBrk="1" latinLnBrk="0" hangingPunct="1"/>
             <a:r>
               <a:rPr lang="en-US" smtClean="0"/>
               <a:t>Click to edit Master text styles</a:t>
             </a:r>
           </a:p>
           <a:p>
-            <a:pPr lvl="1"/>
+            <a:pPr lvl="1" eaLnBrk="1" latinLnBrk="0" hangingPunct="1"/>
             <a:r>
               <a:rPr lang="en-US" smtClean="0"/>
               <a:t>Second level</a:t>
             </a:r>
           </a:p>
           <a:p>
-            <a:pPr lvl="2"/>
+            <a:pPr lvl="2" eaLnBrk="1" latinLnBrk="0" hangingPunct="1"/>
             <a:r>
               <a:rPr lang="en-US" smtClean="0"/>
               <a:t>Third level</a:t>
             </a:r>
           </a:p>
           <a:p>
-            <a:pPr lvl="3"/>
+            <a:pPr lvl="3" eaLnBrk="1" latinLnBrk="0" hangingPunct="1"/>
             <a:r>
               <a:rPr lang="en-US" smtClean="0"/>
               <a:t>Fourth level</a:t>
             </a:r>
           </a:p>
           <a:p>
-            <a:pPr lvl="4"/>
+            <a:pPr lvl="4" eaLnBrk="1" latinLnBrk="0" hangingPunct="1"/>
             <a:r>
               <a:rPr lang="en-US" smtClean="0"/>
               <a:t>Fifth level</a:t>
             </a:r>
-            <a:endParaRPr lang="en-US"/>
-          </a:p>
-        </p:txBody>
-      </p:sp>
-      <p:sp>
-        <p:nvSpPr>
-          <p:cNvPr id="5" name="Text Placeholder 4"/>
-          <p:cNvSpPr>
-            <a:spLocks noGrp="1"/>
-          </p:cNvSpPr>
-          <p:nvPr>
-            <p:ph type="body" sz="quarter" idx="3"/>
+            <a:endParaRPr kumimoji="0" lang="en-US"/>
+          </a:p>
+        </p:txBody>
+      </p:sp>
+      <p:sp>
+        <p:nvSpPr>
+          <p:cNvPr id="6" name="Content Placeholder 5"/>
+          <p:cNvSpPr>
+            <a:spLocks noGrp="1"/>
+          </p:cNvSpPr>
+          <p:nvPr>
+            <p:ph sz="quarter" idx="4"/>
           </p:nvPr>
         </p:nvSpPr>
         <p:spPr>
           <a:xfrm>
-            <a:off x="4645025" y="1535113"/>
-            <a:ext cx="4041775" cy="639762"/>
+            <a:off x="4645025" y="1444294"/>
+            <a:ext cx="4041775" cy="3941763"/>
           </a:xfrm>
+          <a:ln>
+            <a:noFill/>
+            <a:prstDash val="sysDash"/>
+            <a:miter lim="800000"/>
+          </a:ln>
         </p:spPr>
         <p:txBody>
-          <a:bodyPr anchor="b"/>
-          <a:lstStyle>
-            <a:lvl1pPr marL="0" indent="0">
-              <a:buNone/>
-              <a:defRPr sz="2400" b="1"/>
-            </a:lvl1pPr>
-            <a:lvl2pPr marL="457200" indent="0">
-              <a:buNone/>
-              <a:defRPr sz="2000" b="1"/>
-            </a:lvl2pPr>
-            <a:lvl3pPr marL="914400" indent="0">
-              <a:buNone/>
-              <a:defRPr sz="1800" b="1"/>
-            </a:lvl3pPr>
-            <a:lvl4pPr marL="1371600" indent="0">
-              <a:buNone/>
-              <a:defRPr sz="1600" b="1"/>
-            </a:lvl4pPr>
-            <a:lvl5pPr marL="1828800" indent="0">
-              <a:buNone/>
-              <a:defRPr sz="1600" b="1"/>
-            </a:lvl5pPr>
-            <a:lvl6pPr marL="2286000" indent="0">
-              <a:buNone/>
-              <a:defRPr sz="1600" b="1"/>
-            </a:lvl6pPr>
-            <a:lvl7pPr marL="2743200" indent="0">
-              <a:buNone/>
-              <a:defRPr sz="1600" b="1"/>
-            </a:lvl7pPr>
-            <a:lvl8pPr marL="3200400" indent="0">
-              <a:buNone/>
-              <a:defRPr sz="1600" b="1"/>
-            </a:lvl8pPr>
-            <a:lvl9pPr marL="3657600" indent="0">
-              <a:buNone/>
-              <a:defRPr sz="1600" b="1"/>
-            </a:lvl9pPr>
-          </a:lstStyle>
-          <a:p>
-            <a:pPr lvl="0"/>
-            <a:r>
-              <a:rPr lang="en-US" smtClean="0"/>
-              <a:t>Click to edit Master text styles</a:t>
-            </a:r>
-          </a:p>
-        </p:txBody>
-      </p:sp>
-      <p:sp>
-        <p:nvSpPr>
-          <p:cNvPr id="6" name="Content Placeholder 5"/>
-          <p:cNvSpPr>
-            <a:spLocks noGrp="1"/>
-          </p:cNvSpPr>
-          <p:nvPr>
-            <p:ph sz="quarter" idx="4"/>
-          </p:nvPr>
-        </p:nvSpPr>
-        <p:spPr>
-          <a:xfrm>
-            <a:off x="4645025" y="2174875"/>
-            <a:ext cx="4041775" cy="3951288"/>
-          </a:xfrm>
-        </p:spPr>
-        <p:txBody>
           <a:bodyPr/>
           <a:lstStyle>
             <a:lvl1pPr>
+              <a:spcBef>
+                <a:spcPts val="0"/>
+              </a:spcBef>
               <a:defRPr sz="2400"/>
             </a:lvl1pPr>
             <a:lvl2pPr>
@@ -1683,54 +2332,43 @@
             <a:lvl5pPr>
               <a:defRPr sz="1600"/>
             </a:lvl5pPr>
-            <a:lvl6pPr>
-              <a:defRPr sz="1600"/>
-            </a:lvl6pPr>
-            <a:lvl7pPr>
-              <a:defRPr sz="1600"/>
-            </a:lvl7pPr>
-            <a:lvl8pPr>
-              <a:defRPr sz="1600"/>
-            </a:lvl8pPr>
-            <a:lvl9pPr>
-              <a:defRPr sz="1600"/>
-            </a:lvl9pPr>
-          </a:lstStyle>
-          <a:p>
-            <a:pPr lvl="0"/>
+            <a:extLst/>
+          </a:lstStyle>
+          <a:p>
+            <a:pPr lvl="0" eaLnBrk="1" latinLnBrk="0" hangingPunct="1"/>
             <a:r>
               <a:rPr lang="en-US" smtClean="0"/>
               <a:t>Click to edit Master text styles</a:t>
             </a:r>
           </a:p>
           <a:p>
-            <a:pPr lvl="1"/>
+            <a:pPr lvl="1" eaLnBrk="1" latinLnBrk="0" hangingPunct="1"/>
             <a:r>
               <a:rPr lang="en-US" smtClean="0"/>
               <a:t>Second level</a:t>
             </a:r>
           </a:p>
           <a:p>
-            <a:pPr lvl="2"/>
+            <a:pPr lvl="2" eaLnBrk="1" latinLnBrk="0" hangingPunct="1"/>
             <a:r>
               <a:rPr lang="en-US" smtClean="0"/>
               <a:t>Third level</a:t>
             </a:r>
           </a:p>
           <a:p>
-            <a:pPr lvl="3"/>
+            <a:pPr lvl="3" eaLnBrk="1" latinLnBrk="0" hangingPunct="1"/>
             <a:r>
               <a:rPr lang="en-US" smtClean="0"/>
               <a:t>Fourth level</a:t>
             </a:r>
           </a:p>
           <a:p>
-            <a:pPr lvl="4"/>
+            <a:pPr lvl="4" eaLnBrk="1" latinLnBrk="0" hangingPunct="1"/>
             <a:r>
               <a:rPr lang="en-US" smtClean="0"/>
               <a:t>Fifth level</a:t>
             </a:r>
-            <a:endParaRPr lang="en-US"/>
+            <a:endParaRPr kumimoji="0" lang="en-US"/>
           </a:p>
         </p:txBody>
       </p:sp>
@@ -1747,7 +2385,9 @@
         <p:spPr/>
         <p:txBody>
           <a:bodyPr/>
-          <a:lstStyle/>
+          <a:lstStyle>
+            <a:extLst/>
+          </a:lstStyle>
           <a:p>
             <a:fld id="{1D8BD707-D9CF-40AE-B4C6-C98DA3205C09}" type="datetimeFigureOut">
               <a:rPr lang="en-US" smtClean="0"/>
@@ -1771,7 +2411,9 @@
         <p:spPr/>
         <p:txBody>
           <a:bodyPr/>
-          <a:lstStyle/>
+          <a:lstStyle>
+            <a:extLst/>
+          </a:lstStyle>
           <a:p>
             <a:endParaRPr lang="en-US"/>
           </a:p>
@@ -1790,7 +2432,9 @@
         <p:spPr/>
         <p:txBody>
           <a:bodyPr/>
-          <a:lstStyle/>
+          <a:lstStyle>
+            <a:extLst/>
+          </a:lstStyle>
           <a:p>
             <a:fld id="{B6F15528-21DE-4FAA-801E-634DDDAF4B2B}" type="slidenum">
               <a:rPr lang="en-US" smtClean="0"/>
@@ -1804,7 +2448,7 @@
     </p:spTree>
   </p:cSld>
   <p:clrMapOvr>
-    <a:masterClrMapping/>
+    <a:overrideClrMapping bg1="lt1" tx1="dk1" bg2="lt2" tx2="dk2" accent1="accent1" accent2="accent2" accent3="accent3" accent4="accent4" accent5="accent5" accent6="accent6" hlink="hlink" folHlink="folHlink"/>
   </p:clrMapOvr>
 </p:sldLayout>
 </file>
@@ -1812,6 +2456,11 @@
 <file path=ppt/slideLayouts/slideLayout6.xml><?xml version="1.0" encoding="utf-8"?>
 <p:sldLayout xmlns:a="http://schemas.openxmlformats.org/drawingml/2006/main" xmlns:r="http://schemas.openxmlformats.org/officeDocument/2006/relationships" xmlns:p="http://schemas.openxmlformats.org/presentationml/2006/main" type="titleOnly" preserve="1">
   <p:cSld name="Title Only">
+    <p:bg>
+      <p:bgRef idx="1002">
+        <a:schemeClr val="bg1"/>
+      </p:bgRef>
+    </p:bg>
     <p:spTree>
       <p:nvGrpSpPr>
         <p:cNvPr id="1" name=""/>
@@ -1828,41 +2477,20 @@
       </p:grpSpPr>
       <p:sp>
         <p:nvSpPr>
-          <p:cNvPr id="2" name="Title 1"/>
-          <p:cNvSpPr>
-            <a:spLocks noGrp="1"/>
-          </p:cNvSpPr>
-          <p:nvPr>
-            <p:ph type="title"/>
+          <p:cNvPr id="3" name="Date Placeholder 2"/>
+          <p:cNvSpPr>
+            <a:spLocks noGrp="1"/>
+          </p:cNvSpPr>
+          <p:nvPr>
+            <p:ph type="dt" sz="half" idx="10"/>
           </p:nvPr>
         </p:nvSpPr>
         <p:spPr/>
         <p:txBody>
           <a:bodyPr/>
-          <a:lstStyle/>
-          <a:p>
-            <a:r>
-              <a:rPr lang="en-US" smtClean="0"/>
-              <a:t>Click to edit Master title style</a:t>
-            </a:r>
-            <a:endParaRPr lang="en-US"/>
-          </a:p>
-        </p:txBody>
-      </p:sp>
-      <p:sp>
-        <p:nvSpPr>
-          <p:cNvPr id="3" name="Date Placeholder 2"/>
-          <p:cNvSpPr>
-            <a:spLocks noGrp="1"/>
-          </p:cNvSpPr>
-          <p:nvPr>
-            <p:ph type="dt" sz="half" idx="10"/>
-          </p:nvPr>
-        </p:nvSpPr>
-        <p:spPr/>
-        <p:txBody>
-          <a:bodyPr/>
-          <a:lstStyle/>
+          <a:lstStyle>
+            <a:extLst/>
+          </a:lstStyle>
           <a:p>
             <a:fld id="{1D8BD707-D9CF-40AE-B4C6-C98DA3205C09}" type="datetimeFigureOut">
               <a:rPr lang="en-US" smtClean="0"/>
@@ -1886,7 +2514,9 @@
         <p:spPr/>
         <p:txBody>
           <a:bodyPr/>
-          <a:lstStyle/>
+          <a:lstStyle>
+            <a:extLst/>
+          </a:lstStyle>
           <a:p>
             <a:endParaRPr lang="en-US"/>
           </a:p>
@@ -1905,7 +2535,9 @@
         <p:spPr/>
         <p:txBody>
           <a:bodyPr/>
-          <a:lstStyle/>
+          <a:lstStyle>
+            <a:extLst/>
+          </a:lstStyle>
           <a:p>
             <a:fld id="{B6F15528-21DE-4FAA-801E-634DDDAF4B2B}" type="slidenum">
               <a:rPr lang="en-US" smtClean="0"/>
@@ -1916,10 +2548,35 @@
           </a:p>
         </p:txBody>
       </p:sp>
+      <p:sp>
+        <p:nvSpPr>
+          <p:cNvPr id="6" name="Title 5"/>
+          <p:cNvSpPr>
+            <a:spLocks noGrp="1"/>
+          </p:cNvSpPr>
+          <p:nvPr>
+            <p:ph type="title"/>
+          </p:nvPr>
+        </p:nvSpPr>
+        <p:spPr/>
+        <p:txBody>
+          <a:bodyPr rtlCol="0"/>
+          <a:lstStyle>
+            <a:extLst/>
+          </a:lstStyle>
+          <a:p>
+            <a:r>
+              <a:rPr kumimoji="0" lang="en-US" smtClean="0"/>
+              <a:t>Click to edit Master title style</a:t>
+            </a:r>
+            <a:endParaRPr kumimoji="0" lang="en-US"/>
+          </a:p>
+        </p:txBody>
+      </p:sp>
     </p:spTree>
   </p:cSld>
   <p:clrMapOvr>
-    <a:masterClrMapping/>
+    <a:overrideClrMapping bg1="dk1" tx1="lt1" bg2="dk2" tx2="lt2" accent1="accent1" accent2="accent2" accent3="accent3" accent4="accent4" accent5="accent5" accent6="accent6" hlink="hlink" folHlink="folHlink"/>
   </p:clrMapOvr>
 </p:sldLayout>
 </file>
@@ -1954,7 +2611,9 @@
         <p:spPr/>
         <p:txBody>
           <a:bodyPr/>
-          <a:lstStyle/>
+          <a:lstStyle>
+            <a:extLst/>
+          </a:lstStyle>
           <a:p>
             <a:fld id="{1D8BD707-D9CF-40AE-B4C6-C98DA3205C09}" type="datetimeFigureOut">
               <a:rPr lang="en-US" smtClean="0"/>
@@ -1978,7 +2637,9 @@
         <p:spPr/>
         <p:txBody>
           <a:bodyPr/>
-          <a:lstStyle/>
+          <a:lstStyle>
+            <a:extLst/>
+          </a:lstStyle>
           <a:p>
             <a:endParaRPr lang="en-US"/>
           </a:p>
@@ -1997,7 +2658,9 @@
         <p:spPr/>
         <p:txBody>
           <a:bodyPr/>
-          <a:lstStyle/>
+          <a:lstStyle>
+            <a:extLst/>
+          </a:lstStyle>
           <a:p>
             <a:fld id="{B6F15528-21DE-4FAA-801E-634DDDAF4B2B}" type="slidenum">
               <a:rPr lang="en-US" smtClean="0"/>
@@ -2017,8 +2680,13 @@
 </file>
 
 <file path=ppt/slideLayouts/slideLayout8.xml><?xml version="1.0" encoding="utf-8"?>
-<p:sldLayout xmlns:a="http://schemas.openxmlformats.org/drawingml/2006/main" xmlns:r="http://schemas.openxmlformats.org/officeDocument/2006/relationships" xmlns:p="http://schemas.openxmlformats.org/presentationml/2006/main" type="objTx" preserve="1">
+<p:sldLayout xmlns:a="http://schemas.openxmlformats.org/drawingml/2006/main" xmlns:r="http://schemas.openxmlformats.org/officeDocument/2006/relationships" xmlns:p="http://schemas.openxmlformats.org/presentationml/2006/main" showMasterSp="0" type="objTx" preserve="1">
   <p:cSld name="Content with Caption">
+    <p:bg>
+      <p:bgRef idx="1003">
+        <a:schemeClr val="bg1"/>
+      </p:bgRef>
+    </p:bg>
     <p:spTree>
       <p:nvGrpSpPr>
         <p:cNvPr id="1" name=""/>
@@ -2045,40 +2713,102 @@
         </p:nvSpPr>
         <p:spPr>
           <a:xfrm>
-            <a:off x="457200" y="273050"/>
-            <a:ext cx="3008313" cy="1162050"/>
+            <a:off x="914400" y="4876800"/>
+            <a:ext cx="7481776" cy="457200"/>
           </a:xfrm>
         </p:spPr>
         <p:txBody>
-          <a:bodyPr anchor="b"/>
-          <a:lstStyle>
-            <a:lvl1pPr algn="l">
-              <a:defRPr sz="2000" b="1"/>
+          <a:bodyPr vert="horz" anchor="t">
+            <a:noAutofit/>
+            <a:sp3d prstMaterial="softEdge">
+              <a:bevelT w="0" h="0"/>
+            </a:sp3d>
+          </a:bodyPr>
+          <a:lstStyle>
+            <a:lvl1pPr algn="r">
+              <a:buNone/>
+              <a:defRPr sz="2500" b="0">
+                <a:solidFill>
+                  <a:schemeClr val="accent1"/>
+                </a:solidFill>
+                <a:effectLst/>
+              </a:defRPr>
             </a:lvl1pPr>
-          </a:lstStyle>
-          <a:p>
-            <a:r>
-              <a:rPr lang="en-US" smtClean="0"/>
+            <a:extLst/>
+          </a:lstStyle>
+          <a:p>
+            <a:r>
+              <a:rPr kumimoji="0" lang="en-US" smtClean="0"/>
               <a:t>Click to edit Master title style</a:t>
             </a:r>
-            <a:endParaRPr lang="en-US"/>
-          </a:p>
-        </p:txBody>
-      </p:sp>
-      <p:sp>
-        <p:nvSpPr>
-          <p:cNvPr id="3" name="Content Placeholder 2"/>
-          <p:cNvSpPr>
-            <a:spLocks noGrp="1"/>
-          </p:cNvSpPr>
-          <p:nvPr>
-            <p:ph idx="1"/>
+            <a:endParaRPr kumimoji="0" lang="en-US"/>
+          </a:p>
+        </p:txBody>
+      </p:sp>
+      <p:sp>
+        <p:nvSpPr>
+          <p:cNvPr id="3" name="Text Placeholder 2"/>
+          <p:cNvSpPr>
+            <a:spLocks noGrp="1"/>
+          </p:cNvSpPr>
+          <p:nvPr>
+            <p:ph type="body" idx="2"/>
           </p:nvPr>
         </p:nvSpPr>
         <p:spPr>
           <a:xfrm>
-            <a:off x="3575050" y="273050"/>
-            <a:ext cx="5111750" cy="5853113"/>
+            <a:off x="4419600" y="5355102"/>
+            <a:ext cx="3974592" cy="914400"/>
+          </a:xfrm>
+        </p:spPr>
+        <p:txBody>
+          <a:bodyPr/>
+          <a:lstStyle>
+            <a:lvl1pPr marL="0" indent="0" algn="r">
+              <a:buNone/>
+              <a:defRPr sz="1600"/>
+            </a:lvl1pPr>
+            <a:lvl2pPr>
+              <a:buNone/>
+              <a:defRPr sz="1200"/>
+            </a:lvl2pPr>
+            <a:lvl3pPr>
+              <a:buNone/>
+              <a:defRPr sz="1000"/>
+            </a:lvl3pPr>
+            <a:lvl4pPr>
+              <a:buNone/>
+              <a:defRPr sz="900"/>
+            </a:lvl4pPr>
+            <a:lvl5pPr>
+              <a:buNone/>
+              <a:defRPr sz="900"/>
+            </a:lvl5pPr>
+            <a:extLst/>
+          </a:lstStyle>
+          <a:p>
+            <a:pPr lvl="0" eaLnBrk="1" latinLnBrk="0" hangingPunct="1"/>
+            <a:r>
+              <a:rPr kumimoji="0" lang="en-US" smtClean="0"/>
+              <a:t>Click to edit Master text styles</a:t>
+            </a:r>
+          </a:p>
+        </p:txBody>
+      </p:sp>
+      <p:sp>
+        <p:nvSpPr>
+          <p:cNvPr id="4" name="Content Placeholder 3"/>
+          <p:cNvSpPr>
+            <a:spLocks noGrp="1"/>
+          </p:cNvSpPr>
+          <p:nvPr>
+            <p:ph sz="half" idx="1"/>
+          </p:nvPr>
+        </p:nvSpPr>
+        <p:spPr>
+          <a:xfrm>
+            <a:off x="914400" y="274320"/>
+            <a:ext cx="7479792" cy="4572000"/>
           </a:xfrm>
         </p:spPr>
         <p:txBody>
@@ -2099,136 +2829,67 @@
             <a:lvl5pPr>
               <a:defRPr sz="2000"/>
             </a:lvl5pPr>
-            <a:lvl6pPr>
-              <a:defRPr sz="2000"/>
-            </a:lvl6pPr>
-            <a:lvl7pPr>
-              <a:defRPr sz="2000"/>
-            </a:lvl7pPr>
-            <a:lvl8pPr>
-              <a:defRPr sz="2000"/>
-            </a:lvl8pPr>
-            <a:lvl9pPr>
-              <a:defRPr sz="2000"/>
-            </a:lvl9pPr>
-          </a:lstStyle>
-          <a:p>
-            <a:pPr lvl="0"/>
+            <a:extLst/>
+          </a:lstStyle>
+          <a:p>
+            <a:pPr lvl="0" eaLnBrk="1" latinLnBrk="0" hangingPunct="1"/>
             <a:r>
               <a:rPr lang="en-US" smtClean="0"/>
               <a:t>Click to edit Master text styles</a:t>
             </a:r>
           </a:p>
           <a:p>
-            <a:pPr lvl="1"/>
+            <a:pPr lvl="1" eaLnBrk="1" latinLnBrk="0" hangingPunct="1"/>
             <a:r>
               <a:rPr lang="en-US" smtClean="0"/>
               <a:t>Second level</a:t>
             </a:r>
           </a:p>
           <a:p>
-            <a:pPr lvl="2"/>
+            <a:pPr lvl="2" eaLnBrk="1" latinLnBrk="0" hangingPunct="1"/>
             <a:r>
               <a:rPr lang="en-US" smtClean="0"/>
               <a:t>Third level</a:t>
             </a:r>
           </a:p>
           <a:p>
-            <a:pPr lvl="3"/>
+            <a:pPr lvl="3" eaLnBrk="1" latinLnBrk="0" hangingPunct="1"/>
             <a:r>
               <a:rPr lang="en-US" smtClean="0"/>
               <a:t>Fourth level</a:t>
             </a:r>
           </a:p>
           <a:p>
-            <a:pPr lvl="4"/>
+            <a:pPr lvl="4" eaLnBrk="1" latinLnBrk="0" hangingPunct="1"/>
             <a:r>
               <a:rPr lang="en-US" smtClean="0"/>
               <a:t>Fifth level</a:t>
             </a:r>
-            <a:endParaRPr lang="en-US"/>
-          </a:p>
-        </p:txBody>
-      </p:sp>
-      <p:sp>
-        <p:nvSpPr>
-          <p:cNvPr id="4" name="Text Placeholder 3"/>
-          <p:cNvSpPr>
-            <a:spLocks noGrp="1"/>
-          </p:cNvSpPr>
-          <p:nvPr>
-            <p:ph type="body" sz="half" idx="2"/>
+            <a:endParaRPr kumimoji="0" lang="en-US"/>
+          </a:p>
+        </p:txBody>
+      </p:sp>
+      <p:sp>
+        <p:nvSpPr>
+          <p:cNvPr id="5" name="Date Placeholder 4"/>
+          <p:cNvSpPr>
+            <a:spLocks noGrp="1"/>
+          </p:cNvSpPr>
+          <p:nvPr>
+            <p:ph type="dt" sz="half" idx="10"/>
           </p:nvPr>
         </p:nvSpPr>
         <p:spPr>
           <a:xfrm>
-            <a:off x="457200" y="1435100"/>
-            <a:ext cx="3008313" cy="4691063"/>
+            <a:off x="6727032" y="6407944"/>
+            <a:ext cx="1920240" cy="365760"/>
           </a:xfrm>
         </p:spPr>
         <p:txBody>
           <a:bodyPr/>
           <a:lstStyle>
-            <a:lvl1pPr marL="0" indent="0">
-              <a:buNone/>
-              <a:defRPr sz="1400"/>
-            </a:lvl1pPr>
-            <a:lvl2pPr marL="457200" indent="0">
-              <a:buNone/>
-              <a:defRPr sz="1200"/>
-            </a:lvl2pPr>
-            <a:lvl3pPr marL="914400" indent="0">
-              <a:buNone/>
-              <a:defRPr sz="1000"/>
-            </a:lvl3pPr>
-            <a:lvl4pPr marL="1371600" indent="0">
-              <a:buNone/>
-              <a:defRPr sz="900"/>
-            </a:lvl4pPr>
-            <a:lvl5pPr marL="1828800" indent="0">
-              <a:buNone/>
-              <a:defRPr sz="900"/>
-            </a:lvl5pPr>
-            <a:lvl6pPr marL="2286000" indent="0">
-              <a:buNone/>
-              <a:defRPr sz="900"/>
-            </a:lvl6pPr>
-            <a:lvl7pPr marL="2743200" indent="0">
-              <a:buNone/>
-              <a:defRPr sz="900"/>
-            </a:lvl7pPr>
-            <a:lvl8pPr marL="3200400" indent="0">
-              <a:buNone/>
-              <a:defRPr sz="900"/>
-            </a:lvl8pPr>
-            <a:lvl9pPr marL="3657600" indent="0">
-              <a:buNone/>
-              <a:defRPr sz="900"/>
-            </a:lvl9pPr>
-          </a:lstStyle>
-          <a:p>
-            <a:pPr lvl="0"/>
-            <a:r>
-              <a:rPr lang="en-US" smtClean="0"/>
-              <a:t>Click to edit Master text styles</a:t>
-            </a:r>
-          </a:p>
-        </p:txBody>
-      </p:sp>
-      <p:sp>
-        <p:nvSpPr>
-          <p:cNvPr id="5" name="Date Placeholder 4"/>
-          <p:cNvSpPr>
-            <a:spLocks noGrp="1"/>
-          </p:cNvSpPr>
-          <p:nvPr>
-            <p:ph type="dt" sz="half" idx="10"/>
-          </p:nvPr>
-        </p:nvSpPr>
-        <p:spPr/>
-        <p:txBody>
-          <a:bodyPr/>
-          <a:lstStyle/>
+            <a:extLst/>
+          </a:lstStyle>
           <a:p>
             <a:fld id="{1D8BD707-D9CF-40AE-B4C6-C98DA3205C09}" type="datetimeFigureOut">
               <a:rPr lang="en-US" smtClean="0"/>
@@ -2252,7 +2913,9 @@
         <p:spPr/>
         <p:txBody>
           <a:bodyPr/>
-          <a:lstStyle/>
+          <a:lstStyle>
+            <a:extLst/>
+          </a:lstStyle>
           <a:p>
             <a:endParaRPr lang="en-US"/>
           </a:p>
@@ -2271,7 +2934,9 @@
         <p:spPr/>
         <p:txBody>
           <a:bodyPr/>
-          <a:lstStyle/>
+          <a:lstStyle>
+            <a:extLst/>
+          </a:lstStyle>
           <a:p>
             <a:fld id="{B6F15528-21DE-4FAA-801E-634DDDAF4B2B}" type="slidenum">
               <a:rPr lang="en-US" smtClean="0"/>
@@ -2285,14 +2950,19 @@
     </p:spTree>
   </p:cSld>
   <p:clrMapOvr>
-    <a:masterClrMapping/>
+    <a:overrideClrMapping bg1="lt1" tx1="dk1" bg2="lt2" tx2="dk2" accent1="accent1" accent2="accent2" accent3="accent3" accent4="accent4" accent5="accent5" accent6="accent6" hlink="hlink" folHlink="folHlink"/>
   </p:clrMapOvr>
 </p:sldLayout>
 </file>
 
 <file path=ppt/slideLayouts/slideLayout9.xml><?xml version="1.0" encoding="utf-8"?>
-<p:sldLayout xmlns:a="http://schemas.openxmlformats.org/drawingml/2006/main" xmlns:r="http://schemas.openxmlformats.org/officeDocument/2006/relationships" xmlns:p="http://schemas.openxmlformats.org/presentationml/2006/main" type="picTx" preserve="1">
+<p:sldLayout xmlns:a="http://schemas.openxmlformats.org/drawingml/2006/main" xmlns:r="http://schemas.openxmlformats.org/officeDocument/2006/relationships" xmlns:p="http://schemas.openxmlformats.org/presentationml/2006/main" showMasterSp="0" type="picTx" preserve="1">
   <p:cSld name="Picture with Caption">
+    <p:bg>
+      <p:bgRef idx="1002">
+        <a:schemeClr val="bg1"/>
+      </p:bgRef>
+    </p:bg>
     <p:spTree>
       <p:nvGrpSpPr>
         <p:cNvPr id="1" name=""/>
@@ -2309,33 +2979,48 @@
       </p:grpSpPr>
       <p:sp>
         <p:nvSpPr>
-          <p:cNvPr id="2" name="Title 1"/>
-          <p:cNvSpPr>
-            <a:spLocks noGrp="1"/>
-          </p:cNvSpPr>
-          <p:nvPr>
-            <p:ph type="title"/>
+          <p:cNvPr id="4" name="Text Placeholder 3"/>
+          <p:cNvSpPr>
+            <a:spLocks noGrp="1"/>
+          </p:cNvSpPr>
+          <p:nvPr>
+            <p:ph type="body" sz="half" idx="2"/>
           </p:nvPr>
         </p:nvSpPr>
         <p:spPr>
           <a:xfrm>
-            <a:off x="1792288" y="4800600"/>
-            <a:ext cx="5486400" cy="566738"/>
+            <a:off x="1141232" y="5443402"/>
+            <a:ext cx="7162800" cy="648232"/>
           </a:xfrm>
+          <a:noFill/>
         </p:spPr>
         <p:txBody>
-          <a:bodyPr anchor="b"/>
-          <a:lstStyle>
-            <a:lvl1pPr algn="l">
-              <a:defRPr sz="2000" b="1"/>
+          <a:bodyPr lIns="91440" tIns="0" rIns="91440" anchor="t"/>
+          <a:lstStyle>
+            <a:lvl1pPr marL="0" marR="18288" indent="0" algn="r">
+              <a:buNone/>
+              <a:defRPr sz="1400"/>
             </a:lvl1pPr>
-          </a:lstStyle>
-          <a:p>
-            <a:r>
-              <a:rPr lang="en-US" smtClean="0"/>
-              <a:t>Click to edit Master title style</a:t>
-            </a:r>
-            <a:endParaRPr lang="en-US"/>
+            <a:lvl2pPr>
+              <a:defRPr sz="1200"/>
+            </a:lvl2pPr>
+            <a:lvl3pPr>
+              <a:defRPr sz="1000"/>
+            </a:lvl3pPr>
+            <a:lvl4pPr>
+              <a:defRPr sz="900"/>
+            </a:lvl4pPr>
+            <a:lvl5pPr>
+              <a:defRPr sz="900"/>
+            </a:lvl5pPr>
+            <a:extLst/>
+          </a:lstStyle>
+          <a:p>
+            <a:pPr lvl="0" eaLnBrk="1" latinLnBrk="0" hangingPunct="1"/>
+            <a:r>
+              <a:rPr kumimoji="0" lang="en-US" smtClean="0"/>
+              <a:t>Click to edit Master text styles</a:t>
+            </a:r>
           </a:p>
         </p:txBody>
       </p:sp>
@@ -2351,9 +3036,25 @@
         </p:nvSpPr>
         <p:spPr>
           <a:xfrm>
-            <a:off x="1792288" y="612775"/>
-            <a:ext cx="5486400" cy="4114800"/>
+            <a:off x="228600" y="189968"/>
+            <a:ext cx="8686800" cy="4389120"/>
           </a:xfrm>
+          <a:prstGeom prst="rect">
+            <a:avLst/>
+          </a:prstGeom>
+          <a:solidFill>
+            <a:schemeClr val="bg2"/>
+          </a:solidFill>
+          <a:ln>
+            <a:solidFill>
+              <a:schemeClr val="bg1"/>
+            </a:solidFill>
+          </a:ln>
+          <a:effectLst>
+            <a:innerShdw blurRad="95250">
+              <a:srgbClr val="000000"/>
+            </a:innerShdw>
+          </a:effectLst>
         </p:spPr>
         <p:txBody>
           <a:bodyPr/>
@@ -2362,123 +3063,40 @@
               <a:buNone/>
               <a:defRPr sz="3200"/>
             </a:lvl1pPr>
-            <a:lvl2pPr marL="457200" indent="0">
-              <a:buNone/>
-              <a:defRPr sz="2800"/>
-            </a:lvl2pPr>
-            <a:lvl3pPr marL="914400" indent="0">
-              <a:buNone/>
-              <a:defRPr sz="2400"/>
-            </a:lvl3pPr>
-            <a:lvl4pPr marL="1371600" indent="0">
-              <a:buNone/>
-              <a:defRPr sz="2000"/>
-            </a:lvl4pPr>
-            <a:lvl5pPr marL="1828800" indent="0">
-              <a:buNone/>
-              <a:defRPr sz="2000"/>
-            </a:lvl5pPr>
-            <a:lvl6pPr marL="2286000" indent="0">
-              <a:buNone/>
-              <a:defRPr sz="2000"/>
-            </a:lvl6pPr>
-            <a:lvl7pPr marL="2743200" indent="0">
-              <a:buNone/>
-              <a:defRPr sz="2000"/>
-            </a:lvl7pPr>
-            <a:lvl8pPr marL="3200400" indent="0">
-              <a:buNone/>
-              <a:defRPr sz="2000"/>
-            </a:lvl8pPr>
-            <a:lvl9pPr marL="3657600" indent="0">
-              <a:buNone/>
-              <a:defRPr sz="2000"/>
-            </a:lvl9pPr>
-          </a:lstStyle>
-          <a:p>
-            <a:endParaRPr lang="en-US"/>
-          </a:p>
-        </p:txBody>
-      </p:sp>
-      <p:sp>
-        <p:nvSpPr>
-          <p:cNvPr id="4" name="Text Placeholder 3"/>
-          <p:cNvSpPr>
-            <a:spLocks noGrp="1"/>
-          </p:cNvSpPr>
-          <p:nvPr>
-            <p:ph type="body" sz="half" idx="2"/>
-          </p:nvPr>
-        </p:nvSpPr>
-        <p:spPr>
-          <a:xfrm>
-            <a:off x="1792288" y="5367338"/>
-            <a:ext cx="5486400" cy="804862"/>
-          </a:xfrm>
-        </p:spPr>
+            <a:extLst/>
+          </a:lstStyle>
+          <a:p>
+            <a:r>
+              <a:rPr kumimoji="0" lang="en-US" smtClean="0"/>
+              <a:t>Click icon to add picture</a:t>
+            </a:r>
+            <a:endParaRPr kumimoji="0" lang="en-US" dirty="0"/>
+          </a:p>
+        </p:txBody>
+      </p:sp>
+      <p:sp>
+        <p:nvSpPr>
+          <p:cNvPr id="5" name="Date Placeholder 4"/>
+          <p:cNvSpPr>
+            <a:spLocks noGrp="1"/>
+          </p:cNvSpPr>
+          <p:nvPr>
+            <p:ph type="dt" sz="half" idx="10"/>
+          </p:nvPr>
+        </p:nvSpPr>
+        <p:spPr/>
         <p:txBody>
           <a:bodyPr/>
           <a:lstStyle>
-            <a:lvl1pPr marL="0" indent="0">
-              <a:buNone/>
-              <a:defRPr sz="1400"/>
+            <a:lvl1pPr>
+              <a:defRPr>
+                <a:solidFill>
+                  <a:schemeClr val="tx1"/>
+                </a:solidFill>
+              </a:defRPr>
             </a:lvl1pPr>
-            <a:lvl2pPr marL="457200" indent="0">
-              <a:buNone/>
-              <a:defRPr sz="1200"/>
-            </a:lvl2pPr>
-            <a:lvl3pPr marL="914400" indent="0">
-              <a:buNone/>
-              <a:defRPr sz="1000"/>
-            </a:lvl3pPr>
-            <a:lvl4pPr marL="1371600" indent="0">
-              <a:buNone/>
-              <a:defRPr sz="900"/>
-            </a:lvl4pPr>
-            <a:lvl5pPr marL="1828800" indent="0">
-              <a:buNone/>
-              <a:defRPr sz="900"/>
-            </a:lvl5pPr>
-            <a:lvl6pPr marL="2286000" indent="0">
-              <a:buNone/>
-              <a:defRPr sz="900"/>
-            </a:lvl6pPr>
-            <a:lvl7pPr marL="2743200" indent="0">
-              <a:buNone/>
-              <a:defRPr sz="900"/>
-            </a:lvl7pPr>
-            <a:lvl8pPr marL="3200400" indent="0">
-              <a:buNone/>
-              <a:defRPr sz="900"/>
-            </a:lvl8pPr>
-            <a:lvl9pPr marL="3657600" indent="0">
-              <a:buNone/>
-              <a:defRPr sz="900"/>
-            </a:lvl9pPr>
-          </a:lstStyle>
-          <a:p>
-            <a:pPr lvl="0"/>
-            <a:r>
-              <a:rPr lang="en-US" smtClean="0"/>
-              <a:t>Click to edit Master text styles</a:t>
-            </a:r>
-          </a:p>
-        </p:txBody>
-      </p:sp>
-      <p:sp>
-        <p:nvSpPr>
-          <p:cNvPr id="5" name="Date Placeholder 4"/>
-          <p:cNvSpPr>
-            <a:spLocks noGrp="1"/>
-          </p:cNvSpPr>
-          <p:nvPr>
-            <p:ph type="dt" sz="half" idx="10"/>
-          </p:nvPr>
-        </p:nvSpPr>
-        <p:spPr/>
-        <p:txBody>
-          <a:bodyPr/>
-          <a:lstStyle/>
+            <a:extLst/>
+          </a:lstStyle>
           <a:p>
             <a:fld id="{1D8BD707-D9CF-40AE-B4C6-C98DA3205C09}" type="datetimeFigureOut">
               <a:rPr lang="en-US" smtClean="0"/>
@@ -2499,29 +3117,52 @@
             <p:ph type="ftr" sz="quarter" idx="11"/>
           </p:nvPr>
         </p:nvSpPr>
+        <p:spPr>
+          <a:xfrm>
+            <a:off x="4380072" y="6407944"/>
+            <a:ext cx="2350681" cy="365125"/>
+          </a:xfrm>
+        </p:spPr>
+        <p:txBody>
+          <a:bodyPr/>
+          <a:lstStyle>
+            <a:lvl1pPr>
+              <a:defRPr>
+                <a:solidFill>
+                  <a:schemeClr val="tx1"/>
+                </a:solidFill>
+              </a:defRPr>
+            </a:lvl1pPr>
+            <a:extLst/>
+          </a:lstStyle>
+          <a:p>
+            <a:endParaRPr lang="en-US"/>
+          </a:p>
+        </p:txBody>
+      </p:sp>
+      <p:sp>
+        <p:nvSpPr>
+          <p:cNvPr id="7" name="Slide Number Placeholder 6"/>
+          <p:cNvSpPr>
+            <a:spLocks noGrp="1"/>
+          </p:cNvSpPr>
+          <p:nvPr>
+            <p:ph type="sldNum" sz="quarter" idx="12"/>
+          </p:nvPr>
+        </p:nvSpPr>
         <p:spPr/>
         <p:txBody>
           <a:bodyPr/>
-          <a:lstStyle/>
-          <a:p>
-            <a:endParaRPr lang="en-US"/>
-          </a:p>
-        </p:txBody>
-      </p:sp>
-      <p:sp>
-        <p:nvSpPr>
-          <p:cNvPr id="7" name="Slide Number Placeholder 6"/>
-          <p:cNvSpPr>
-            <a:spLocks noGrp="1"/>
-          </p:cNvSpPr>
-          <p:nvPr>
-            <p:ph type="sldNum" sz="quarter" idx="12"/>
-          </p:nvPr>
-        </p:nvSpPr>
-        <p:spPr/>
-        <p:txBody>
-          <a:bodyPr/>
-          <a:lstStyle/>
+          <a:lstStyle>
+            <a:lvl1pPr>
+              <a:defRPr>
+                <a:solidFill>
+                  <a:schemeClr val="tx1"/>
+                </a:solidFill>
+              </a:defRPr>
+            </a:lvl1pPr>
+            <a:extLst/>
+          </a:lstStyle>
           <a:p>
             <a:fld id="{B6F15528-21DE-4FAA-801E-634DDDAF4B2B}" type="slidenum">
               <a:rPr lang="en-US" smtClean="0"/>
@@ -2532,10 +3173,548 @@
           </a:p>
         </p:txBody>
       </p:sp>
+      <p:sp>
+        <p:nvSpPr>
+          <p:cNvPr id="2" name="Title 1"/>
+          <p:cNvSpPr>
+            <a:spLocks noGrp="1"/>
+          </p:cNvSpPr>
+          <p:nvPr>
+            <p:ph type="title"/>
+          </p:nvPr>
+        </p:nvSpPr>
+        <p:spPr>
+          <a:xfrm>
+            <a:off x="228600" y="4865122"/>
+            <a:ext cx="8075432" cy="562672"/>
+          </a:xfrm>
+          <a:noFill/>
+        </p:spPr>
+        <p:txBody>
+          <a:bodyPr anchor="t">
+            <a:sp3d prstMaterial="softEdge"/>
+          </a:bodyPr>
+          <a:lstStyle>
+            <a:lvl1pPr marR="0" algn="r">
+              <a:buNone/>
+              <a:defRPr sz="3000" b="0">
+                <a:solidFill>
+                  <a:schemeClr val="accent1"/>
+                </a:solidFill>
+                <a:effectLst>
+                  <a:outerShdw blurRad="50800" dist="25000" dir="5400000" algn="t" rotWithShape="0">
+                    <a:prstClr val="black">
+                      <a:alpha val="45000"/>
+                    </a:prstClr>
+                  </a:outerShdw>
+                </a:effectLst>
+              </a:defRPr>
+            </a:lvl1pPr>
+            <a:extLst/>
+          </a:lstStyle>
+          <a:p>
+            <a:r>
+              <a:rPr kumimoji="0" lang="en-US" smtClean="0"/>
+              <a:t>Click to edit Master title style</a:t>
+            </a:r>
+            <a:endParaRPr kumimoji="0" lang="en-US"/>
+          </a:p>
+        </p:txBody>
+      </p:sp>
+      <p:sp>
+        <p:nvSpPr>
+          <p:cNvPr id="8" name="Freeform 7"/>
+          <p:cNvSpPr>
+            <a:spLocks/>
+          </p:cNvSpPr>
+          <p:nvPr/>
+        </p:nvSpPr>
+        <p:spPr bwMode="auto">
+          <a:xfrm>
+            <a:off x="716436" y="5001993"/>
+            <a:ext cx="3802003" cy="1443111"/>
+          </a:xfrm>
+          <a:custGeom>
+            <a:avLst>
+              <a:gd name="A1" fmla="val 0"/>
+              <a:gd name="A2" fmla="val 0"/>
+              <a:gd name="A3" fmla="val 0"/>
+              <a:gd name="A4" fmla="val 0"/>
+              <a:gd name="A5" fmla="val 0"/>
+              <a:gd name="A6" fmla="val 0"/>
+              <a:gd name="A7" fmla="val 0"/>
+              <a:gd name="A8" fmla="val 0"/>
+            </a:avLst>
+            <a:gdLst/>
+            <a:ahLst/>
+            <a:cxnLst>
+              <a:cxn ang="0">
+                <a:pos x="0" y="0"/>
+              </a:cxn>
+              <a:cxn ang="0">
+                <a:pos x="5760" y="0"/>
+              </a:cxn>
+              <a:cxn ang="0">
+                <a:pos x="5760" y="528"/>
+              </a:cxn>
+              <a:cxn ang="0">
+                <a:pos x="48" y="0"/>
+              </a:cxn>
+            </a:cxnLst>
+            <a:rect l="0" t="0" r="0" b="0"/>
+            <a:pathLst>
+              <a:path w="5760" h="528">
+                <a:moveTo>
+                  <a:pt x="-329" y="347"/>
+                </a:moveTo>
+                <a:lnTo>
+                  <a:pt x="7156" y="682"/>
+                </a:lnTo>
+                <a:lnTo>
+                  <a:pt x="5229" y="682"/>
+                </a:lnTo>
+                <a:lnTo>
+                  <a:pt x="-328" y="345"/>
+                </a:lnTo>
+              </a:path>
+            </a:pathLst>
+          </a:custGeom>
+          <a:solidFill>
+            <a:schemeClr val="accent1">
+              <a:tint val="65000"/>
+              <a:satMod val="115000"/>
+              <a:alpha val="40000"/>
+            </a:schemeClr>
+          </a:solidFill>
+          <a:ln w="9525" cap="flat" cmpd="sng" algn="ctr">
+            <a:noFill/>
+            <a:prstDash val="solid"/>
+            <a:round/>
+            <a:headEnd type="none" w="med" len="med"/>
+            <a:tailEnd type="none" w="med" len="med"/>
+          </a:ln>
+          <a:effectLst/>
+        </p:spPr>
+        <p:txBody>
+          <a:bodyPr vert="horz" wrap="square" lIns="91440" tIns="45720" rIns="91440" bIns="45720" anchor="t" compatLnSpc="1"/>
+          <a:lstStyle>
+            <a:extLst/>
+          </a:lstStyle>
+          <a:p>
+            <a:endParaRPr kumimoji="0" lang="en-US"/>
+          </a:p>
+        </p:txBody>
+      </p:sp>
+      <p:sp>
+        <p:nvSpPr>
+          <p:cNvPr id="9" name="Freeform 8"/>
+          <p:cNvSpPr>
+            <a:spLocks/>
+          </p:cNvSpPr>
+          <p:nvPr/>
+        </p:nvSpPr>
+        <p:spPr bwMode="auto">
+          <a:xfrm>
+            <a:off x="-53561" y="5785023"/>
+            <a:ext cx="3802003" cy="838200"/>
+          </a:xfrm>
+          <a:custGeom>
+            <a:avLst>
+              <a:gd name="A1" fmla="val 0"/>
+              <a:gd name="A2" fmla="val 0"/>
+              <a:gd name="A3" fmla="val 0"/>
+              <a:gd name="A4" fmla="val 0"/>
+              <a:gd name="A5" fmla="val 0"/>
+              <a:gd name="A6" fmla="val 0"/>
+              <a:gd name="A7" fmla="val 0"/>
+              <a:gd name="A8" fmla="val 0"/>
+            </a:avLst>
+            <a:gdLst/>
+            <a:ahLst/>
+            <a:cxnLst>
+              <a:cxn ang="0">
+                <a:pos x="0" y="0"/>
+              </a:cxn>
+              <a:cxn ang="0">
+                <a:pos x="5760" y="0"/>
+              </a:cxn>
+              <a:cxn ang="0">
+                <a:pos x="5760" y="528"/>
+              </a:cxn>
+              <a:cxn ang="0">
+                <a:pos x="48" y="0"/>
+              </a:cxn>
+            </a:cxnLst>
+            <a:rect l="0" t="0" r="0" b="0"/>
+            <a:pathLst>
+              <a:path w="5760" h="528">
+                <a:moveTo>
+                  <a:pt x="817" y="97"/>
+                </a:moveTo>
+                <a:lnTo>
+                  <a:pt x="6408" y="682"/>
+                </a:lnTo>
+                <a:lnTo>
+                  <a:pt x="5232" y="685"/>
+                </a:lnTo>
+                <a:lnTo>
+                  <a:pt x="829" y="101"/>
+                </a:lnTo>
+              </a:path>
+            </a:pathLst>
+          </a:custGeom>
+          <a:solidFill>
+            <a:srgbClr val="000000">
+              <a:alpha val="100000"/>
+            </a:srgbClr>
+          </a:solidFill>
+          <a:ln w="9525" cap="flat" cmpd="sng" algn="ctr">
+            <a:noFill/>
+            <a:prstDash val="solid"/>
+            <a:round/>
+            <a:headEnd type="none" w="med" len="med"/>
+            <a:tailEnd type="none" w="med" len="med"/>
+          </a:ln>
+          <a:effectLst/>
+        </p:spPr>
+        <p:txBody>
+          <a:bodyPr vert="horz" wrap="square" lIns="91440" tIns="45720" rIns="91440" bIns="45720" anchor="t" compatLnSpc="1"/>
+          <a:lstStyle>
+            <a:extLst/>
+          </a:lstStyle>
+          <a:p>
+            <a:endParaRPr kumimoji="0" lang="en-US"/>
+          </a:p>
+        </p:txBody>
+      </p:sp>
+      <p:sp>
+        <p:nvSpPr>
+          <p:cNvPr id="10" name="Right Triangle 9"/>
+          <p:cNvSpPr>
+            <a:spLocks/>
+          </p:cNvSpPr>
+          <p:nvPr/>
+        </p:nvSpPr>
+        <p:spPr bwMode="auto">
+          <a:xfrm>
+            <a:off x="-6042" y="5791253"/>
+            <a:ext cx="3402314" cy="1080868"/>
+          </a:xfrm>
+          <a:prstGeom prst="rtTriangle">
+            <a:avLst/>
+          </a:prstGeom>
+          <a:blipFill>
+            <a:blip r:embed="rId2">
+              <a:alphaModFix amt="50000"/>
+            </a:blip>
+            <a:tile tx="0" ty="0" sx="50000" sy="50000" flip="none" algn="t"/>
+          </a:blipFill>
+          <a:ln w="12700" cap="rnd" cmpd="thickThin" algn="ctr">
+            <a:noFill/>
+            <a:prstDash val="solid"/>
+          </a:ln>
+          <a:effectLst>
+            <a:fillOverlay blend="mult">
+              <a:gradFill flip="none" rotWithShape="1">
+                <a:gsLst>
+                  <a:gs pos="0">
+                    <a:schemeClr val="accent1">
+                      <a:shade val="20000"/>
+                      <a:satMod val="176000"/>
+                      <a:alpha val="100000"/>
+                    </a:schemeClr>
+                  </a:gs>
+                  <a:gs pos="18000">
+                    <a:schemeClr val="accent1">
+                      <a:shade val="48000"/>
+                      <a:satMod val="153000"/>
+                      <a:alpha val="100000"/>
+                    </a:schemeClr>
+                  </a:gs>
+                  <a:gs pos="43000">
+                    <a:schemeClr val="accent1">
+                      <a:tint val="86000"/>
+                      <a:satMod val="149000"/>
+                      <a:alpha val="100000"/>
+                    </a:schemeClr>
+                  </a:gs>
+                  <a:gs pos="45000">
+                    <a:schemeClr val="accent1">
+                      <a:tint val="85000"/>
+                      <a:satMod val="150000"/>
+                      <a:alpha val="100000"/>
+                    </a:schemeClr>
+                  </a:gs>
+                  <a:gs pos="50000">
+                    <a:schemeClr val="accent1">
+                      <a:tint val="86000"/>
+                      <a:satMod val="149000"/>
+                      <a:alpha val="100000"/>
+                    </a:schemeClr>
+                  </a:gs>
+                  <a:gs pos="79000">
+                    <a:schemeClr val="accent1">
+                      <a:shade val="53000"/>
+                      <a:satMod val="150000"/>
+                      <a:alpha val="100000"/>
+                    </a:schemeClr>
+                  </a:gs>
+                  <a:gs pos="100000">
+                    <a:schemeClr val="accent1">
+                      <a:shade val="25000"/>
+                      <a:satMod val="170000"/>
+                      <a:alpha val="100000"/>
+                    </a:schemeClr>
+                  </a:gs>
+                </a:gsLst>
+                <a:lin ang="450000" scaled="1"/>
+                <a:tileRect/>
+              </a:gradFill>
+            </a:fillOverlay>
+          </a:effectLst>
+        </p:spPr>
+        <p:style>
+          <a:lnRef idx="3">
+            <a:schemeClr val="lt1"/>
+          </a:lnRef>
+          <a:fillRef idx="1">
+            <a:schemeClr val="accent1"/>
+          </a:fillRef>
+          <a:effectRef idx="1">
+            <a:schemeClr val="accent1"/>
+          </a:effectRef>
+          <a:fontRef idx="minor">
+            <a:schemeClr val="lt1"/>
+          </a:fontRef>
+        </p:style>
+        <p:txBody>
+          <a:bodyPr vert="horz" wrap="square" lIns="91440" tIns="45720" rIns="91440" bIns="45720" anchor="ctr" compatLnSpc="1"/>
+          <a:lstStyle>
+            <a:extLst/>
+          </a:lstStyle>
+          <a:p>
+            <a:pPr algn="ctr" eaLnBrk="1" latinLnBrk="0" hangingPunct="1"/>
+            <a:endParaRPr kumimoji="0" lang="en-US"/>
+          </a:p>
+        </p:txBody>
+      </p:sp>
+      <p:cxnSp>
+        <p:nvCxnSpPr>
+          <p:cNvPr id="11" name="Straight Connector 10"/>
+          <p:cNvCxnSpPr/>
+          <p:nvPr/>
+        </p:nvCxnSpPr>
+        <p:spPr>
+          <a:xfrm>
+            <a:off x="-9237" y="5787738"/>
+            <a:ext cx="3405509" cy="1084383"/>
+          </a:xfrm>
+          <a:prstGeom prst="line">
+            <a:avLst/>
+          </a:prstGeom>
+          <a:noFill/>
+          <a:ln w="12065" cap="flat" cmpd="sng" algn="ctr">
+            <a:gradFill>
+              <a:gsLst>
+                <a:gs pos="45000">
+                  <a:schemeClr val="accent1">
+                    <a:tint val="70000"/>
+                    <a:satMod val="110000"/>
+                  </a:schemeClr>
+                </a:gs>
+                <a:gs pos="15000">
+                  <a:schemeClr val="accent1">
+                    <a:shade val="40000"/>
+                    <a:satMod val="110000"/>
+                  </a:schemeClr>
+                </a:gs>
+              </a:gsLst>
+              <a:lin ang="5400000" scaled="1"/>
+            </a:gradFill>
+            <a:prstDash val="solid"/>
+            <a:miter lim="800000"/>
+          </a:ln>
+          <a:effectLst/>
+        </p:spPr>
+        <p:style>
+          <a:lnRef idx="2">
+            <a:schemeClr val="accent1"/>
+          </a:lnRef>
+          <a:fillRef idx="0">
+            <a:schemeClr val="accent1"/>
+          </a:fillRef>
+          <a:effectRef idx="1">
+            <a:schemeClr val="accent1"/>
+          </a:effectRef>
+          <a:fontRef idx="minor">
+            <a:schemeClr val="tx1"/>
+          </a:fontRef>
+        </p:style>
+      </p:cxnSp>
+      <p:sp>
+        <p:nvSpPr>
+          <p:cNvPr id="12" name="Chevron 11"/>
+          <p:cNvSpPr/>
+          <p:nvPr/>
+        </p:nvSpPr>
+        <p:spPr>
+          <a:xfrm>
+            <a:off x="8664112" y="4988440"/>
+            <a:ext cx="182880" cy="228600"/>
+          </a:xfrm>
+          <a:prstGeom prst="chevron">
+            <a:avLst>
+              <a:gd name="adj" fmla="val 50000"/>
+            </a:avLst>
+          </a:prstGeom>
+          <a:gradFill flip="none" rotWithShape="1">
+            <a:gsLst>
+              <a:gs pos="0">
+                <a:schemeClr val="accent1">
+                  <a:shade val="60000"/>
+                  <a:satMod val="125000"/>
+                </a:schemeClr>
+              </a:gs>
+              <a:gs pos="72000">
+                <a:schemeClr val="accent1">
+                  <a:tint val="90000"/>
+                  <a:satMod val="138000"/>
+                </a:schemeClr>
+              </a:gs>
+              <a:gs pos="100000">
+                <a:schemeClr val="accent1">
+                  <a:tint val="76000"/>
+                  <a:satMod val="136000"/>
+                </a:schemeClr>
+              </a:gs>
+            </a:gsLst>
+            <a:lin ang="16200000" scaled="0"/>
+          </a:gradFill>
+          <a:ln w="3175" cap="rnd" cmpd="sng" algn="ctr">
+            <a:solidFill>
+              <a:schemeClr val="accent1">
+                <a:shade val="50000"/>
+              </a:schemeClr>
+            </a:solidFill>
+            <a:prstDash val="solid"/>
+          </a:ln>
+          <a:effectLst>
+            <a:outerShdw blurRad="50800" dist="25400" dir="5400000">
+              <a:srgbClr val="000000">
+                <a:alpha val="46000"/>
+              </a:srgbClr>
+            </a:outerShdw>
+          </a:effectLst>
+        </p:spPr>
+        <p:style>
+          <a:lnRef idx="1">
+            <a:schemeClr val="accent1"/>
+          </a:lnRef>
+          <a:fillRef idx="3">
+            <a:schemeClr val="accent1"/>
+          </a:fillRef>
+          <a:effectRef idx="2">
+            <a:schemeClr val="accent1"/>
+          </a:effectRef>
+          <a:fontRef idx="minor">
+            <a:schemeClr val="lt1"/>
+          </a:fontRef>
+        </p:style>
+        <p:txBody>
+          <a:bodyPr anchor="ctr"/>
+          <a:lstStyle>
+            <a:extLst/>
+          </a:lstStyle>
+          <a:p>
+            <a:pPr algn="l" eaLnBrk="1" latinLnBrk="0" hangingPunct="1"/>
+            <a:endParaRPr kumimoji="0" lang="en-US"/>
+          </a:p>
+        </p:txBody>
+      </p:sp>
+      <p:sp>
+        <p:nvSpPr>
+          <p:cNvPr id="13" name="Chevron 12"/>
+          <p:cNvSpPr/>
+          <p:nvPr/>
+        </p:nvSpPr>
+        <p:spPr>
+          <a:xfrm>
+            <a:off x="8477696" y="4988440"/>
+            <a:ext cx="182880" cy="228600"/>
+          </a:xfrm>
+          <a:prstGeom prst="chevron">
+            <a:avLst>
+              <a:gd name="adj" fmla="val 50000"/>
+            </a:avLst>
+          </a:prstGeom>
+          <a:gradFill flip="none" rotWithShape="1">
+            <a:gsLst>
+              <a:gs pos="0">
+                <a:schemeClr val="accent1">
+                  <a:shade val="60000"/>
+                  <a:satMod val="125000"/>
+                </a:schemeClr>
+              </a:gs>
+              <a:gs pos="72000">
+                <a:schemeClr val="accent1">
+                  <a:tint val="90000"/>
+                  <a:satMod val="138000"/>
+                </a:schemeClr>
+              </a:gs>
+              <a:gs pos="100000">
+                <a:schemeClr val="accent1">
+                  <a:tint val="76000"/>
+                  <a:satMod val="136000"/>
+                </a:schemeClr>
+              </a:gs>
+            </a:gsLst>
+            <a:lin ang="16200000" scaled="0"/>
+          </a:gradFill>
+          <a:ln w="3175" cap="rnd" cmpd="sng" algn="ctr">
+            <a:solidFill>
+              <a:schemeClr val="accent1">
+                <a:shade val="50000"/>
+              </a:schemeClr>
+            </a:solidFill>
+            <a:prstDash val="solid"/>
+          </a:ln>
+          <a:effectLst>
+            <a:outerShdw blurRad="50800" dist="25400" dir="5400000">
+              <a:srgbClr val="000000">
+                <a:alpha val="46000"/>
+              </a:srgbClr>
+            </a:outerShdw>
+          </a:effectLst>
+        </p:spPr>
+        <p:style>
+          <a:lnRef idx="1">
+            <a:schemeClr val="accent1"/>
+          </a:lnRef>
+          <a:fillRef idx="3">
+            <a:schemeClr val="accent1"/>
+          </a:fillRef>
+          <a:effectRef idx="2">
+            <a:schemeClr val="accent1"/>
+          </a:effectRef>
+          <a:fontRef idx="minor">
+            <a:schemeClr val="lt1"/>
+          </a:fontRef>
+        </p:style>
+        <p:txBody>
+          <a:bodyPr anchor="ctr"/>
+          <a:lstStyle>
+            <a:extLst/>
+          </a:lstStyle>
+          <a:p>
+            <a:pPr algn="l" eaLnBrk="1" latinLnBrk="0" hangingPunct="1"/>
+            <a:endParaRPr kumimoji="0" lang="en-US"/>
+          </a:p>
+        </p:txBody>
+      </p:sp>
     </p:spTree>
   </p:cSld>
   <p:clrMapOvr>
-    <a:masterClrMapping/>
+    <a:overrideClrMapping bg1="dk1" tx1="lt1" bg2="dk2" tx2="lt2" accent1="accent1" accent2="accent2" accent3="accent3" accent4="accent4" accent5="accent5" accent6="accent6" hlink="hlink" folHlink="folHlink"/>
   </p:clrMapOvr>
 </p:sldLayout>
 </file>
@@ -2564,7 +3743,337 @@
       </p:grpSpPr>
       <p:sp>
         <p:nvSpPr>
-          <p:cNvPr id="2" name="Title Placeholder 1"/>
+          <p:cNvPr id="13" name="Freeform 12"/>
+          <p:cNvSpPr>
+            <a:spLocks/>
+          </p:cNvSpPr>
+          <p:nvPr/>
+        </p:nvSpPr>
+        <p:spPr bwMode="auto">
+          <a:xfrm>
+            <a:off x="716436" y="5001993"/>
+            <a:ext cx="3802003" cy="1443111"/>
+          </a:xfrm>
+          <a:custGeom>
+            <a:avLst>
+              <a:gd name="A1" fmla="val 0"/>
+              <a:gd name="A2" fmla="val 0"/>
+              <a:gd name="A3" fmla="val 0"/>
+              <a:gd name="A4" fmla="val 0"/>
+              <a:gd name="A5" fmla="val 0"/>
+              <a:gd name="A6" fmla="val 0"/>
+              <a:gd name="A7" fmla="val 0"/>
+              <a:gd name="A8" fmla="val 0"/>
+            </a:avLst>
+            <a:gdLst/>
+            <a:ahLst/>
+            <a:cxnLst>
+              <a:cxn ang="0">
+                <a:pos x="0" y="0"/>
+              </a:cxn>
+              <a:cxn ang="0">
+                <a:pos x="5760" y="0"/>
+              </a:cxn>
+              <a:cxn ang="0">
+                <a:pos x="5760" y="528"/>
+              </a:cxn>
+              <a:cxn ang="0">
+                <a:pos x="48" y="0"/>
+              </a:cxn>
+            </a:cxnLst>
+            <a:rect l="0" t="0" r="0" b="0"/>
+            <a:pathLst>
+              <a:path w="5760" h="528">
+                <a:moveTo>
+                  <a:pt x="-329" y="347"/>
+                </a:moveTo>
+                <a:lnTo>
+                  <a:pt x="7156" y="682"/>
+                </a:lnTo>
+                <a:lnTo>
+                  <a:pt x="5229" y="682"/>
+                </a:lnTo>
+                <a:lnTo>
+                  <a:pt x="-328" y="345"/>
+                </a:lnTo>
+              </a:path>
+            </a:pathLst>
+          </a:custGeom>
+          <a:solidFill>
+            <a:schemeClr val="accent1">
+              <a:tint val="65000"/>
+              <a:satMod val="115000"/>
+              <a:alpha val="40000"/>
+            </a:schemeClr>
+          </a:solidFill>
+          <a:ln w="9525" cap="flat" cmpd="sng" algn="ctr">
+            <a:noFill/>
+            <a:prstDash val="solid"/>
+            <a:round/>
+            <a:headEnd type="none" w="med" len="med"/>
+            <a:tailEnd type="none" w="med" len="med"/>
+          </a:ln>
+          <a:effectLst/>
+        </p:spPr>
+        <p:txBody>
+          <a:bodyPr vert="horz" wrap="square" lIns="91440" tIns="45720" rIns="91440" bIns="45720" anchor="t" compatLnSpc="1"/>
+          <a:lstStyle>
+            <a:extLst/>
+          </a:lstStyle>
+          <a:p>
+            <a:endParaRPr kumimoji="0" lang="en-US"/>
+          </a:p>
+        </p:txBody>
+      </p:sp>
+      <p:sp>
+        <p:nvSpPr>
+          <p:cNvPr id="12" name="Freeform 11"/>
+          <p:cNvSpPr>
+            <a:spLocks/>
+          </p:cNvSpPr>
+          <p:nvPr/>
+        </p:nvSpPr>
+        <p:spPr bwMode="auto">
+          <a:xfrm>
+            <a:off x="-53561" y="5785023"/>
+            <a:ext cx="3802003" cy="838200"/>
+          </a:xfrm>
+          <a:custGeom>
+            <a:avLst>
+              <a:gd name="A1" fmla="val 0"/>
+              <a:gd name="A2" fmla="val 0"/>
+              <a:gd name="A3" fmla="val 0"/>
+              <a:gd name="A4" fmla="val 0"/>
+              <a:gd name="A5" fmla="val 0"/>
+              <a:gd name="A6" fmla="val 0"/>
+              <a:gd name="A7" fmla="val 0"/>
+              <a:gd name="A8" fmla="val 0"/>
+            </a:avLst>
+            <a:gdLst/>
+            <a:ahLst/>
+            <a:cxnLst>
+              <a:cxn ang="0">
+                <a:pos x="0" y="0"/>
+              </a:cxn>
+              <a:cxn ang="0">
+                <a:pos x="5760" y="0"/>
+              </a:cxn>
+              <a:cxn ang="0">
+                <a:pos x="5760" y="528"/>
+              </a:cxn>
+              <a:cxn ang="0">
+                <a:pos x="48" y="0"/>
+              </a:cxn>
+            </a:cxnLst>
+            <a:rect l="0" t="0" r="0" b="0"/>
+            <a:pathLst>
+              <a:path w="5760" h="528">
+                <a:moveTo>
+                  <a:pt x="817" y="97"/>
+                </a:moveTo>
+                <a:lnTo>
+                  <a:pt x="6408" y="682"/>
+                </a:lnTo>
+                <a:lnTo>
+                  <a:pt x="5232" y="685"/>
+                </a:lnTo>
+                <a:lnTo>
+                  <a:pt x="829" y="101"/>
+                </a:lnTo>
+              </a:path>
+            </a:pathLst>
+          </a:custGeom>
+          <a:solidFill>
+            <a:srgbClr val="000000">
+              <a:alpha val="100000"/>
+            </a:srgbClr>
+          </a:solidFill>
+          <a:ln w="9525" cap="flat" cmpd="sng" algn="ctr">
+            <a:noFill/>
+            <a:prstDash val="solid"/>
+            <a:round/>
+            <a:headEnd type="none" w="med" len="med"/>
+            <a:tailEnd type="none" w="med" len="med"/>
+          </a:ln>
+          <a:effectLst/>
+        </p:spPr>
+        <p:txBody>
+          <a:bodyPr vert="horz" wrap="square" lIns="91440" tIns="45720" rIns="91440" bIns="45720" anchor="t" compatLnSpc="1"/>
+          <a:lstStyle>
+            <a:extLst/>
+          </a:lstStyle>
+          <a:p>
+            <a:endParaRPr kumimoji="0" lang="en-US"/>
+          </a:p>
+        </p:txBody>
+      </p:sp>
+      <p:sp>
+        <p:nvSpPr>
+          <p:cNvPr id="14" name="Right Triangle 13"/>
+          <p:cNvSpPr>
+            <a:spLocks/>
+          </p:cNvSpPr>
+          <p:nvPr/>
+        </p:nvSpPr>
+        <p:spPr bwMode="auto">
+          <a:xfrm>
+            <a:off x="-6042" y="5791253"/>
+            <a:ext cx="3402314" cy="1080868"/>
+          </a:xfrm>
+          <a:prstGeom prst="rtTriangle">
+            <a:avLst/>
+          </a:prstGeom>
+          <a:blipFill>
+            <a:blip r:embed="rId13">
+              <a:alphaModFix amt="50000"/>
+            </a:blip>
+            <a:tile tx="0" ty="0" sx="50000" sy="50000" flip="none" algn="t"/>
+          </a:blipFill>
+          <a:ln w="12700" cap="rnd" cmpd="thickThin" algn="ctr">
+            <a:noFill/>
+            <a:prstDash val="solid"/>
+          </a:ln>
+          <a:effectLst>
+            <a:fillOverlay blend="mult">
+              <a:gradFill flip="none" rotWithShape="1">
+                <a:gsLst>
+                  <a:gs pos="0">
+                    <a:schemeClr val="accent1">
+                      <a:shade val="20000"/>
+                      <a:satMod val="176000"/>
+                      <a:alpha val="100000"/>
+                    </a:schemeClr>
+                  </a:gs>
+                  <a:gs pos="18000">
+                    <a:schemeClr val="accent1">
+                      <a:shade val="48000"/>
+                      <a:satMod val="153000"/>
+                      <a:alpha val="100000"/>
+                    </a:schemeClr>
+                  </a:gs>
+                  <a:gs pos="43000">
+                    <a:schemeClr val="accent1">
+                      <a:tint val="86000"/>
+                      <a:satMod val="149000"/>
+                      <a:alpha val="100000"/>
+                    </a:schemeClr>
+                  </a:gs>
+                  <a:gs pos="45000">
+                    <a:schemeClr val="accent1">
+                      <a:tint val="85000"/>
+                      <a:satMod val="150000"/>
+                      <a:alpha val="100000"/>
+                    </a:schemeClr>
+                  </a:gs>
+                  <a:gs pos="50000">
+                    <a:schemeClr val="accent1">
+                      <a:tint val="86000"/>
+                      <a:satMod val="149000"/>
+                      <a:alpha val="100000"/>
+                    </a:schemeClr>
+                  </a:gs>
+                  <a:gs pos="79000">
+                    <a:schemeClr val="accent1">
+                      <a:shade val="53000"/>
+                      <a:satMod val="150000"/>
+                      <a:alpha val="100000"/>
+                    </a:schemeClr>
+                  </a:gs>
+                  <a:gs pos="100000">
+                    <a:schemeClr val="accent1">
+                      <a:shade val="25000"/>
+                      <a:satMod val="170000"/>
+                      <a:alpha val="100000"/>
+                    </a:schemeClr>
+                  </a:gs>
+                </a:gsLst>
+                <a:lin ang="450000" scaled="1"/>
+                <a:tileRect/>
+              </a:gradFill>
+            </a:fillOverlay>
+          </a:effectLst>
+        </p:spPr>
+        <p:style>
+          <a:lnRef idx="3">
+            <a:schemeClr val="lt1"/>
+          </a:lnRef>
+          <a:fillRef idx="1">
+            <a:schemeClr val="accent1"/>
+          </a:fillRef>
+          <a:effectRef idx="1">
+            <a:schemeClr val="accent1"/>
+          </a:effectRef>
+          <a:fontRef idx="minor">
+            <a:schemeClr val="lt1"/>
+          </a:fontRef>
+        </p:style>
+        <p:txBody>
+          <a:bodyPr vert="horz" wrap="square" lIns="91440" tIns="45720" rIns="91440" bIns="45720" anchor="ctr" compatLnSpc="1"/>
+          <a:lstStyle>
+            <a:extLst/>
+          </a:lstStyle>
+          <a:p>
+            <a:pPr algn="ctr" eaLnBrk="1" latinLnBrk="0" hangingPunct="1"/>
+            <a:endParaRPr kumimoji="0" lang="en-US"/>
+          </a:p>
+        </p:txBody>
+      </p:sp>
+      <p:cxnSp>
+        <p:nvCxnSpPr>
+          <p:cNvPr id="15" name="Straight Connector 14"/>
+          <p:cNvCxnSpPr/>
+          <p:nvPr/>
+        </p:nvCxnSpPr>
+        <p:spPr>
+          <a:xfrm>
+            <a:off x="-9237" y="5787738"/>
+            <a:ext cx="3405509" cy="1084383"/>
+          </a:xfrm>
+          <a:prstGeom prst="line">
+            <a:avLst/>
+          </a:prstGeom>
+          <a:noFill/>
+          <a:ln w="12065" cap="flat" cmpd="sng" algn="ctr">
+            <a:gradFill>
+              <a:gsLst>
+                <a:gs pos="45000">
+                  <a:schemeClr val="accent1">
+                    <a:tint val="70000"/>
+                    <a:satMod val="110000"/>
+                  </a:schemeClr>
+                </a:gs>
+                <a:gs pos="15000">
+                  <a:schemeClr val="accent1">
+                    <a:shade val="40000"/>
+                    <a:satMod val="110000"/>
+                  </a:schemeClr>
+                </a:gs>
+              </a:gsLst>
+              <a:lin ang="5400000" scaled="1"/>
+            </a:gradFill>
+            <a:prstDash val="solid"/>
+            <a:miter lim="800000"/>
+          </a:ln>
+          <a:effectLst/>
+        </p:spPr>
+        <p:style>
+          <a:lnRef idx="2">
+            <a:schemeClr val="accent1"/>
+          </a:lnRef>
+          <a:fillRef idx="0">
+            <a:schemeClr val="accent1"/>
+          </a:fillRef>
+          <a:effectRef idx="1">
+            <a:schemeClr val="accent1"/>
+          </a:effectRef>
+          <a:fontRef idx="minor">
+            <a:schemeClr val="tx1"/>
+          </a:fontRef>
+        </p:style>
+      </p:cxnSp>
+      <p:sp>
+        <p:nvSpPr>
+          <p:cNvPr id="9" name="Title Placeholder 8"/>
           <p:cNvSpPr>
             <a:spLocks noGrp="1"/>
           </p:cNvSpPr>
@@ -2582,22 +4091,31 @@
           </a:prstGeom>
         </p:spPr>
         <p:txBody>
-          <a:bodyPr vert="horz" lIns="91440" tIns="45720" rIns="91440" bIns="45720" rtlCol="0" anchor="ctr">
+          <a:bodyPr vert="horz" anchor="ctr">
             <a:normAutofit/>
+            <a:scene3d>
+              <a:camera prst="orthographicFront"/>
+              <a:lightRig rig="soft" dir="t"/>
+            </a:scene3d>
+            <a:sp3d prstMaterial="softEdge">
+              <a:bevelT w="25400" h="25400"/>
+            </a:sp3d>
           </a:bodyPr>
-          <a:lstStyle/>
-          <a:p>
-            <a:r>
-              <a:rPr lang="en-US" smtClean="0"/>
+          <a:lstStyle>
+            <a:extLst/>
+          </a:lstStyle>
+          <a:p>
+            <a:r>
+              <a:rPr kumimoji="0" lang="en-US" smtClean="0"/>
               <a:t>Click to edit Master title style</a:t>
             </a:r>
-            <a:endParaRPr lang="en-US"/>
-          </a:p>
-        </p:txBody>
-      </p:sp>
-      <p:sp>
-        <p:nvSpPr>
-          <p:cNvPr id="3" name="Text Placeholder 2"/>
+            <a:endParaRPr kumimoji="0" lang="en-US"/>
+          </a:p>
+        </p:txBody>
+      </p:sp>
+      <p:sp>
+        <p:nvSpPr>
+          <p:cNvPr id="30" name="Text Placeholder 29"/>
           <p:cNvSpPr>
             <a:spLocks noGrp="1"/>
           </p:cNvSpPr>
@@ -2607,7 +4125,7 @@
         </p:nvSpPr>
         <p:spPr>
           <a:xfrm>
-            <a:off x="457200" y="1600200"/>
+            <a:off x="457200" y="1481328"/>
             <a:ext cx="8229600" cy="4525963"/>
           </a:xfrm>
           <a:prstGeom prst="rect">
@@ -2615,51 +4133,53 @@
           </a:prstGeom>
         </p:spPr>
         <p:txBody>
-          <a:bodyPr vert="horz" lIns="91440" tIns="45720" rIns="91440" bIns="45720" rtlCol="0">
+          <a:bodyPr vert="horz">
             <a:normAutofit/>
           </a:bodyPr>
-          <a:lstStyle/>
-          <a:p>
-            <a:pPr lvl="0"/>
-            <a:r>
-              <a:rPr lang="en-US" smtClean="0"/>
+          <a:lstStyle>
+            <a:extLst/>
+          </a:lstStyle>
+          <a:p>
+            <a:pPr lvl="0" eaLnBrk="1" latinLnBrk="0" hangingPunct="1"/>
+            <a:r>
+              <a:rPr kumimoji="0" lang="en-US" smtClean="0"/>
               <a:t>Click to edit Master text styles</a:t>
             </a:r>
           </a:p>
           <a:p>
-            <a:pPr lvl="1"/>
-            <a:r>
-              <a:rPr lang="en-US" smtClean="0"/>
+            <a:pPr lvl="1" eaLnBrk="1" latinLnBrk="0" hangingPunct="1"/>
+            <a:r>
+              <a:rPr kumimoji="0" lang="en-US" smtClean="0"/>
               <a:t>Second level</a:t>
             </a:r>
           </a:p>
           <a:p>
-            <a:pPr lvl="2"/>
-            <a:r>
-              <a:rPr lang="en-US" smtClean="0"/>
+            <a:pPr lvl="2" eaLnBrk="1" latinLnBrk="0" hangingPunct="1"/>
+            <a:r>
+              <a:rPr kumimoji="0" lang="en-US" smtClean="0"/>
               <a:t>Third level</a:t>
             </a:r>
           </a:p>
           <a:p>
-            <a:pPr lvl="3"/>
-            <a:r>
-              <a:rPr lang="en-US" smtClean="0"/>
+            <a:pPr lvl="3" eaLnBrk="1" latinLnBrk="0" hangingPunct="1"/>
+            <a:r>
+              <a:rPr kumimoji="0" lang="en-US" smtClean="0"/>
               <a:t>Fourth level</a:t>
             </a:r>
           </a:p>
           <a:p>
-            <a:pPr lvl="4"/>
-            <a:r>
-              <a:rPr lang="en-US" smtClean="0"/>
+            <a:pPr lvl="4" eaLnBrk="1" latinLnBrk="0" hangingPunct="1"/>
+            <a:r>
+              <a:rPr kumimoji="0" lang="en-US" smtClean="0"/>
               <a:t>Fifth level</a:t>
             </a:r>
-            <a:endParaRPr lang="en-US"/>
-          </a:p>
-        </p:txBody>
-      </p:sp>
-      <p:sp>
-        <p:nvSpPr>
-          <p:cNvPr id="4" name="Date Placeholder 3"/>
+            <a:endParaRPr kumimoji="0" lang="en-US"/>
+          </a:p>
+        </p:txBody>
+      </p:sp>
+      <p:sp>
+        <p:nvSpPr>
+          <p:cNvPr id="10" name="Date Placeholder 9"/>
           <p:cNvSpPr>
             <a:spLocks noGrp="1"/>
           </p:cNvSpPr>
@@ -2669,25 +4189,24 @@
         </p:nvSpPr>
         <p:spPr>
           <a:xfrm>
-            <a:off x="457200" y="6356350"/>
-            <a:ext cx="2133600" cy="365125"/>
+            <a:off x="6727032" y="6407944"/>
+            <a:ext cx="1920240" cy="365760"/>
           </a:xfrm>
           <a:prstGeom prst="rect">
             <a:avLst/>
           </a:prstGeom>
         </p:spPr>
         <p:txBody>
-          <a:bodyPr vert="horz" lIns="91440" tIns="45720" rIns="91440" bIns="45720" rtlCol="0" anchor="ctr"/>
-          <a:lstStyle>
-            <a:lvl1pPr algn="l">
-              <a:defRPr sz="1200">
+          <a:bodyPr vert="horz" anchor="b"/>
+          <a:lstStyle>
+            <a:lvl1pPr algn="l" eaLnBrk="1" latinLnBrk="0" hangingPunct="1">
+              <a:defRPr kumimoji="0" sz="1000">
                 <a:solidFill>
-                  <a:schemeClr val="tx1">
-                    <a:tint val="75000"/>
-                  </a:schemeClr>
+                  <a:schemeClr val="tx1"/>
                 </a:solidFill>
               </a:defRPr>
             </a:lvl1pPr>
+            <a:extLst/>
           </a:lstStyle>
           <a:p>
             <a:fld id="{1D8BD707-D9CF-40AE-B4C6-C98DA3205C09}" type="datetimeFigureOut">
@@ -2701,7 +4220,7 @@
       </p:sp>
       <p:sp>
         <p:nvSpPr>
-          <p:cNvPr id="5" name="Footer Placeholder 4"/>
+          <p:cNvPr id="22" name="Footer Placeholder 21"/>
           <p:cNvSpPr>
             <a:spLocks noGrp="1"/>
           </p:cNvSpPr>
@@ -2711,25 +4230,24 @@
         </p:nvSpPr>
         <p:spPr>
           <a:xfrm>
-            <a:off x="3124200" y="6356350"/>
-            <a:ext cx="2895600" cy="365125"/>
+            <a:off x="4380072" y="6407944"/>
+            <a:ext cx="2350681" cy="365125"/>
           </a:xfrm>
           <a:prstGeom prst="rect">
             <a:avLst/>
           </a:prstGeom>
         </p:spPr>
         <p:txBody>
-          <a:bodyPr vert="horz" lIns="91440" tIns="45720" rIns="91440" bIns="45720" rtlCol="0" anchor="ctr"/>
-          <a:lstStyle>
-            <a:lvl1pPr algn="ctr">
-              <a:defRPr sz="1200">
+          <a:bodyPr vert="horz" anchor="b"/>
+          <a:lstStyle>
+            <a:lvl1pPr algn="r" eaLnBrk="1" latinLnBrk="0" hangingPunct="1">
+              <a:defRPr kumimoji="0" sz="1000">
                 <a:solidFill>
-                  <a:schemeClr val="tx1">
-                    <a:tint val="75000"/>
-                  </a:schemeClr>
+                  <a:schemeClr val="tx1"/>
                 </a:solidFill>
               </a:defRPr>
             </a:lvl1pPr>
+            <a:extLst/>
           </a:lstStyle>
           <a:p>
             <a:endParaRPr lang="en-US"/>
@@ -2738,7 +4256,7 @@
       </p:sp>
       <p:sp>
         <p:nvSpPr>
-          <p:cNvPr id="6" name="Slide Number Placeholder 5"/>
+          <p:cNvPr id="18" name="Slide Number Placeholder 17"/>
           <p:cNvSpPr>
             <a:spLocks noGrp="1"/>
           </p:cNvSpPr>
@@ -2748,25 +4266,24 @@
         </p:nvSpPr>
         <p:spPr>
           <a:xfrm>
-            <a:off x="6553200" y="6356350"/>
-            <a:ext cx="2133600" cy="365125"/>
+            <a:off x="8647272" y="6407944"/>
+            <a:ext cx="365760" cy="365125"/>
           </a:xfrm>
           <a:prstGeom prst="rect">
             <a:avLst/>
           </a:prstGeom>
         </p:spPr>
         <p:txBody>
-          <a:bodyPr vert="horz" lIns="91440" tIns="45720" rIns="91440" bIns="45720" rtlCol="0" anchor="ctr"/>
-          <a:lstStyle>
-            <a:lvl1pPr algn="r">
-              <a:defRPr sz="1200">
+          <a:bodyPr vert="horz" anchor="b"/>
+          <a:lstStyle>
+            <a:lvl1pPr algn="r" eaLnBrk="1" latinLnBrk="0" hangingPunct="1">
+              <a:defRPr kumimoji="0" sz="1000" b="0">
                 <a:solidFill>
-                  <a:schemeClr val="tx1">
-                    <a:tint val="75000"/>
-                  </a:schemeClr>
+                  <a:schemeClr val="tx1"/>
                 </a:solidFill>
               </a:defRPr>
             </a:lvl1pPr>
+            <a:extLst/>
           </a:lstStyle>
           <a:p>
             <a:fld id="{B6F15528-21DE-4FAA-801E-634DDDAF4B2B}" type="slidenum">
@@ -2782,43 +4299,58 @@
   </p:cSld>
   <p:clrMap bg1="lt1" tx1="dk1" bg2="lt2" tx2="dk2" accent1="accent1" accent2="accent2" accent3="accent3" accent4="accent4" accent5="accent5" accent6="accent6" hlink="hlink" folHlink="folHlink"/>
   <p:sldLayoutIdLst>
-    <p:sldLayoutId id="2147483673" r:id="rId1"/>
-    <p:sldLayoutId id="2147483674" r:id="rId2"/>
-    <p:sldLayoutId id="2147483675" r:id="rId3"/>
-    <p:sldLayoutId id="2147483676" r:id="rId4"/>
-    <p:sldLayoutId id="2147483677" r:id="rId5"/>
-    <p:sldLayoutId id="2147483678" r:id="rId6"/>
-    <p:sldLayoutId id="2147483679" r:id="rId7"/>
-    <p:sldLayoutId id="2147483680" r:id="rId8"/>
-    <p:sldLayoutId id="2147483681" r:id="rId9"/>
-    <p:sldLayoutId id="2147483682" r:id="rId10"/>
-    <p:sldLayoutId id="2147483683" r:id="rId11"/>
+    <p:sldLayoutId id="2147483685" r:id="rId1"/>
+    <p:sldLayoutId id="2147483686" r:id="rId2"/>
+    <p:sldLayoutId id="2147483687" r:id="rId3"/>
+    <p:sldLayoutId id="2147483688" r:id="rId4"/>
+    <p:sldLayoutId id="2147483689" r:id="rId5"/>
+    <p:sldLayoutId id="2147483690" r:id="rId6"/>
+    <p:sldLayoutId id="2147483691" r:id="rId7"/>
+    <p:sldLayoutId id="2147483692" r:id="rId8"/>
+    <p:sldLayoutId id="2147483693" r:id="rId9"/>
+    <p:sldLayoutId id="2147483694" r:id="rId10"/>
+    <p:sldLayoutId id="2147483695" r:id="rId11"/>
   </p:sldLayoutIdLst>
   <p:txStyles>
     <p:titleStyle>
-      <a:lvl1pPr algn="ctr" defTabSz="914400" rtl="0" eaLnBrk="1" latinLnBrk="0" hangingPunct="1">
+      <a:lvl1pPr algn="l" rtl="0" eaLnBrk="1" latinLnBrk="0" hangingPunct="1">
         <a:spcBef>
           <a:spcPct val="0"/>
         </a:spcBef>
         <a:buNone/>
-        <a:defRPr sz="4400" kern="1200">
+        <a:defRPr kumimoji="0" sz="4100" b="1" kern="1200">
           <a:solidFill>
-            <a:schemeClr val="tx1"/>
+            <a:schemeClr val="tx2"/>
           </a:solidFill>
+          <a:effectLst>
+            <a:outerShdw blurRad="31750" dist="25400" dir="5400000" algn="tl" rotWithShape="0">
+              <a:srgbClr val="000000">
+                <a:alpha val="25000"/>
+              </a:srgbClr>
+            </a:outerShdw>
+          </a:effectLst>
           <a:latin typeface="+mj-lt"/>
           <a:ea typeface="+mj-ea"/>
           <a:cs typeface="+mj-cs"/>
         </a:defRPr>
       </a:lvl1pPr>
+      <a:extLst/>
     </p:titleStyle>
     <p:bodyStyle>
-      <a:lvl1pPr marL="342900" indent="-342900" algn="l" defTabSz="914400" rtl="0" eaLnBrk="1" latinLnBrk="0" hangingPunct="1">
+      <a:lvl1pPr marL="365760" indent="-256032" algn="l" rtl="0" eaLnBrk="1" latinLnBrk="0" hangingPunct="1">
         <a:spcBef>
-          <a:spcPct val="20000"/>
+          <a:spcPts val="400"/>
         </a:spcBef>
-        <a:buFont typeface="Arial" pitchFamily="34" charset="0"/>
-        <a:buChar char="•"/>
-        <a:defRPr sz="3200" kern="1200">
+        <a:spcAft>
+          <a:spcPts val="0"/>
+        </a:spcAft>
+        <a:buClr>
+          <a:schemeClr val="accent1"/>
+        </a:buClr>
+        <a:buSzPct val="68000"/>
+        <a:buFont typeface="Wingdings 3"/>
+        <a:buChar char=""/>
+        <a:defRPr kumimoji="0" sz="2700" kern="1200">
           <a:solidFill>
             <a:schemeClr val="tx1"/>
           </a:solidFill>
@@ -2827,13 +4359,16 @@
           <a:cs typeface="+mn-cs"/>
         </a:defRPr>
       </a:lvl1pPr>
-      <a:lvl2pPr marL="742950" indent="-285750" algn="l" defTabSz="914400" rtl="0" eaLnBrk="1" latinLnBrk="0" hangingPunct="1">
+      <a:lvl2pPr marL="621792" indent="-228600" algn="l" rtl="0" eaLnBrk="1" latinLnBrk="0" hangingPunct="1">
         <a:spcBef>
-          <a:spcPct val="20000"/>
+          <a:spcPts val="324"/>
         </a:spcBef>
-        <a:buFont typeface="Arial" pitchFamily="34" charset="0"/>
-        <a:buChar char="–"/>
-        <a:defRPr sz="2800" kern="1200">
+        <a:buClr>
+          <a:schemeClr val="accent1"/>
+        </a:buClr>
+        <a:buFont typeface="Verdana"/>
+        <a:buChar char="◦"/>
+        <a:defRPr kumimoji="0" sz="2300" kern="1200">
           <a:solidFill>
             <a:schemeClr val="tx1"/>
           </a:solidFill>
@@ -2842,13 +4377,17 @@
           <a:cs typeface="+mn-cs"/>
         </a:defRPr>
       </a:lvl2pPr>
-      <a:lvl3pPr marL="1143000" indent="-228600" algn="l" defTabSz="914400" rtl="0" eaLnBrk="1" latinLnBrk="0" hangingPunct="1">
+      <a:lvl3pPr marL="859536" indent="-228600" algn="l" rtl="0" eaLnBrk="1" latinLnBrk="0" hangingPunct="1">
         <a:spcBef>
-          <a:spcPct val="20000"/>
+          <a:spcPts val="350"/>
         </a:spcBef>
-        <a:buFont typeface="Arial" pitchFamily="34" charset="0"/>
-        <a:buChar char="•"/>
-        <a:defRPr sz="2400" kern="1200">
+        <a:buClr>
+          <a:schemeClr val="accent2"/>
+        </a:buClr>
+        <a:buSzPct val="100000"/>
+        <a:buFont typeface="Wingdings 2"/>
+        <a:buChar char=""/>
+        <a:defRPr kumimoji="0" sz="2100" kern="1200">
           <a:solidFill>
             <a:schemeClr val="tx1"/>
           </a:solidFill>
@@ -2857,13 +4396,16 @@
           <a:cs typeface="+mn-cs"/>
         </a:defRPr>
       </a:lvl3pPr>
-      <a:lvl4pPr marL="1600200" indent="-228600" algn="l" defTabSz="914400" rtl="0" eaLnBrk="1" latinLnBrk="0" hangingPunct="1">
+      <a:lvl4pPr marL="1143000" indent="-228600" algn="l" rtl="0" eaLnBrk="1" latinLnBrk="0" hangingPunct="1">
         <a:spcBef>
-          <a:spcPct val="20000"/>
+          <a:spcPts val="350"/>
         </a:spcBef>
-        <a:buFont typeface="Arial" pitchFamily="34" charset="0"/>
-        <a:buChar char="–"/>
-        <a:defRPr sz="2000" kern="1200">
+        <a:buClr>
+          <a:schemeClr val="accent2"/>
+        </a:buClr>
+        <a:buFont typeface="Wingdings 2"/>
+        <a:buChar char=""/>
+        <a:defRPr kumimoji="0" sz="1900" kern="1200">
           <a:solidFill>
             <a:schemeClr val="tx1"/>
           </a:solidFill>
@@ -2872,13 +4414,16 @@
           <a:cs typeface="+mn-cs"/>
         </a:defRPr>
       </a:lvl4pPr>
-      <a:lvl5pPr marL="2057400" indent="-228600" algn="l" defTabSz="914400" rtl="0" eaLnBrk="1" latinLnBrk="0" hangingPunct="1">
+      <a:lvl5pPr marL="1371600" indent="-228600" algn="l" rtl="0" eaLnBrk="1" latinLnBrk="0" hangingPunct="1">
         <a:spcBef>
-          <a:spcPct val="20000"/>
+          <a:spcPts val="350"/>
         </a:spcBef>
-        <a:buFont typeface="Arial" pitchFamily="34" charset="0"/>
-        <a:buChar char="»"/>
-        <a:defRPr sz="2000" kern="1200">
+        <a:buClr>
+          <a:schemeClr val="accent2"/>
+        </a:buClr>
+        <a:buFont typeface="Wingdings 2"/>
+        <a:buChar char=""/>
+        <a:defRPr kumimoji="0" sz="1800" kern="1200">
           <a:solidFill>
             <a:schemeClr val="tx1"/>
           </a:solidFill>
@@ -2887,13 +4432,16 @@
           <a:cs typeface="+mn-cs"/>
         </a:defRPr>
       </a:lvl5pPr>
-      <a:lvl6pPr marL="2514600" indent="-228600" algn="l" defTabSz="914400" rtl="0" eaLnBrk="1" latinLnBrk="0" hangingPunct="1">
+      <a:lvl6pPr marL="1600200" indent="-228600" algn="l" rtl="0" eaLnBrk="1" latinLnBrk="0" hangingPunct="1">
         <a:spcBef>
-          <a:spcPct val="20000"/>
+          <a:spcPts val="350"/>
         </a:spcBef>
-        <a:buFont typeface="Arial" pitchFamily="34" charset="0"/>
-        <a:buChar char="•"/>
-        <a:defRPr sz="2000" kern="1200">
+        <a:buClr>
+          <a:schemeClr val="accent3"/>
+        </a:buClr>
+        <a:buFont typeface="Wingdings 2"/>
+        <a:buChar char=""/>
+        <a:defRPr kumimoji="0" sz="1800" kern="1200">
           <a:solidFill>
             <a:schemeClr val="tx1"/>
           </a:solidFill>
@@ -2902,13 +4450,16 @@
           <a:cs typeface="+mn-cs"/>
         </a:defRPr>
       </a:lvl6pPr>
-      <a:lvl7pPr marL="2971800" indent="-228600" algn="l" defTabSz="914400" rtl="0" eaLnBrk="1" latinLnBrk="0" hangingPunct="1">
+      <a:lvl7pPr marL="1828800" indent="-228600" algn="l" rtl="0" eaLnBrk="1" latinLnBrk="0" hangingPunct="1">
         <a:spcBef>
-          <a:spcPct val="20000"/>
+          <a:spcPts val="350"/>
         </a:spcBef>
-        <a:buFont typeface="Arial" pitchFamily="34" charset="0"/>
-        <a:buChar char="•"/>
-        <a:defRPr sz="2000" kern="1200">
+        <a:buClr>
+          <a:schemeClr val="accent3"/>
+        </a:buClr>
+        <a:buFont typeface="Wingdings 2"/>
+        <a:buChar char=""/>
+        <a:defRPr kumimoji="0" sz="1600" kern="1200">
           <a:solidFill>
             <a:schemeClr val="tx1"/>
           </a:solidFill>
@@ -2917,13 +4468,16 @@
           <a:cs typeface="+mn-cs"/>
         </a:defRPr>
       </a:lvl7pPr>
-      <a:lvl8pPr marL="3429000" indent="-228600" algn="l" defTabSz="914400" rtl="0" eaLnBrk="1" latinLnBrk="0" hangingPunct="1">
+      <a:lvl8pPr marL="2057400" indent="-228600" algn="l" rtl="0" eaLnBrk="1" latinLnBrk="0" hangingPunct="1">
         <a:spcBef>
-          <a:spcPct val="20000"/>
+          <a:spcPts val="350"/>
         </a:spcBef>
-        <a:buFont typeface="Arial" pitchFamily="34" charset="0"/>
-        <a:buChar char="•"/>
-        <a:defRPr sz="2000" kern="1200">
+        <a:buClr>
+          <a:schemeClr val="accent3"/>
+        </a:buClr>
+        <a:buFont typeface="Wingdings 2"/>
+        <a:buChar char=""/>
+        <a:defRPr kumimoji="0" sz="1600" kern="1200">
           <a:solidFill>
             <a:schemeClr val="tx1"/>
           </a:solidFill>
@@ -2932,13 +4486,16 @@
           <a:cs typeface="+mn-cs"/>
         </a:defRPr>
       </a:lvl8pPr>
-      <a:lvl9pPr marL="3886200" indent="-228600" algn="l" defTabSz="914400" rtl="0" eaLnBrk="1" latinLnBrk="0" hangingPunct="1">
+      <a:lvl9pPr marL="2286000" indent="-228600" algn="l" rtl="0" eaLnBrk="1" latinLnBrk="0" hangingPunct="1">
         <a:spcBef>
-          <a:spcPct val="20000"/>
+          <a:spcPts val="350"/>
         </a:spcBef>
-        <a:buFont typeface="Arial" pitchFamily="34" charset="0"/>
-        <a:buChar char="•"/>
-        <a:defRPr sz="2000" kern="1200">
+        <a:buClr>
+          <a:schemeClr val="accent3"/>
+        </a:buClr>
+        <a:buFont typeface="Wingdings 2"/>
+        <a:buChar char=""/>
+        <a:defRPr kumimoji="0" sz="1600" kern="1200" baseline="0">
           <a:solidFill>
             <a:schemeClr val="tx1"/>
           </a:solidFill>
@@ -2947,13 +4504,11 @@
           <a:cs typeface="+mn-cs"/>
         </a:defRPr>
       </a:lvl9pPr>
+      <a:extLst/>
     </p:bodyStyle>
     <p:otherStyle>
-      <a:defPPr>
-        <a:defRPr lang="en-US"/>
-      </a:defPPr>
-      <a:lvl1pPr marL="0" algn="l" defTabSz="914400" rtl="0" eaLnBrk="1" latinLnBrk="0" hangingPunct="1">
-        <a:defRPr sz="1800" kern="1200">
+      <a:lvl1pPr marL="0" algn="l" rtl="0" eaLnBrk="1" latinLnBrk="0" hangingPunct="1">
+        <a:defRPr kumimoji="0" kern="1200">
           <a:solidFill>
             <a:schemeClr val="tx1"/>
           </a:solidFill>
@@ -2962,8 +4517,8 @@
           <a:cs typeface="+mn-cs"/>
         </a:defRPr>
       </a:lvl1pPr>
-      <a:lvl2pPr marL="457200" algn="l" defTabSz="914400" rtl="0" eaLnBrk="1" latinLnBrk="0" hangingPunct="1">
-        <a:defRPr sz="1800" kern="1200">
+      <a:lvl2pPr marL="457200" algn="l" rtl="0" eaLnBrk="1" latinLnBrk="0" hangingPunct="1">
+        <a:defRPr kumimoji="0" kern="1200">
           <a:solidFill>
             <a:schemeClr val="tx1"/>
           </a:solidFill>
@@ -2972,8 +4527,8 @@
           <a:cs typeface="+mn-cs"/>
         </a:defRPr>
       </a:lvl2pPr>
-      <a:lvl3pPr marL="914400" algn="l" defTabSz="914400" rtl="0" eaLnBrk="1" latinLnBrk="0" hangingPunct="1">
-        <a:defRPr sz="1800" kern="1200">
+      <a:lvl3pPr marL="914400" algn="l" rtl="0" eaLnBrk="1" latinLnBrk="0" hangingPunct="1">
+        <a:defRPr kumimoji="0" kern="1200">
           <a:solidFill>
             <a:schemeClr val="tx1"/>
           </a:solidFill>
@@ -2982,8 +4537,8 @@
           <a:cs typeface="+mn-cs"/>
         </a:defRPr>
       </a:lvl3pPr>
-      <a:lvl4pPr marL="1371600" algn="l" defTabSz="914400" rtl="0" eaLnBrk="1" latinLnBrk="0" hangingPunct="1">
-        <a:defRPr sz="1800" kern="1200">
+      <a:lvl4pPr marL="1371600" algn="l" rtl="0" eaLnBrk="1" latinLnBrk="0" hangingPunct="1">
+        <a:defRPr kumimoji="0" kern="1200">
           <a:solidFill>
             <a:schemeClr val="tx1"/>
           </a:solidFill>
@@ -2992,8 +4547,8 @@
           <a:cs typeface="+mn-cs"/>
         </a:defRPr>
       </a:lvl4pPr>
-      <a:lvl5pPr marL="1828800" algn="l" defTabSz="914400" rtl="0" eaLnBrk="1" latinLnBrk="0" hangingPunct="1">
-        <a:defRPr sz="1800" kern="1200">
+      <a:lvl5pPr marL="1828800" algn="l" rtl="0" eaLnBrk="1" latinLnBrk="0" hangingPunct="1">
+        <a:defRPr kumimoji="0" kern="1200">
           <a:solidFill>
             <a:schemeClr val="tx1"/>
           </a:solidFill>
@@ -3002,8 +4557,8 @@
           <a:cs typeface="+mn-cs"/>
         </a:defRPr>
       </a:lvl5pPr>
-      <a:lvl6pPr marL="2286000" algn="l" defTabSz="914400" rtl="0" eaLnBrk="1" latinLnBrk="0" hangingPunct="1">
-        <a:defRPr sz="1800" kern="1200">
+      <a:lvl6pPr marL="2286000" algn="l" rtl="0" eaLnBrk="1" latinLnBrk="0" hangingPunct="1">
+        <a:defRPr kumimoji="0" kern="1200">
           <a:solidFill>
             <a:schemeClr val="tx1"/>
           </a:solidFill>
@@ -3012,8 +4567,8 @@
           <a:cs typeface="+mn-cs"/>
         </a:defRPr>
       </a:lvl6pPr>
-      <a:lvl7pPr marL="2743200" algn="l" defTabSz="914400" rtl="0" eaLnBrk="1" latinLnBrk="0" hangingPunct="1">
-        <a:defRPr sz="1800" kern="1200">
+      <a:lvl7pPr marL="2743200" algn="l" rtl="0" eaLnBrk="1" latinLnBrk="0" hangingPunct="1">
+        <a:defRPr kumimoji="0" kern="1200">
           <a:solidFill>
             <a:schemeClr val="tx1"/>
           </a:solidFill>
@@ -3022,8 +4577,8 @@
           <a:cs typeface="+mn-cs"/>
         </a:defRPr>
       </a:lvl7pPr>
-      <a:lvl8pPr marL="3200400" algn="l" defTabSz="914400" rtl="0" eaLnBrk="1" latinLnBrk="0" hangingPunct="1">
-        <a:defRPr sz="1800" kern="1200">
+      <a:lvl8pPr marL="3200400" algn="l" rtl="0" eaLnBrk="1" latinLnBrk="0" hangingPunct="1">
+        <a:defRPr kumimoji="0" kern="1200">
           <a:solidFill>
             <a:schemeClr val="tx1"/>
           </a:solidFill>
@@ -3032,8 +4587,8 @@
           <a:cs typeface="+mn-cs"/>
         </a:defRPr>
       </a:lvl8pPr>
-      <a:lvl9pPr marL="3657600" algn="l" defTabSz="914400" rtl="0" eaLnBrk="1" latinLnBrk="0" hangingPunct="1">
-        <a:defRPr sz="1800" kern="1200">
+      <a:lvl9pPr marL="3657600" algn="l" rtl="0" eaLnBrk="1" latinLnBrk="0" hangingPunct="1">
+        <a:defRPr kumimoji="0" kern="1200">
           <a:solidFill>
             <a:schemeClr val="tx1"/>
           </a:solidFill>
@@ -3042,6 +4597,7 @@
           <a:cs typeface="+mn-cs"/>
         </a:defRPr>
       </a:lvl9pPr>
+      <a:extLst/>
     </p:otherStyle>
   </p:txStyles>
 </p:sldMaster>
@@ -3076,7 +4632,9 @@
         </p:nvSpPr>
         <p:spPr/>
         <p:txBody>
-          <a:bodyPr/>
+          <a:bodyPr>
+            <a:normAutofit fontScale="90000"/>
+          </a:bodyPr>
           <a:lstStyle/>
           <a:p>
             <a:r>
@@ -3114,12 +4672,12 @@
       </p:grpSpPr>
       <p:sp>
         <p:nvSpPr>
-          <p:cNvPr id="2" name="Title 1"/>
-          <p:cNvSpPr>
-            <a:spLocks noGrp="1"/>
-          </p:cNvSpPr>
-          <p:nvPr>
-            <p:ph type="title"/>
+          <p:cNvPr id="3" name="Content Placeholder 2"/>
+          <p:cNvSpPr>
+            <a:spLocks noGrp="1"/>
+          </p:cNvSpPr>
+          <p:nvPr>
+            <p:ph idx="1"/>
           </p:nvPr>
         </p:nvSpPr>
         <p:spPr/>
@@ -3129,7 +4687,37 @@
           <a:p>
             <a:r>
               <a:rPr lang="en-IN" dirty="0" smtClean="0"/>
-              <a:t>Tech Used:</a:t>
+              <a:t>Selenium</a:t>
+            </a:r>
+          </a:p>
+          <a:p>
+            <a:r>
+              <a:rPr lang="en-IN" dirty="0" smtClean="0"/>
+              <a:t>BS4</a:t>
+            </a:r>
+          </a:p>
+          <a:p>
+            <a:r>
+              <a:rPr lang="en-IN" dirty="0" smtClean="0"/>
+              <a:t>Python</a:t>
+            </a:r>
+          </a:p>
+          <a:p>
+            <a:r>
+              <a:rPr lang="en-IN" dirty="0" smtClean="0"/>
+              <a:t>ReactJS</a:t>
+            </a:r>
+          </a:p>
+          <a:p>
+            <a:r>
+              <a:rPr lang="en-IN" dirty="0" smtClean="0"/>
+              <a:t>NodeJS</a:t>
+            </a:r>
+          </a:p>
+          <a:p>
+            <a:r>
+              <a:rPr lang="en-IN" dirty="0" smtClean="0"/>
+              <a:t>AWS </a:t>
             </a:r>
             <a:endParaRPr lang="en-US" dirty="0"/>
           </a:p>
@@ -3137,12 +4725,12 @@
       </p:sp>
       <p:sp>
         <p:nvSpPr>
-          <p:cNvPr id="3" name="Content Placeholder 2"/>
-          <p:cNvSpPr>
-            <a:spLocks noGrp="1"/>
-          </p:cNvSpPr>
-          <p:nvPr>
-            <p:ph idx="1"/>
+          <p:cNvPr id="2" name="Title 1"/>
+          <p:cNvSpPr>
+            <a:spLocks noGrp="1"/>
+          </p:cNvSpPr>
+          <p:nvPr>
+            <p:ph type="title"/>
           </p:nvPr>
         </p:nvSpPr>
         <p:spPr/>
@@ -3152,37 +4740,7 @@
           <a:p>
             <a:r>
               <a:rPr lang="en-IN" dirty="0" smtClean="0"/>
-              <a:t>Selenium</a:t>
-            </a:r>
-          </a:p>
-          <a:p>
-            <a:r>
-              <a:rPr lang="en-IN" dirty="0" smtClean="0"/>
-              <a:t>BS4</a:t>
-            </a:r>
-          </a:p>
-          <a:p>
-            <a:r>
-              <a:rPr lang="en-IN" dirty="0" smtClean="0"/>
-              <a:t>Python</a:t>
-            </a:r>
-          </a:p>
-          <a:p>
-            <a:r>
-              <a:rPr lang="en-IN" dirty="0" smtClean="0"/>
-              <a:t>ReactJS</a:t>
-            </a:r>
-          </a:p>
-          <a:p>
-            <a:r>
-              <a:rPr lang="en-IN" dirty="0" smtClean="0"/>
-              <a:t>NodeJS</a:t>
-            </a:r>
-          </a:p>
-          <a:p>
-            <a:r>
-              <a:rPr lang="en-IN" dirty="0" smtClean="0"/>
-              <a:t>AWS </a:t>
+              <a:t>Tech Used:</a:t>
             </a:r>
             <a:endParaRPr lang="en-US" dirty="0"/>
           </a:p>
@@ -3215,6 +4773,43 @@
       </p:grpSpPr>
       <p:sp>
         <p:nvSpPr>
+          <p:cNvPr id="3" name="Content Placeholder 2"/>
+          <p:cNvSpPr>
+            <a:spLocks noGrp="1"/>
+          </p:cNvSpPr>
+          <p:nvPr>
+            <p:ph idx="1"/>
+          </p:nvPr>
+        </p:nvSpPr>
+        <p:spPr/>
+        <p:txBody>
+          <a:bodyPr>
+            <a:normAutofit/>
+          </a:bodyPr>
+          <a:lstStyle/>
+          <a:p>
+            <a:r>
+              <a:rPr lang="en-IN" dirty="0" smtClean="0"/>
+              <a:t>Web crawlers are built to scrape facebook, Instagram, LinkedIn, TrueCaller, Google Search with latest News</a:t>
+            </a:r>
+          </a:p>
+          <a:p>
+            <a:r>
+              <a:rPr lang="en-IN" dirty="0" smtClean="0"/>
+              <a:t>Analysis on the social media data to get close friends data, location data and recent pictures.</a:t>
+            </a:r>
+          </a:p>
+          <a:p>
+            <a:r>
+              <a:rPr lang="en-IN" dirty="0" smtClean="0"/>
+              <a:t>Intrusive spam mail functionality has been built to trick the person to disclose his IP and location</a:t>
+            </a:r>
+            <a:endParaRPr lang="en-US" dirty="0"/>
+          </a:p>
+        </p:txBody>
+      </p:sp>
+      <p:sp>
+        <p:nvSpPr>
           <p:cNvPr id="2" name="Title 1"/>
           <p:cNvSpPr>
             <a:spLocks noGrp="1"/>
@@ -3231,67 +4826,6 @@
             <a:r>
               <a:rPr lang="en-IN" dirty="0" smtClean="0"/>
               <a:t>Idea Used</a:t>
-            </a:r>
-            <a:endParaRPr lang="en-US" dirty="0"/>
-          </a:p>
-        </p:txBody>
-      </p:sp>
-      <p:sp>
-        <p:nvSpPr>
-          <p:cNvPr id="3" name="Content Placeholder 2"/>
-          <p:cNvSpPr>
-            <a:spLocks noGrp="1"/>
-          </p:cNvSpPr>
-          <p:nvPr>
-            <p:ph idx="1"/>
-          </p:nvPr>
-        </p:nvSpPr>
-        <p:spPr/>
-        <p:txBody>
-          <a:bodyPr>
-            <a:normAutofit lnSpcReduction="10000"/>
-          </a:bodyPr>
-          <a:lstStyle/>
-          <a:p>
-            <a:r>
-              <a:rPr lang="en-IN" dirty="0" smtClean="0"/>
-              <a:t>Web crawlers are built to scrape </a:t>
-            </a:r>
-            <a:r>
-              <a:rPr lang="en-IN" dirty="0" err="1" smtClean="0"/>
-              <a:t>facebook</a:t>
-            </a:r>
-            <a:r>
-              <a:rPr lang="en-IN" dirty="0" smtClean="0"/>
-              <a:t>, </a:t>
-            </a:r>
-            <a:r>
-              <a:rPr lang="en-IN" dirty="0" err="1" smtClean="0"/>
-              <a:t>Instagram</a:t>
-            </a:r>
-            <a:r>
-              <a:rPr lang="en-IN" dirty="0" smtClean="0"/>
-              <a:t>, LinkedIn, </a:t>
-            </a:r>
-            <a:r>
-              <a:rPr lang="en-IN" dirty="0" err="1" smtClean="0"/>
-              <a:t>TrueCaller</a:t>
-            </a:r>
-            <a:r>
-              <a:rPr lang="en-IN" dirty="0" smtClean="0"/>
-              <a:t>, Google Search with latest News</a:t>
-            </a:r>
-          </a:p>
-          <a:p>
-            <a:r>
-              <a:rPr lang="en-IN" dirty="0" smtClean="0"/>
-              <a:t>Analysis on the social media data to get close friends data, location data and recent pictures.</a:t>
-            </a:r>
-          </a:p>
-          <a:p>
-            <a:r>
-              <a:rPr lang="en-IN" dirty="0" smtClean="0"/>
-              <a:t>Intrusive spam mail functionality has been built to trick the person to disclose his IP and location</a:t>
             </a:r>
             <a:endParaRPr lang="en-US" dirty="0"/>
           </a:p>
@@ -3324,29 +4858,6 @@
       </p:grpSpPr>
       <p:sp>
         <p:nvSpPr>
-          <p:cNvPr id="2" name="Title 1"/>
-          <p:cNvSpPr>
-            <a:spLocks noGrp="1"/>
-          </p:cNvSpPr>
-          <p:nvPr>
-            <p:ph type="title"/>
-          </p:nvPr>
-        </p:nvSpPr>
-        <p:spPr/>
-        <p:txBody>
-          <a:bodyPr/>
-          <a:lstStyle/>
-          <a:p>
-            <a:r>
-              <a:rPr lang="en-IN" dirty="0" smtClean="0"/>
-              <a:t>Idea Used</a:t>
-            </a:r>
-            <a:endParaRPr lang="en-US" dirty="0"/>
-          </a:p>
-        </p:txBody>
-      </p:sp>
-      <p:sp>
-        <p:nvSpPr>
           <p:cNvPr id="3" name="Content Placeholder 2"/>
           <p:cNvSpPr>
             <a:spLocks noGrp="1"/>
@@ -3381,6 +4892,29 @@
             <a:pPr>
               <a:buNone/>
             </a:pPr>
+            <a:endParaRPr lang="en-US" dirty="0"/>
+          </a:p>
+        </p:txBody>
+      </p:sp>
+      <p:sp>
+        <p:nvSpPr>
+          <p:cNvPr id="2" name="Title 1"/>
+          <p:cNvSpPr>
+            <a:spLocks noGrp="1"/>
+          </p:cNvSpPr>
+          <p:nvPr>
+            <p:ph type="title"/>
+          </p:nvPr>
+        </p:nvSpPr>
+        <p:spPr/>
+        <p:txBody>
+          <a:bodyPr/>
+          <a:lstStyle/>
+          <a:p>
+            <a:r>
+              <a:rPr lang="en-IN" dirty="0" smtClean="0"/>
+              <a:t>Idea Used</a:t>
+            </a:r>
             <a:endParaRPr lang="en-US" dirty="0"/>
           </a:p>
         </p:txBody>
@@ -3495,10 +5029,130 @@
 </p:sld>
 </file>
 
+<file path=ppt/slides/slide7.xml><?xml version="1.0" encoding="utf-8"?>
+<p:sld xmlns:a="http://schemas.openxmlformats.org/drawingml/2006/main" xmlns:r="http://schemas.openxmlformats.org/officeDocument/2006/relationships" xmlns:p="http://schemas.openxmlformats.org/presentationml/2006/main">
+  <p:cSld>
+    <p:spTree>
+      <p:nvGrpSpPr>
+        <p:cNvPr id="1" name=""/>
+        <p:cNvGrpSpPr/>
+        <p:nvPr/>
+      </p:nvGrpSpPr>
+      <p:grpSpPr>
+        <a:xfrm>
+          <a:off x="0" y="0"/>
+          <a:ext cx="0" cy="0"/>
+          <a:chOff x="0" y="0"/>
+          <a:chExt cx="0" cy="0"/>
+        </a:xfrm>
+      </p:grpSpPr>
+      <p:sp>
+        <p:nvSpPr>
+          <p:cNvPr id="3" name="Title 2"/>
+          <p:cNvSpPr>
+            <a:spLocks noGrp="1"/>
+          </p:cNvSpPr>
+          <p:nvPr>
+            <p:ph type="ctrTitle"/>
+          </p:nvPr>
+        </p:nvSpPr>
+        <p:spPr>
+          <a:xfrm>
+            <a:off x="685800" y="228600"/>
+            <a:ext cx="7772400" cy="1829761"/>
+          </a:xfrm>
+        </p:spPr>
+        <p:txBody>
+          <a:bodyPr/>
+          <a:lstStyle/>
+          <a:p>
+            <a:pPr algn="ctr"/>
+            <a:r>
+              <a:rPr lang="en-IN" dirty="0" smtClean="0"/>
+              <a:t>Thank you</a:t>
+            </a:r>
+            <a:endParaRPr lang="en-US" dirty="0"/>
+          </a:p>
+        </p:txBody>
+      </p:sp>
+      <p:sp>
+        <p:nvSpPr>
+          <p:cNvPr id="5" name="Subtitle 4"/>
+          <p:cNvSpPr>
+            <a:spLocks noGrp="1"/>
+          </p:cNvSpPr>
+          <p:nvPr>
+            <p:ph type="subTitle" idx="1"/>
+          </p:nvPr>
+        </p:nvSpPr>
+        <p:spPr>
+          <a:xfrm>
+            <a:off x="685800" y="2362200"/>
+            <a:ext cx="7772400" cy="2449111"/>
+          </a:xfrm>
+        </p:spPr>
+        <p:txBody>
+          <a:bodyPr>
+            <a:normAutofit fontScale="92500" lnSpcReduction="10000"/>
+          </a:bodyPr>
+          <a:lstStyle/>
+          <a:p>
+            <a:pPr algn="l"/>
+            <a:r>
+              <a:rPr lang="en-IN" dirty="0" smtClean="0"/>
+              <a:t>BY:</a:t>
+            </a:r>
+          </a:p>
+          <a:p>
+            <a:pPr algn="l"/>
+            <a:r>
+              <a:rPr lang="en-IN" dirty="0" smtClean="0"/>
+              <a:t>Appasaheb Chavan</a:t>
+            </a:r>
+          </a:p>
+          <a:p>
+            <a:pPr algn="l"/>
+            <a:r>
+              <a:rPr lang="en-IN" dirty="0" smtClean="0"/>
+              <a:t>K Vinyas Pai</a:t>
+            </a:r>
+          </a:p>
+          <a:p>
+            <a:pPr algn="l"/>
+            <a:r>
+              <a:rPr lang="en-IN" dirty="0" smtClean="0"/>
+              <a:t>Adarsha H P</a:t>
+            </a:r>
+          </a:p>
+          <a:p>
+            <a:pPr algn="l"/>
+            <a:r>
+              <a:rPr lang="en-IN" dirty="0" smtClean="0"/>
+              <a:t>Ajay Shastry</a:t>
+            </a:r>
+          </a:p>
+          <a:p>
+            <a:pPr algn="l"/>
+            <a:r>
+              <a:rPr lang="en-IN" dirty="0" smtClean="0"/>
+              <a:t>Keshava Pranath K</a:t>
+            </a:r>
+            <a:endParaRPr lang="en-US" dirty="0"/>
+          </a:p>
+        </p:txBody>
+      </p:sp>
+    </p:spTree>
+  </p:cSld>
+  <p:clrMapOvr>
+    <a:masterClrMapping/>
+  </p:clrMapOvr>
+</p:sld>
+</file>
+
 <file path=ppt/theme/theme1.xml><?xml version="1.0" encoding="utf-8"?>
-<a:theme xmlns:a="http://schemas.openxmlformats.org/drawingml/2006/main" name="Office Theme">
+<a:theme xmlns:a="http://schemas.openxmlformats.org/drawingml/2006/main" name="Concourse">
   <a:themeElements>
-    <a:clrScheme name="Office">
+    <a:clrScheme name="Concourse">
       <a:dk1>
         <a:sysClr val="windowText" lastClr="000000"/>
       </a:dk1>
@@ -3506,79 +5160,45 @@
         <a:sysClr val="window" lastClr="FFFFFF"/>
       </a:lt1>
       <a:dk2>
-        <a:srgbClr val="1F497D"/>
+        <a:srgbClr val="464646"/>
       </a:dk2>
       <a:lt2>
-        <a:srgbClr val="EEECE1"/>
+        <a:srgbClr val="DEF5FA"/>
       </a:lt2>
       <a:accent1>
-        <a:srgbClr val="4F81BD"/>
+        <a:srgbClr val="2DA2BF"/>
       </a:accent1>
       <a:accent2>
-        <a:srgbClr val="C0504D"/>
+        <a:srgbClr val="DA1F28"/>
       </a:accent2>
       <a:accent3>
-        <a:srgbClr val="9BBB59"/>
+        <a:srgbClr val="EB641B"/>
       </a:accent3>
       <a:accent4>
-        <a:srgbClr val="8064A2"/>
+        <a:srgbClr val="39639D"/>
       </a:accent4>
       <a:accent5>
-        <a:srgbClr val="4BACC6"/>
+        <a:srgbClr val="474B78"/>
       </a:accent5>
       <a:accent6>
-        <a:srgbClr val="F79646"/>
+        <a:srgbClr val="7D3C4A"/>
       </a:accent6>
       <a:hlink>
-        <a:srgbClr val="0000FF"/>
+        <a:srgbClr val="FF8119"/>
       </a:hlink>
       <a:folHlink>
-        <a:srgbClr val="800080"/>
+        <a:srgbClr val="44B9E8"/>
       </a:folHlink>
     </a:clrScheme>
-    <a:fontScheme name="Office">
+    <a:fontScheme name="Concourse">
       <a:majorFont>
-        <a:latin typeface="Calibri"/>
+        <a:latin typeface="Lucida Sans Unicode"/>
         <a:ea typeface=""/>
         <a:cs typeface=""/>
         <a:font script="Jpan" typeface="ＭＳ Ｐゴシック"/>
         <a:font script="Hang" typeface="맑은 고딕"/>
-        <a:font script="Hans" typeface="宋体"/>
-        <a:font script="Hant" typeface="新細明體"/>
-        <a:font script="Arab" typeface="Times New Roman"/>
-        <a:font script="Hebr" typeface="Times New Roman"/>
-        <a:font script="Thai" typeface="Angsana New"/>
-        <a:font script="Ethi" typeface="Nyala"/>
-        <a:font script="Beng" typeface="Vrinda"/>
-        <a:font script="Gujr" typeface="Shruti"/>
-        <a:font script="Khmr" typeface="MoolBoran"/>
-        <a:font script="Knda" typeface="Tunga"/>
-        <a:font script="Guru" typeface="Raavi"/>
-        <a:font script="Cans" typeface="Euphemia"/>
-        <a:font script="Cher" typeface="Plantagenet Cherokee"/>
-        <a:font script="Yiii" typeface="Microsoft Yi Baiti"/>
-        <a:font script="Tibt" typeface="Microsoft Himalaya"/>
-        <a:font script="Thaa" typeface="MV Boli"/>
-        <a:font script="Deva" typeface="Mangal"/>
-        <a:font script="Telu" typeface="Gautami"/>
-        <a:font script="Taml" typeface="Latha"/>
-        <a:font script="Syrc" typeface="Estrangelo Edessa"/>
-        <a:font script="Orya" typeface="Kalinga"/>
-        <a:font script="Mlym" typeface="Kartika"/>
-        <a:font script="Laoo" typeface="DokChampa"/>
-        <a:font script="Sinh" typeface="Iskoola Pota"/>
-        <a:font script="Mong" typeface="Mongolian Baiti"/>
-        <a:font script="Viet" typeface="Times New Roman"/>
-        <a:font script="Uigh" typeface="Microsoft Uighur"/>
-      </a:majorFont>
-      <a:minorFont>
-        <a:latin typeface="Calibri"/>
-        <a:ea typeface=""/>
-        <a:cs typeface=""/>
-        <a:font script="Jpan" typeface="ＭＳ Ｐゴシック"/>
-        <a:font script="Hang" typeface="맑은 고딕"/>
-        <a:font script="Hans" typeface="宋体"/>
-        <a:font script="Hant" typeface="新細明體"/>
+        <a:font script="Hans" typeface="黑体"/>
+        <a:font script="Hant" typeface="微軟正黑體"/>
         <a:font script="Arab" typeface="Arial"/>
         <a:font script="Hebr" typeface="Arial"/>
         <a:font script="Thai" typeface="Cordia New"/>
@@ -3602,11 +5222,43 @@
         <a:font script="Laoo" typeface="DokChampa"/>
         <a:font script="Sinh" typeface="Iskoola Pota"/>
         <a:font script="Mong" typeface="Mongolian Baiti"/>
-        <a:font script="Viet" typeface="Arial"/>
+        <a:font script="Uigh" typeface="Microsoft Uighur"/>
+      </a:majorFont>
+      <a:minorFont>
+        <a:latin typeface="Lucida Sans Unicode"/>
+        <a:ea typeface=""/>
+        <a:cs typeface=""/>
+        <a:font script="Jpan" typeface="ＭＳ Ｐゴシック"/>
+        <a:font script="Hang" typeface="맑은 고딕"/>
+        <a:font script="Hans" typeface="黑体"/>
+        <a:font script="Hant" typeface="微軟正黑體"/>
+        <a:font script="Arab" typeface="Arial"/>
+        <a:font script="Hebr" typeface="Arial"/>
+        <a:font script="Thai" typeface="Cordia New"/>
+        <a:font script="Ethi" typeface="Nyala"/>
+        <a:font script="Beng" typeface="Vrinda"/>
+        <a:font script="Gujr" typeface="Shruti"/>
+        <a:font script="Khmr" typeface="DaunPenh"/>
+        <a:font script="Knda" typeface="Tunga"/>
+        <a:font script="Guru" typeface="Raavi"/>
+        <a:font script="Cans" typeface="Euphemia"/>
+        <a:font script="Cher" typeface="Plantagenet Cherokee"/>
+        <a:font script="Yiii" typeface="Microsoft Yi Baiti"/>
+        <a:font script="Tibt" typeface="Microsoft Himalaya"/>
+        <a:font script="Thaa" typeface="MV Boli"/>
+        <a:font script="Deva" typeface="Mangal"/>
+        <a:font script="Telu" typeface="Gautami"/>
+        <a:font script="Taml" typeface="Latha"/>
+        <a:font script="Syrc" typeface="Estrangelo Edessa"/>
+        <a:font script="Orya" typeface="Kalinga"/>
+        <a:font script="Mlym" typeface="Kartika"/>
+        <a:font script="Laoo" typeface="DokChampa"/>
+        <a:font script="Sinh" typeface="Iskoola Pota"/>
+        <a:font script="Mong" typeface="Mongolian Baiti"/>
         <a:font script="Uigh" typeface="Microsoft Uighur"/>
       </a:minorFont>
     </a:fontScheme>
-    <a:fmtScheme name="Office">
+    <a:fmtScheme name="Concourse">
       <a:fillStyleLst>
         <a:solidFill>
           <a:schemeClr val="phClr"/>
@@ -3615,43 +5267,51 @@
           <a:gsLst>
             <a:gs pos="0">
               <a:schemeClr val="phClr">
-                <a:tint val="50000"/>
-                <a:satMod val="300000"/>
+                <a:tint val="62000"/>
+                <a:satMod val="180000"/>
               </a:schemeClr>
             </a:gs>
-            <a:gs pos="35000">
+            <a:gs pos="65000">
               <a:schemeClr val="phClr">
-                <a:tint val="37000"/>
-                <a:satMod val="300000"/>
+                <a:tint val="32000"/>
+                <a:satMod val="250000"/>
               </a:schemeClr>
             </a:gs>
             <a:gs pos="100000">
               <a:schemeClr val="phClr">
-                <a:tint val="15000"/>
-                <a:satMod val="350000"/>
+                <a:tint val="23000"/>
+                <a:satMod val="300000"/>
               </a:schemeClr>
             </a:gs>
           </a:gsLst>
-          <a:lin ang="16200000" scaled="1"/>
+          <a:lin ang="16200000" scaled="0"/>
         </a:gradFill>
         <a:gradFill rotWithShape="1">
           <a:gsLst>
             <a:gs pos="0">
               <a:schemeClr val="phClr">
-                <a:shade val="51000"/>
-                <a:satMod val="130000"/>
+                <a:shade val="15000"/>
+                <a:satMod val="180000"/>
               </a:schemeClr>
             </a:gs>
-            <a:gs pos="80000">
+            <a:gs pos="50000">
               <a:schemeClr val="phClr">
-                <a:shade val="93000"/>
-                <a:satMod val="130000"/>
+                <a:shade val="45000"/>
+                <a:satMod val="170000"/>
+              </a:schemeClr>
+            </a:gs>
+            <a:gs pos="70000">
+              <a:schemeClr val="phClr">
+                <a:tint val="99000"/>
+                <a:shade val="65000"/>
+                <a:satMod val="155000"/>
               </a:schemeClr>
             </a:gs>
             <a:gs pos="100000">
               <a:schemeClr val="phClr">
-                <a:shade val="94000"/>
-                <a:satMod val="135000"/>
+                <a:tint val="95500"/>
+                <a:shade val="100000"/>
+                <a:satMod val="155000"/>
               </a:schemeClr>
             </a:gs>
           </a:gsLst>
@@ -3661,20 +5321,17 @@
       <a:lnStyleLst>
         <a:ln w="9525" cap="flat" cmpd="sng" algn="ctr">
           <a:solidFill>
-            <a:schemeClr val="phClr">
-              <a:shade val="95000"/>
-              <a:satMod val="105000"/>
-            </a:schemeClr>
+            <a:schemeClr val="phClr"/>
           </a:solidFill>
           <a:prstDash val="solid"/>
         </a:ln>
-        <a:ln w="25400" cap="flat" cmpd="sng" algn="ctr">
+        <a:ln w="55000" cap="flat" cmpd="thickThin" algn="ctr">
           <a:solidFill>
             <a:schemeClr val="phClr"/>
           </a:solidFill>
           <a:prstDash val="solid"/>
         </a:ln>
-        <a:ln w="38100" cap="flat" cmpd="sng" algn="ctr">
+        <a:ln w="63500" cap="flat" cmpd="thickThin" algn="ctr">
           <a:solidFill>
             <a:schemeClr val="phClr"/>
           </a:solidFill>
@@ -3684,16 +5341,7 @@
       <a:effectStyleLst>
         <a:effectStyle>
           <a:effectLst>
-            <a:outerShdw blurRad="40000" dist="20000" dir="5400000" rotWithShape="0">
-              <a:srgbClr val="000000">
-                <a:alpha val="38000"/>
-              </a:srgbClr>
-            </a:outerShdw>
-          </a:effectLst>
-        </a:effectStyle>
-        <a:effectStyle>
-          <a:effectLst>
-            <a:outerShdw blurRad="40000" dist="23000" dir="5400000" rotWithShape="0">
+            <a:outerShdw blurRad="50800" dist="38100" dir="5400000" rotWithShape="0">
               <a:srgbClr val="000000">
                 <a:alpha val="35000"/>
               </a:srgbClr>
@@ -3702,22 +5350,36 @@
         </a:effectStyle>
         <a:effectStyle>
           <a:effectLst>
-            <a:outerShdw blurRad="40000" dist="23000" dir="5400000" rotWithShape="0">
+            <a:outerShdw blurRad="50800" dist="38100" dir="5400000" rotWithShape="0">
               <a:srgbClr val="000000">
                 <a:alpha val="35000"/>
               </a:srgbClr>
             </a:outerShdw>
           </a:effectLst>
+        </a:effectStyle>
+        <a:effectStyle>
+          <a:effectLst>
+            <a:outerShdw blurRad="63500" dist="38100" dir="5400000" rotWithShape="0">
+              <a:srgbClr val="000000">
+                <a:alpha val="45000"/>
+              </a:srgbClr>
+            </a:outerShdw>
+          </a:effectLst>
           <a:scene3d>
-            <a:camera prst="orthographicFront">
+            <a:camera prst="orthographicFront" fov="0">
               <a:rot lat="0" lon="0" rev="0"/>
             </a:camera>
-            <a:lightRig rig="threePt" dir="t">
-              <a:rot lat="0" lon="0" rev="1200000"/>
+            <a:lightRig rig="glow" dir="t">
+              <a:rot lat="0" lon="0" rev="6360000"/>
             </a:lightRig>
           </a:scene3d>
-          <a:sp3d>
-            <a:bevelT w="63500" h="25400"/>
+          <a:sp3d contourW="1000" prstMaterial="flat">
+            <a:bevelT w="95250" h="101600"/>
+            <a:contourClr>
+              <a:schemeClr val="phClr">
+                <a:satMod val="300000"/>
+              </a:schemeClr>
+            </a:contourClr>
           </a:sp3d>
         </a:effectStyle>
       </a:effectStyleLst>
@@ -3729,47 +5391,41 @@
           <a:gsLst>
             <a:gs pos="0">
               <a:schemeClr val="phClr">
-                <a:tint val="40000"/>
-                <a:satMod val="350000"/>
+                <a:tint val="55000"/>
+                <a:satMod val="300000"/>
               </a:schemeClr>
             </a:gs>
             <a:gs pos="40000">
               <a:schemeClr val="phClr">
-                <a:tint val="45000"/>
-                <a:shade val="99000"/>
-                <a:satMod val="350000"/>
-              </a:schemeClr>
-            </a:gs>
-            <a:gs pos="100000">
-              <a:schemeClr val="phClr">
-                <a:shade val="20000"/>
-                <a:satMod val="255000"/>
-              </a:schemeClr>
-            </a:gs>
-          </a:gsLst>
-          <a:path path="circle">
-            <a:fillToRect l="50000" t="-80000" r="50000" b="180000"/>
-          </a:path>
-        </a:gradFill>
-        <a:gradFill rotWithShape="1">
-          <a:gsLst>
-            <a:gs pos="0">
-              <a:schemeClr val="phClr">
-                <a:tint val="80000"/>
+                <a:tint val="65000"/>
                 <a:satMod val="300000"/>
               </a:schemeClr>
             </a:gs>
             <a:gs pos="100000">
               <a:schemeClr val="phClr">
-                <a:shade val="30000"/>
-                <a:satMod val="200000"/>
+                <a:shade val="65000"/>
+                <a:satMod val="300000"/>
               </a:schemeClr>
             </a:gs>
           </a:gsLst>
           <a:path path="circle">
-            <a:fillToRect l="50000" t="50000" r="50000" b="50000"/>
+            <a:fillToRect l="95000" t="-106500" r="5000" b="206500"/>
           </a:path>
         </a:gradFill>
+        <a:blipFill>
+          <a:blip xmlns:r="http://schemas.openxmlformats.org/officeDocument/2006/relationships" r:embed="rId1">
+            <a:duotone>
+              <a:schemeClr val="phClr">
+                <a:shade val="60000"/>
+                <a:satMod val="110000"/>
+              </a:schemeClr>
+              <a:schemeClr val="phClr">
+                <a:tint val="95000"/>
+              </a:schemeClr>
+            </a:duotone>
+          </a:blip>
+          <a:tile tx="0" ty="0" sx="50000" sy="50000" flip="none" algn="tl"/>
+        </a:blipFill>
       </a:bgFillStyleLst>
     </a:fmtScheme>
   </a:themeElements>
